--- a/Z-Voting presentation.pptx
+++ b/Z-Voting presentation.pptx
@@ -5,31 +5,35 @@
     <p:sldMasterId id="2147483648" r:id="rId1"/>
   </p:sldMasterIdLst>
   <p:notesMasterIdLst>
-    <p:notesMasterId r:id="rId24"/>
+    <p:notesMasterId r:id="rId28"/>
   </p:notesMasterIdLst>
   <p:sldIdLst>
     <p:sldId id="298" r:id="rId2"/>
     <p:sldId id="268" r:id="rId3"/>
-    <p:sldId id="269" r:id="rId4"/>
-    <p:sldId id="270" r:id="rId5"/>
-    <p:sldId id="280" r:id="rId6"/>
-    <p:sldId id="297" r:id="rId7"/>
-    <p:sldId id="284" r:id="rId8"/>
-    <p:sldId id="300" r:id="rId9"/>
-    <p:sldId id="294" r:id="rId10"/>
-    <p:sldId id="293" r:id="rId11"/>
-    <p:sldId id="295" r:id="rId12"/>
-    <p:sldId id="283" r:id="rId13"/>
-    <p:sldId id="285" r:id="rId14"/>
-    <p:sldId id="286" r:id="rId15"/>
-    <p:sldId id="287" r:id="rId16"/>
-    <p:sldId id="296" r:id="rId17"/>
-    <p:sldId id="299" r:id="rId18"/>
-    <p:sldId id="288" r:id="rId19"/>
-    <p:sldId id="290" r:id="rId20"/>
-    <p:sldId id="291" r:id="rId21"/>
-    <p:sldId id="301" r:id="rId22"/>
-    <p:sldId id="292" r:id="rId23"/>
+    <p:sldId id="265" r:id="rId4"/>
+    <p:sldId id="269" r:id="rId5"/>
+    <p:sldId id="270" r:id="rId6"/>
+    <p:sldId id="302" r:id="rId7"/>
+    <p:sldId id="303" r:id="rId8"/>
+    <p:sldId id="305" r:id="rId9"/>
+    <p:sldId id="306" r:id="rId10"/>
+    <p:sldId id="297" r:id="rId11"/>
+    <p:sldId id="284" r:id="rId12"/>
+    <p:sldId id="300" r:id="rId13"/>
+    <p:sldId id="294" r:id="rId14"/>
+    <p:sldId id="293" r:id="rId15"/>
+    <p:sldId id="295" r:id="rId16"/>
+    <p:sldId id="283" r:id="rId17"/>
+    <p:sldId id="285" r:id="rId18"/>
+    <p:sldId id="286" r:id="rId19"/>
+    <p:sldId id="287" r:id="rId20"/>
+    <p:sldId id="296" r:id="rId21"/>
+    <p:sldId id="299" r:id="rId22"/>
+    <p:sldId id="288" r:id="rId23"/>
+    <p:sldId id="290" r:id="rId24"/>
+    <p:sldId id="291" r:id="rId25"/>
+    <p:sldId id="292" r:id="rId26"/>
+    <p:sldId id="301" r:id="rId27"/>
   </p:sldIdLst>
   <p:sldSz cx="12192000" cy="6858000"/>
   <p:notesSz cx="6858000" cy="9144000"/>
@@ -241,7 +245,7 @@
           <a:p>
             <a:fld id="{88541BA1-61B7-4D5E-A047-EEFF712B90A7}" type="datetimeFigureOut">
               <a:rPr lang="en-US" smtClean="0"/>
-              <a:t>2022-09-14</a:t>
+              <a:t>2022-09-21</a:t>
             </a:fld>
             <a:endParaRPr lang="en-US"/>
           </a:p>
@@ -655,7 +659,7 @@
           <a:p>
             <a:fld id="{848D3F6E-151B-4A98-B6A5-5249DD6F485E}" type="datetimeFigureOut">
               <a:rPr lang="en-US" smtClean="0"/>
-              <a:t>2022-09-14</a:t>
+              <a:t>2022-09-21</a:t>
             </a:fld>
             <a:endParaRPr lang="en-US"/>
           </a:p>
@@ -853,7 +857,7 @@
           <a:p>
             <a:fld id="{848D3F6E-151B-4A98-B6A5-5249DD6F485E}" type="datetimeFigureOut">
               <a:rPr lang="en-US" smtClean="0"/>
-              <a:t>2022-09-14</a:t>
+              <a:t>2022-09-21</a:t>
             </a:fld>
             <a:endParaRPr lang="en-US"/>
           </a:p>
@@ -1061,7 +1065,7 @@
           <a:p>
             <a:fld id="{848D3F6E-151B-4A98-B6A5-5249DD6F485E}" type="datetimeFigureOut">
               <a:rPr lang="en-US" smtClean="0"/>
-              <a:t>2022-09-14</a:t>
+              <a:t>2022-09-21</a:t>
             </a:fld>
             <a:endParaRPr lang="en-US"/>
           </a:p>
@@ -1259,7 +1263,7 @@
           <a:p>
             <a:fld id="{848D3F6E-151B-4A98-B6A5-5249DD6F485E}" type="datetimeFigureOut">
               <a:rPr lang="en-US" smtClean="0"/>
-              <a:t>2022-09-14</a:t>
+              <a:t>2022-09-21</a:t>
             </a:fld>
             <a:endParaRPr lang="en-US"/>
           </a:p>
@@ -1534,7 +1538,7 @@
           <a:p>
             <a:fld id="{848D3F6E-151B-4A98-B6A5-5249DD6F485E}" type="datetimeFigureOut">
               <a:rPr lang="en-US" smtClean="0"/>
-              <a:t>2022-09-14</a:t>
+              <a:t>2022-09-21</a:t>
             </a:fld>
             <a:endParaRPr lang="en-US"/>
           </a:p>
@@ -1799,7 +1803,7 @@
           <a:p>
             <a:fld id="{848D3F6E-151B-4A98-B6A5-5249DD6F485E}" type="datetimeFigureOut">
               <a:rPr lang="en-US" smtClean="0"/>
-              <a:t>2022-09-14</a:t>
+              <a:t>2022-09-21</a:t>
             </a:fld>
             <a:endParaRPr lang="en-US"/>
           </a:p>
@@ -2211,7 +2215,7 @@
           <a:p>
             <a:fld id="{848D3F6E-151B-4A98-B6A5-5249DD6F485E}" type="datetimeFigureOut">
               <a:rPr lang="en-US" smtClean="0"/>
-              <a:t>2022-09-14</a:t>
+              <a:t>2022-09-21</a:t>
             </a:fld>
             <a:endParaRPr lang="en-US"/>
           </a:p>
@@ -2352,7 +2356,7 @@
           <a:p>
             <a:fld id="{848D3F6E-151B-4A98-B6A5-5249DD6F485E}" type="datetimeFigureOut">
               <a:rPr lang="en-US" smtClean="0"/>
-              <a:t>2022-09-14</a:t>
+              <a:t>2022-09-21</a:t>
             </a:fld>
             <a:endParaRPr lang="en-US"/>
           </a:p>
@@ -2465,7 +2469,7 @@
           <a:p>
             <a:fld id="{848D3F6E-151B-4A98-B6A5-5249DD6F485E}" type="datetimeFigureOut">
               <a:rPr lang="en-US" smtClean="0"/>
-              <a:t>2022-09-14</a:t>
+              <a:t>2022-09-21</a:t>
             </a:fld>
             <a:endParaRPr lang="en-US"/>
           </a:p>
@@ -2776,7 +2780,7 @@
           <a:p>
             <a:fld id="{848D3F6E-151B-4A98-B6A5-5249DD6F485E}" type="datetimeFigureOut">
               <a:rPr lang="en-US" smtClean="0"/>
-              <a:t>2022-09-14</a:t>
+              <a:t>2022-09-21</a:t>
             </a:fld>
             <a:endParaRPr lang="en-US"/>
           </a:p>
@@ -3064,7 +3068,7 @@
           <a:p>
             <a:fld id="{848D3F6E-151B-4A98-B6A5-5249DD6F485E}" type="datetimeFigureOut">
               <a:rPr lang="en-US" smtClean="0"/>
-              <a:t>2022-09-14</a:t>
+              <a:t>2022-09-21</a:t>
             </a:fld>
             <a:endParaRPr lang="en-US"/>
           </a:p>
@@ -3305,7 +3309,7 @@
           <a:p>
             <a:fld id="{848D3F6E-151B-4A98-B6A5-5249DD6F485E}" type="datetimeFigureOut">
               <a:rPr lang="en-US" smtClean="0"/>
-              <a:t>2022-09-14</a:t>
+              <a:t>2022-09-21</a:t>
             </a:fld>
             <a:endParaRPr lang="en-US"/>
           </a:p>
@@ -3920,6 +3924,625 @@
 </file>
 
 <file path=ppt/slides/slide10.xml><?xml version="1.0" encoding="utf-8"?>
+<p:sld xmlns:a="http://schemas.openxmlformats.org/drawingml/2006/main" xmlns:r="http://schemas.openxmlformats.org/officeDocument/2006/relationships" xmlns:p="http://schemas.openxmlformats.org/presentationml/2006/main">
+  <p:cSld>
+    <p:spTree>
+      <p:nvGrpSpPr>
+        <p:cNvPr id="1" name=""/>
+        <p:cNvGrpSpPr/>
+        <p:nvPr/>
+      </p:nvGrpSpPr>
+      <p:grpSpPr>
+        <a:xfrm>
+          <a:off x="0" y="0"/>
+          <a:ext cx="0" cy="0"/>
+          <a:chOff x="0" y="0"/>
+          <a:chExt cx="0" cy="0"/>
+        </a:xfrm>
+      </p:grpSpPr>
+      <p:sp>
+        <p:nvSpPr>
+          <p:cNvPr id="14" name="TextBox 13">
+            <a:extLst>
+              <a:ext uri="{FF2B5EF4-FFF2-40B4-BE49-F238E27FC236}">
+                <a16:creationId xmlns:a16="http://schemas.microsoft.com/office/drawing/2014/main" id="{E77BBB18-8B0E-7F44-34C0-39EA1D90927D}"/>
+              </a:ext>
+            </a:extLst>
+          </p:cNvPr>
+          <p:cNvSpPr txBox="1"/>
+          <p:nvPr/>
+        </p:nvSpPr>
+        <p:spPr>
+          <a:xfrm>
+            <a:off x="11464525" y="6009967"/>
+            <a:ext cx="385042" cy="523220"/>
+          </a:xfrm>
+          <a:prstGeom prst="rect">
+            <a:avLst/>
+          </a:prstGeom>
+          <a:noFill/>
+        </p:spPr>
+        <p:txBody>
+          <a:bodyPr wrap="none" rtlCol="0">
+            <a:spAutoFit/>
+          </a:bodyPr>
+          <a:lstStyle/>
+          <a:p>
+            <a:r>
+              <a:rPr lang="fa-IR" sz="2800" b="1" dirty="0"/>
+              <a:t>9</a:t>
+            </a:r>
+            <a:endParaRPr lang="en-US" sz="2800" b="1" dirty="0"/>
+          </a:p>
+        </p:txBody>
+      </p:sp>
+      <p:pic>
+        <p:nvPicPr>
+          <p:cNvPr id="30" name="Picture 29">
+            <a:extLst>
+              <a:ext uri="{FF2B5EF4-FFF2-40B4-BE49-F238E27FC236}">
+                <a16:creationId xmlns:a16="http://schemas.microsoft.com/office/drawing/2014/main" id="{949D7C74-A093-022C-8053-078BACAD61D8}"/>
+              </a:ext>
+            </a:extLst>
+          </p:cNvPr>
+          <p:cNvPicPr>
+            <a:picLocks noChangeAspect="1"/>
+          </p:cNvPicPr>
+          <p:nvPr/>
+        </p:nvPicPr>
+        <p:blipFill>
+          <a:blip r:embed="rId2"/>
+          <a:stretch>
+            <a:fillRect/>
+          </a:stretch>
+        </p:blipFill>
+        <p:spPr>
+          <a:xfrm>
+            <a:off x="1659435" y="0"/>
+            <a:ext cx="8870913" cy="6858000"/>
+          </a:xfrm>
+          <a:prstGeom prst="rect">
+            <a:avLst/>
+          </a:prstGeom>
+        </p:spPr>
+      </p:pic>
+    </p:spTree>
+    <p:extLst>
+      <p:ext uri="{BB962C8B-B14F-4D97-AF65-F5344CB8AC3E}">
+        <p14:creationId xmlns:p14="http://schemas.microsoft.com/office/powerpoint/2010/main" val="1215648780"/>
+      </p:ext>
+    </p:extLst>
+  </p:cSld>
+  <p:clrMapOvr>
+    <a:masterClrMapping/>
+  </p:clrMapOvr>
+</p:sld>
+</file>
+
+<file path=ppt/slides/slide11.xml><?xml version="1.0" encoding="utf-8"?>
+<p:sld xmlns:a="http://schemas.openxmlformats.org/drawingml/2006/main" xmlns:r="http://schemas.openxmlformats.org/officeDocument/2006/relationships" xmlns:p="http://schemas.openxmlformats.org/presentationml/2006/main">
+  <p:cSld>
+    <p:spTree>
+      <p:nvGrpSpPr>
+        <p:cNvPr id="1" name=""/>
+        <p:cNvGrpSpPr/>
+        <p:nvPr/>
+      </p:nvGrpSpPr>
+      <p:grpSpPr>
+        <a:xfrm>
+          <a:off x="0" y="0"/>
+          <a:ext cx="0" cy="0"/>
+          <a:chOff x="0" y="0"/>
+          <a:chExt cx="0" cy="0"/>
+        </a:xfrm>
+      </p:grpSpPr>
+      <p:sp>
+        <p:nvSpPr>
+          <p:cNvPr id="4" name="TextBox 3">
+            <a:extLst>
+              <a:ext uri="{FF2B5EF4-FFF2-40B4-BE49-F238E27FC236}">
+                <a16:creationId xmlns:a16="http://schemas.microsoft.com/office/drawing/2014/main" id="{0EDAC582-D10E-E1BE-3EE7-C011537C02A6}"/>
+              </a:ext>
+            </a:extLst>
+          </p:cNvPr>
+          <p:cNvSpPr txBox="1"/>
+          <p:nvPr/>
+        </p:nvSpPr>
+        <p:spPr>
+          <a:xfrm>
+            <a:off x="2609928" y="2584046"/>
+            <a:ext cx="6972144" cy="1107996"/>
+          </a:xfrm>
+          <a:prstGeom prst="rect">
+            <a:avLst/>
+          </a:prstGeom>
+          <a:noFill/>
+        </p:spPr>
+        <p:txBody>
+          <a:bodyPr wrap="square" rtlCol="0" anchor="ctr">
+            <a:spAutoFit/>
+          </a:bodyPr>
+          <a:lstStyle/>
+          <a:p>
+            <a:r>
+              <a:rPr lang="en-US" sz="6600" b="1" dirty="0">
+                <a:latin typeface="Arial" panose="020B0604020202020204" pitchFamily="34" charset="0"/>
+                <a:cs typeface="Arial" panose="020B0604020202020204" pitchFamily="34" charset="0"/>
+              </a:rPr>
+              <a:t>Let’s see a demo</a:t>
+            </a:r>
+          </a:p>
+        </p:txBody>
+      </p:sp>
+      <p:cxnSp>
+        <p:nvCxnSpPr>
+          <p:cNvPr id="5" name="Straight Connector 4">
+            <a:extLst>
+              <a:ext uri="{FF2B5EF4-FFF2-40B4-BE49-F238E27FC236}">
+                <a16:creationId xmlns:a16="http://schemas.microsoft.com/office/drawing/2014/main" id="{8AB8F30D-E183-7E22-5AA4-C00315575114}"/>
+              </a:ext>
+            </a:extLst>
+          </p:cNvPr>
+          <p:cNvCxnSpPr>
+            <a:cxnSpLocks/>
+          </p:cNvCxnSpPr>
+          <p:nvPr/>
+        </p:nvCxnSpPr>
+        <p:spPr>
+          <a:xfrm>
+            <a:off x="2609928" y="3692042"/>
+            <a:ext cx="6972144" cy="0"/>
+          </a:xfrm>
+          <a:prstGeom prst="line">
+            <a:avLst/>
+          </a:prstGeom>
+          <a:ln w="76200">
+            <a:solidFill>
+              <a:schemeClr val="tx1"/>
+            </a:solidFill>
+          </a:ln>
+        </p:spPr>
+        <p:style>
+          <a:lnRef idx="1">
+            <a:schemeClr val="accent1"/>
+          </a:lnRef>
+          <a:fillRef idx="0">
+            <a:schemeClr val="accent1"/>
+          </a:fillRef>
+          <a:effectRef idx="0">
+            <a:schemeClr val="accent1"/>
+          </a:effectRef>
+          <a:fontRef idx="minor">
+            <a:schemeClr val="tx1"/>
+          </a:fontRef>
+        </p:style>
+      </p:cxnSp>
+    </p:spTree>
+    <p:extLst>
+      <p:ext uri="{BB962C8B-B14F-4D97-AF65-F5344CB8AC3E}">
+        <p14:creationId xmlns:p14="http://schemas.microsoft.com/office/powerpoint/2010/main" val="1476503656"/>
+      </p:ext>
+    </p:extLst>
+  </p:cSld>
+  <p:clrMapOvr>
+    <a:masterClrMapping/>
+  </p:clrMapOvr>
+</p:sld>
+</file>
+
+<file path=ppt/slides/slide12.xml><?xml version="1.0" encoding="utf-8"?>
+<p:sld xmlns:a="http://schemas.openxmlformats.org/drawingml/2006/main" xmlns:r="http://schemas.openxmlformats.org/officeDocument/2006/relationships" xmlns:p="http://schemas.openxmlformats.org/presentationml/2006/main">
+  <p:cSld>
+    <p:spTree>
+      <p:nvGrpSpPr>
+        <p:cNvPr id="1" name=""/>
+        <p:cNvGrpSpPr/>
+        <p:nvPr/>
+      </p:nvGrpSpPr>
+      <p:grpSpPr>
+        <a:xfrm>
+          <a:off x="0" y="0"/>
+          <a:ext cx="0" cy="0"/>
+          <a:chOff x="0" y="0"/>
+          <a:chExt cx="0" cy="0"/>
+        </a:xfrm>
+      </p:grpSpPr>
+      <p:pic>
+        <p:nvPicPr>
+          <p:cNvPr id="7" name="Picture 6">
+            <a:extLst>
+              <a:ext uri="{FF2B5EF4-FFF2-40B4-BE49-F238E27FC236}">
+                <a16:creationId xmlns:a16="http://schemas.microsoft.com/office/drawing/2014/main" id="{4658A6FB-727B-5420-8888-E310BA9A932B}"/>
+              </a:ext>
+            </a:extLst>
+          </p:cNvPr>
+          <p:cNvPicPr>
+            <a:picLocks noChangeAspect="1"/>
+          </p:cNvPicPr>
+          <p:nvPr/>
+        </p:nvPicPr>
+        <p:blipFill>
+          <a:blip r:embed="rId2">
+            <a:extLst>
+              <a:ext uri="{28A0092B-C50C-407E-A947-70E740481C1C}">
+                <a14:useLocalDpi xmlns:a14="http://schemas.microsoft.com/office/drawing/2010/main" val="0"/>
+              </a:ext>
+            </a:extLst>
+          </a:blip>
+          <a:stretch>
+            <a:fillRect/>
+          </a:stretch>
+        </p:blipFill>
+        <p:spPr>
+          <a:xfrm>
+            <a:off x="0" y="683542"/>
+            <a:ext cx="12192000" cy="5490915"/>
+          </a:xfrm>
+          <a:prstGeom prst="rect">
+            <a:avLst/>
+          </a:prstGeom>
+        </p:spPr>
+      </p:pic>
+      <p:sp>
+        <p:nvSpPr>
+          <p:cNvPr id="13" name="Arrow: Right 12">
+            <a:extLst>
+              <a:ext uri="{FF2B5EF4-FFF2-40B4-BE49-F238E27FC236}">
+                <a16:creationId xmlns:a16="http://schemas.microsoft.com/office/drawing/2014/main" id="{5EC035CC-496F-8C8D-884C-64286B6323CD}"/>
+              </a:ext>
+            </a:extLst>
+          </p:cNvPr>
+          <p:cNvSpPr/>
+          <p:nvPr/>
+        </p:nvSpPr>
+        <p:spPr>
+          <a:xfrm>
+            <a:off x="1061884" y="4228374"/>
+            <a:ext cx="2300748" cy="693174"/>
+          </a:xfrm>
+          <a:prstGeom prst="rightArrow">
+            <a:avLst/>
+          </a:prstGeom>
+          <a:solidFill>
+            <a:srgbClr val="ED6C02"/>
+          </a:solidFill>
+          <a:ln>
+            <a:solidFill>
+              <a:srgbClr val="ED6C02"/>
+            </a:solidFill>
+          </a:ln>
+        </p:spPr>
+        <p:style>
+          <a:lnRef idx="2">
+            <a:schemeClr val="accent1">
+              <a:shade val="50000"/>
+            </a:schemeClr>
+          </a:lnRef>
+          <a:fillRef idx="1">
+            <a:schemeClr val="accent1"/>
+          </a:fillRef>
+          <a:effectRef idx="0">
+            <a:schemeClr val="accent1"/>
+          </a:effectRef>
+          <a:fontRef idx="minor">
+            <a:schemeClr val="lt1"/>
+          </a:fontRef>
+        </p:style>
+        <p:txBody>
+          <a:bodyPr rtlCol="0" anchor="ctr"/>
+          <a:lstStyle/>
+          <a:p>
+            <a:pPr algn="ctr"/>
+            <a:endParaRPr lang="en-US"/>
+          </a:p>
+        </p:txBody>
+      </p:sp>
+    </p:spTree>
+    <p:extLst>
+      <p:ext uri="{BB962C8B-B14F-4D97-AF65-F5344CB8AC3E}">
+        <p14:creationId xmlns:p14="http://schemas.microsoft.com/office/powerpoint/2010/main" val="2763702226"/>
+      </p:ext>
+    </p:extLst>
+  </p:cSld>
+  <p:clrMapOvr>
+    <a:masterClrMapping/>
+  </p:clrMapOvr>
+  <p:timing>
+    <p:tnLst>
+      <p:par>
+        <p:cTn id="1" dur="indefinite" restart="never" nodeType="tmRoot">
+          <p:childTnLst>
+            <p:seq concurrent="1" nextAc="seek">
+              <p:cTn id="2" dur="indefinite" nodeType="mainSeq">
+                <p:childTnLst>
+                  <p:par>
+                    <p:cTn id="3" fill="hold">
+                      <p:stCondLst>
+                        <p:cond delay="indefinite"/>
+                        <p:cond evt="onBegin" delay="0">
+                          <p:tn val="2"/>
+                        </p:cond>
+                      </p:stCondLst>
+                      <p:childTnLst>
+                        <p:par>
+                          <p:cTn id="4" fill="hold">
+                            <p:stCondLst>
+                              <p:cond delay="0"/>
+                            </p:stCondLst>
+                            <p:childTnLst>
+                              <p:par>
+                                <p:cTn id="5" presetID="10" presetClass="entr" presetSubtype="0" fill="hold" grpId="0" nodeType="withEffect">
+                                  <p:stCondLst>
+                                    <p:cond delay="0"/>
+                                  </p:stCondLst>
+                                  <p:childTnLst>
+                                    <p:set>
+                                      <p:cBhvr>
+                                        <p:cTn id="6" dur="1" fill="hold">
+                                          <p:stCondLst>
+                                            <p:cond delay="0"/>
+                                          </p:stCondLst>
+                                        </p:cTn>
+                                        <p:tgtEl>
+                                          <p:spTgt spid="13"/>
+                                        </p:tgtEl>
+                                        <p:attrNameLst>
+                                          <p:attrName>style.visibility</p:attrName>
+                                        </p:attrNameLst>
+                                      </p:cBhvr>
+                                      <p:to>
+                                        <p:strVal val="visible"/>
+                                      </p:to>
+                                    </p:set>
+                                    <p:animEffect transition="in" filter="fade">
+                                      <p:cBhvr>
+                                        <p:cTn id="7" dur="700"/>
+                                        <p:tgtEl>
+                                          <p:spTgt spid="13"/>
+                                        </p:tgtEl>
+                                      </p:cBhvr>
+                                    </p:animEffect>
+                                  </p:childTnLst>
+                                </p:cTn>
+                              </p:par>
+                              <p:par>
+                                <p:cTn id="8" presetID="63" presetClass="path" presetSubtype="0" accel="50000" decel="50000" fill="hold" grpId="1" nodeType="withEffect">
+                                  <p:stCondLst>
+                                    <p:cond delay="0"/>
+                                  </p:stCondLst>
+                                  <p:childTnLst>
+                                    <p:animMotion origin="layout" path="M -2.08333E-7 3.7037E-7 L 0.10677 -0.00046 " pathEditMode="relative" rAng="0" ptsTypes="AA">
+                                      <p:cBhvr>
+                                        <p:cTn id="9" dur="1250" fill="hold"/>
+                                        <p:tgtEl>
+                                          <p:spTgt spid="13"/>
+                                        </p:tgtEl>
+                                        <p:attrNameLst>
+                                          <p:attrName>ppt_x</p:attrName>
+                                          <p:attrName>ppt_y</p:attrName>
+                                        </p:attrNameLst>
+                                      </p:cBhvr>
+                                      <p:rCtr x="5339" y="-23"/>
+                                    </p:animMotion>
+                                  </p:childTnLst>
+                                </p:cTn>
+                              </p:par>
+                            </p:childTnLst>
+                          </p:cTn>
+                        </p:par>
+                        <p:par>
+                          <p:cTn id="10" fill="hold">
+                            <p:stCondLst>
+                              <p:cond delay="1250"/>
+                            </p:stCondLst>
+                            <p:childTnLst>
+                              <p:par>
+                                <p:cTn id="11" presetID="35" presetClass="path" presetSubtype="0" accel="50000" decel="50000" fill="hold" grpId="2" nodeType="afterEffect">
+                                  <p:stCondLst>
+                                    <p:cond delay="0"/>
+                                  </p:stCondLst>
+                                  <p:childTnLst>
+                                    <p:animMotion origin="layout" path="M 0.10794 -0.00046 L -1.45833E-6 3.33333E-6 " pathEditMode="relative" rAng="0" ptsTypes="AA">
+                                      <p:cBhvr>
+                                        <p:cTn id="12" dur="1250" fill="hold"/>
+                                        <p:tgtEl>
+                                          <p:spTgt spid="13"/>
+                                        </p:tgtEl>
+                                        <p:attrNameLst>
+                                          <p:attrName>ppt_x</p:attrName>
+                                          <p:attrName>ppt_y</p:attrName>
+                                        </p:attrNameLst>
+                                      </p:cBhvr>
+                                      <p:rCtr x="-5365" y="0"/>
+                                    </p:animMotion>
+                                  </p:childTnLst>
+                                </p:cTn>
+                              </p:par>
+                              <p:par>
+                                <p:cTn id="13" presetID="22" presetClass="exit" presetSubtype="4" fill="hold" grpId="3" nodeType="withEffect">
+                                  <p:stCondLst>
+                                    <p:cond delay="750"/>
+                                  </p:stCondLst>
+                                  <p:childTnLst>
+                                    <p:animEffect transition="out" filter="wipe(down)">
+                                      <p:cBhvr>
+                                        <p:cTn id="14" dur="600"/>
+                                        <p:tgtEl>
+                                          <p:spTgt spid="13"/>
+                                        </p:tgtEl>
+                                      </p:cBhvr>
+                                    </p:animEffect>
+                                    <p:set>
+                                      <p:cBhvr>
+                                        <p:cTn id="15" dur="1" fill="hold">
+                                          <p:stCondLst>
+                                            <p:cond delay="599"/>
+                                          </p:stCondLst>
+                                        </p:cTn>
+                                        <p:tgtEl>
+                                          <p:spTgt spid="13"/>
+                                        </p:tgtEl>
+                                        <p:attrNameLst>
+                                          <p:attrName>style.visibility</p:attrName>
+                                        </p:attrNameLst>
+                                      </p:cBhvr>
+                                      <p:to>
+                                        <p:strVal val="hidden"/>
+                                      </p:to>
+                                    </p:set>
+                                  </p:childTnLst>
+                                </p:cTn>
+                              </p:par>
+                            </p:childTnLst>
+                          </p:cTn>
+                        </p:par>
+                      </p:childTnLst>
+                    </p:cTn>
+                  </p:par>
+                </p:childTnLst>
+              </p:cTn>
+              <p:prevCondLst>
+                <p:cond evt="onPrev" delay="0">
+                  <p:tgtEl>
+                    <p:sldTgt/>
+                  </p:tgtEl>
+                </p:cond>
+              </p:prevCondLst>
+              <p:nextCondLst>
+                <p:cond evt="onNext" delay="0">
+                  <p:tgtEl>
+                    <p:sldTgt/>
+                  </p:tgtEl>
+                </p:cond>
+              </p:nextCondLst>
+            </p:seq>
+          </p:childTnLst>
+        </p:cTn>
+      </p:par>
+    </p:tnLst>
+    <p:bldLst>
+      <p:bldP spid="13" grpId="0" animBg="1"/>
+      <p:bldP spid="13" grpId="1" animBg="1"/>
+      <p:bldP spid="13" grpId="2" animBg="1"/>
+      <p:bldP spid="13" grpId="3" animBg="1"/>
+    </p:bldLst>
+  </p:timing>
+</p:sld>
+</file>
+
+<file path=ppt/slides/slide13.xml><?xml version="1.0" encoding="utf-8"?>
+<p:sld xmlns:a="http://schemas.openxmlformats.org/drawingml/2006/main" xmlns:r="http://schemas.openxmlformats.org/officeDocument/2006/relationships" xmlns:p="http://schemas.openxmlformats.org/presentationml/2006/main">
+  <p:cSld>
+    <p:spTree>
+      <p:nvGrpSpPr>
+        <p:cNvPr id="1" name=""/>
+        <p:cNvGrpSpPr/>
+        <p:nvPr/>
+      </p:nvGrpSpPr>
+      <p:grpSpPr>
+        <a:xfrm>
+          <a:off x="0" y="0"/>
+          <a:ext cx="0" cy="0"/>
+          <a:chOff x="0" y="0"/>
+          <a:chExt cx="0" cy="0"/>
+        </a:xfrm>
+      </p:grpSpPr>
+      <p:sp>
+        <p:nvSpPr>
+          <p:cNvPr id="4" name="TextBox 3">
+            <a:extLst>
+              <a:ext uri="{FF2B5EF4-FFF2-40B4-BE49-F238E27FC236}">
+                <a16:creationId xmlns:a16="http://schemas.microsoft.com/office/drawing/2014/main" id="{0EDAC582-D10E-E1BE-3EE7-C011537C02A6}"/>
+              </a:ext>
+            </a:extLst>
+          </p:cNvPr>
+          <p:cNvSpPr txBox="1"/>
+          <p:nvPr/>
+        </p:nvSpPr>
+        <p:spPr>
+          <a:xfrm>
+            <a:off x="2025445" y="2584046"/>
+            <a:ext cx="8141110" cy="1107996"/>
+          </a:xfrm>
+          <a:prstGeom prst="rect">
+            <a:avLst/>
+          </a:prstGeom>
+          <a:noFill/>
+        </p:spPr>
+        <p:txBody>
+          <a:bodyPr wrap="square" rtlCol="0" anchor="ctr">
+            <a:spAutoFit/>
+          </a:bodyPr>
+          <a:lstStyle/>
+          <a:p>
+            <a:pPr algn="ctr"/>
+            <a:r>
+              <a:rPr lang="en-US" sz="6600" b="1" dirty="0">
+                <a:latin typeface="Arial" panose="020B0604020202020204" pitchFamily="34" charset="0"/>
+                <a:cs typeface="Arial" panose="020B0604020202020204" pitchFamily="34" charset="0"/>
+              </a:rPr>
+              <a:t>Generate a VotingID</a:t>
+            </a:r>
+          </a:p>
+        </p:txBody>
+      </p:sp>
+      <p:cxnSp>
+        <p:nvCxnSpPr>
+          <p:cNvPr id="5" name="Straight Connector 4">
+            <a:extLst>
+              <a:ext uri="{FF2B5EF4-FFF2-40B4-BE49-F238E27FC236}">
+                <a16:creationId xmlns:a16="http://schemas.microsoft.com/office/drawing/2014/main" id="{8AB8F30D-E183-7E22-5AA4-C00315575114}"/>
+              </a:ext>
+            </a:extLst>
+          </p:cNvPr>
+          <p:cNvCxnSpPr>
+            <a:cxnSpLocks/>
+          </p:cNvCxnSpPr>
+          <p:nvPr/>
+        </p:nvCxnSpPr>
+        <p:spPr>
+          <a:xfrm>
+            <a:off x="2025445" y="3692042"/>
+            <a:ext cx="8141110" cy="0"/>
+          </a:xfrm>
+          <a:prstGeom prst="line">
+            <a:avLst/>
+          </a:prstGeom>
+          <a:ln w="76200">
+            <a:solidFill>
+              <a:schemeClr val="tx1"/>
+            </a:solidFill>
+          </a:ln>
+        </p:spPr>
+        <p:style>
+          <a:lnRef idx="1">
+            <a:schemeClr val="accent1"/>
+          </a:lnRef>
+          <a:fillRef idx="0">
+            <a:schemeClr val="accent1"/>
+          </a:fillRef>
+          <a:effectRef idx="0">
+            <a:schemeClr val="accent1"/>
+          </a:effectRef>
+          <a:fontRef idx="minor">
+            <a:schemeClr val="tx1"/>
+          </a:fontRef>
+        </p:style>
+      </p:cxnSp>
+    </p:spTree>
+    <p:extLst>
+      <p:ext uri="{BB962C8B-B14F-4D97-AF65-F5344CB8AC3E}">
+        <p14:creationId xmlns:p14="http://schemas.microsoft.com/office/powerpoint/2010/main" val="4032985810"/>
+      </p:ext>
+    </p:extLst>
+  </p:cSld>
+  <p:clrMapOvr>
+    <a:masterClrMapping/>
+  </p:clrMapOvr>
+</p:sld>
+</file>
+
+<file path=ppt/slides/slide14.xml><?xml version="1.0" encoding="utf-8"?>
 <p:sld xmlns:a="http://schemas.openxmlformats.org/drawingml/2006/main" xmlns:r="http://schemas.openxmlformats.org/officeDocument/2006/relationships" xmlns:p="http://schemas.openxmlformats.org/presentationml/2006/main">
   <p:cSld>
     <p:spTree>
@@ -4550,7 +5173,7 @@
 </p:sld>
 </file>
 
-<file path=ppt/slides/slide11.xml><?xml version="1.0" encoding="utf-8"?>
+<file path=ppt/slides/slide15.xml><?xml version="1.0" encoding="utf-8"?>
 <p:sld xmlns:a="http://schemas.openxmlformats.org/drawingml/2006/main" xmlns:r="http://schemas.openxmlformats.org/officeDocument/2006/relationships" xmlns:p="http://schemas.openxmlformats.org/presentationml/2006/main">
   <p:cSld>
     <p:spTree>
@@ -4662,7 +5285,7 @@
 </p:sld>
 </file>
 
-<file path=ppt/slides/slide12.xml><?xml version="1.0" encoding="utf-8"?>
+<file path=ppt/slides/slide16.xml><?xml version="1.0" encoding="utf-8"?>
 <p:sld xmlns:a="http://schemas.openxmlformats.org/drawingml/2006/main" xmlns:r="http://schemas.openxmlformats.org/officeDocument/2006/relationships" xmlns:p="http://schemas.openxmlformats.org/presentationml/2006/main">
   <p:cSld>
     <p:spTree>
@@ -4959,7 +5582,7 @@
 </p:sld>
 </file>
 
-<file path=ppt/slides/slide13.xml><?xml version="1.0" encoding="utf-8"?>
+<file path=ppt/slides/slide17.xml><?xml version="1.0" encoding="utf-8"?>
 <p:sld xmlns:a="http://schemas.openxmlformats.org/drawingml/2006/main" xmlns:r="http://schemas.openxmlformats.org/officeDocument/2006/relationships" xmlns:p="http://schemas.openxmlformats.org/presentationml/2006/main">
   <p:cSld>
     <p:spTree>
@@ -5643,7 +6266,7 @@
 </p:sld>
 </file>
 
-<file path=ppt/slides/slide14.xml><?xml version="1.0" encoding="utf-8"?>
+<file path=ppt/slides/slide18.xml><?xml version="1.0" encoding="utf-8"?>
 <p:sld xmlns:a="http://schemas.openxmlformats.org/drawingml/2006/main" xmlns:r="http://schemas.openxmlformats.org/officeDocument/2006/relationships" xmlns:p="http://schemas.openxmlformats.org/presentationml/2006/main">
   <p:cSld>
     <p:spTree>
@@ -5709,7 +6332,7 @@
 </p:sld>
 </file>
 
-<file path=ppt/slides/slide15.xml><?xml version="1.0" encoding="utf-8"?>
+<file path=ppt/slides/slide19.xml><?xml version="1.0" encoding="utf-8"?>
 <p:sld xmlns:a="http://schemas.openxmlformats.org/drawingml/2006/main" xmlns:r="http://schemas.openxmlformats.org/officeDocument/2006/relationships" xmlns:p="http://schemas.openxmlformats.org/presentationml/2006/main">
   <p:cSld>
     <p:spTree>
@@ -5974,7 +6597,536 @@
 </p:sld>
 </file>
 
-<file path=ppt/slides/slide16.xml><?xml version="1.0" encoding="utf-8"?>
+<file path=ppt/slides/slide2.xml><?xml version="1.0" encoding="utf-8"?>
+<p:sld xmlns:a="http://schemas.openxmlformats.org/drawingml/2006/main" xmlns:r="http://schemas.openxmlformats.org/officeDocument/2006/relationships" xmlns:p="http://schemas.openxmlformats.org/presentationml/2006/main">
+  <p:cSld>
+    <p:spTree>
+      <p:nvGrpSpPr>
+        <p:cNvPr id="1" name=""/>
+        <p:cNvGrpSpPr/>
+        <p:nvPr/>
+      </p:nvGrpSpPr>
+      <p:grpSpPr>
+        <a:xfrm>
+          <a:off x="0" y="0"/>
+          <a:ext cx="0" cy="0"/>
+          <a:chOff x="0" y="0"/>
+          <a:chExt cx="0" cy="0"/>
+        </a:xfrm>
+      </p:grpSpPr>
+      <p:sp>
+        <p:nvSpPr>
+          <p:cNvPr id="2" name="TextBox 1">
+            <a:extLst>
+              <a:ext uri="{FF2B5EF4-FFF2-40B4-BE49-F238E27FC236}">
+                <a16:creationId xmlns:a16="http://schemas.microsoft.com/office/drawing/2014/main" id="{E5CF28E0-C143-00BA-0520-C6DA5A2F012C}"/>
+              </a:ext>
+            </a:extLst>
+          </p:cNvPr>
+          <p:cNvSpPr txBox="1"/>
+          <p:nvPr/>
+        </p:nvSpPr>
+        <p:spPr>
+          <a:xfrm>
+            <a:off x="1685628" y="1405585"/>
+            <a:ext cx="6345386" cy="400110"/>
+          </a:xfrm>
+          <a:prstGeom prst="rect">
+            <a:avLst/>
+          </a:prstGeom>
+          <a:noFill/>
+        </p:spPr>
+        <p:txBody>
+          <a:bodyPr wrap="square" rtlCol="0">
+            <a:spAutoFit/>
+          </a:bodyPr>
+          <a:lstStyle/>
+          <a:p>
+            <a:pPr marL="342900" indent="-342900">
+              <a:buFont typeface="Wingdings" panose="05000000000000000000" pitchFamily="2" charset="2"/>
+              <a:buChar char="ü"/>
+            </a:pPr>
+            <a:r>
+              <a:rPr lang="en-US" sz="2000" b="1" dirty="0">
+                <a:latin typeface="Arial" panose="020B0604020202020204" pitchFamily="34" charset="0"/>
+                <a:cs typeface="Arial" panose="020B0604020202020204" pitchFamily="34" charset="0"/>
+              </a:rPr>
+              <a:t>A Complete anonymous Voting framework</a:t>
+            </a:r>
+          </a:p>
+        </p:txBody>
+      </p:sp>
+      <p:sp>
+        <p:nvSpPr>
+          <p:cNvPr id="6" name="TextBox 5">
+            <a:extLst>
+              <a:ext uri="{FF2B5EF4-FFF2-40B4-BE49-F238E27FC236}">
+                <a16:creationId xmlns:a16="http://schemas.microsoft.com/office/drawing/2014/main" id="{C7DB60A5-B7B3-9CCA-6642-2B6E51C0E32D}"/>
+              </a:ext>
+            </a:extLst>
+          </p:cNvPr>
+          <p:cNvSpPr txBox="1"/>
+          <p:nvPr/>
+        </p:nvSpPr>
+        <p:spPr>
+          <a:xfrm>
+            <a:off x="1699500" y="1998684"/>
+            <a:ext cx="4405749" cy="400110"/>
+          </a:xfrm>
+          <a:prstGeom prst="rect">
+            <a:avLst/>
+          </a:prstGeom>
+          <a:noFill/>
+        </p:spPr>
+        <p:txBody>
+          <a:bodyPr wrap="square" rtlCol="0">
+            <a:spAutoFit/>
+          </a:bodyPr>
+          <a:lstStyle/>
+          <a:p>
+            <a:pPr marL="342900" indent="-342900">
+              <a:buFont typeface="Wingdings" panose="05000000000000000000" pitchFamily="2" charset="2"/>
+              <a:buChar char="ü"/>
+            </a:pPr>
+            <a:r>
+              <a:rPr lang="en-US" sz="2000" b="1" dirty="0">
+                <a:latin typeface="Arial" panose="020B0604020202020204" pitchFamily="34" charset="0"/>
+                <a:cs typeface="Arial" panose="020B0604020202020204" pitchFamily="34" charset="0"/>
+              </a:rPr>
+              <a:t>Using zero-knowledge proof</a:t>
+            </a:r>
+          </a:p>
+        </p:txBody>
+      </p:sp>
+      <p:sp>
+        <p:nvSpPr>
+          <p:cNvPr id="8" name="TextBox 7">
+            <a:extLst>
+              <a:ext uri="{FF2B5EF4-FFF2-40B4-BE49-F238E27FC236}">
+                <a16:creationId xmlns:a16="http://schemas.microsoft.com/office/drawing/2014/main" id="{F04B489F-A4BD-B829-182D-DB2A1B31E508}"/>
+              </a:ext>
+            </a:extLst>
+          </p:cNvPr>
+          <p:cNvSpPr txBox="1"/>
+          <p:nvPr/>
+        </p:nvSpPr>
+        <p:spPr>
+          <a:xfrm>
+            <a:off x="1685627" y="2592541"/>
+            <a:ext cx="2299856" cy="400110"/>
+          </a:xfrm>
+          <a:prstGeom prst="rect">
+            <a:avLst/>
+          </a:prstGeom>
+          <a:noFill/>
+        </p:spPr>
+        <p:txBody>
+          <a:bodyPr wrap="square" rtlCol="0">
+            <a:spAutoFit/>
+          </a:bodyPr>
+          <a:lstStyle/>
+          <a:p>
+            <a:pPr marL="342900" indent="-342900">
+              <a:buFont typeface="Wingdings" panose="05000000000000000000" pitchFamily="2" charset="2"/>
+              <a:buChar char="ü"/>
+            </a:pPr>
+            <a:r>
+              <a:rPr lang="en-US" sz="2000" b="1" dirty="0">
+                <a:latin typeface="Arial" panose="020B0604020202020204" pitchFamily="34" charset="0"/>
+                <a:cs typeface="Arial" panose="020B0604020202020204" pitchFamily="34" charset="0"/>
+              </a:rPr>
+              <a:t>Private Voting</a:t>
+            </a:r>
+          </a:p>
+        </p:txBody>
+      </p:sp>
+      <p:sp>
+        <p:nvSpPr>
+          <p:cNvPr id="10" name="TextBox 9">
+            <a:extLst>
+              <a:ext uri="{FF2B5EF4-FFF2-40B4-BE49-F238E27FC236}">
+                <a16:creationId xmlns:a16="http://schemas.microsoft.com/office/drawing/2014/main" id="{993843FF-F970-34E4-F1DB-41CDA70C40A1}"/>
+              </a:ext>
+            </a:extLst>
+          </p:cNvPr>
+          <p:cNvSpPr txBox="1"/>
+          <p:nvPr/>
+        </p:nvSpPr>
+        <p:spPr>
+          <a:xfrm>
+            <a:off x="1685627" y="3774309"/>
+            <a:ext cx="2170549" cy="400110"/>
+          </a:xfrm>
+          <a:prstGeom prst="rect">
+            <a:avLst/>
+          </a:prstGeom>
+          <a:noFill/>
+        </p:spPr>
+        <p:txBody>
+          <a:bodyPr wrap="square" rtlCol="0">
+            <a:spAutoFit/>
+          </a:bodyPr>
+          <a:lstStyle/>
+          <a:p>
+            <a:pPr marL="342900" indent="-342900">
+              <a:buFont typeface="Wingdings" panose="05000000000000000000" pitchFamily="2" charset="2"/>
+              <a:buChar char="ü"/>
+            </a:pPr>
+            <a:r>
+              <a:rPr lang="en-US" sz="2000" b="1" dirty="0">
+                <a:latin typeface="Arial" panose="020B0604020202020204" pitchFamily="34" charset="0"/>
+                <a:cs typeface="Arial" panose="020B0604020202020204" pitchFamily="34" charset="0"/>
+              </a:rPr>
+              <a:t>Upgradeable</a:t>
+            </a:r>
+          </a:p>
+        </p:txBody>
+      </p:sp>
+      <p:sp>
+        <p:nvSpPr>
+          <p:cNvPr id="12" name="TextBox 11">
+            <a:extLst>
+              <a:ext uri="{FF2B5EF4-FFF2-40B4-BE49-F238E27FC236}">
+                <a16:creationId xmlns:a16="http://schemas.microsoft.com/office/drawing/2014/main" id="{F3D6AEB5-6624-2F59-C094-DBA4DA1DEDAC}"/>
+              </a:ext>
+            </a:extLst>
+          </p:cNvPr>
+          <p:cNvSpPr txBox="1"/>
+          <p:nvPr/>
+        </p:nvSpPr>
+        <p:spPr>
+          <a:xfrm>
+            <a:off x="1685627" y="3175660"/>
+            <a:ext cx="5985166" cy="400110"/>
+          </a:xfrm>
+          <a:prstGeom prst="rect">
+            <a:avLst/>
+          </a:prstGeom>
+          <a:noFill/>
+        </p:spPr>
+        <p:txBody>
+          <a:bodyPr wrap="square" rtlCol="0">
+            <a:spAutoFit/>
+          </a:bodyPr>
+          <a:lstStyle/>
+          <a:p>
+            <a:pPr marL="342900" indent="-342900">
+              <a:buFont typeface="Wingdings" panose="05000000000000000000" pitchFamily="2" charset="2"/>
+              <a:buChar char="ü"/>
+            </a:pPr>
+            <a:r>
+              <a:rPr lang="en-US" sz="2000" b="1" dirty="0">
+                <a:latin typeface="Arial" panose="020B0604020202020204" pitchFamily="34" charset="0"/>
+                <a:cs typeface="Arial" panose="020B0604020202020204" pitchFamily="34" charset="0"/>
+              </a:rPr>
+              <a:t>Implement in smart contract (SOLIDITY)</a:t>
+            </a:r>
+          </a:p>
+        </p:txBody>
+      </p:sp>
+      <p:sp>
+        <p:nvSpPr>
+          <p:cNvPr id="14" name="TextBox 13">
+            <a:extLst>
+              <a:ext uri="{FF2B5EF4-FFF2-40B4-BE49-F238E27FC236}">
+                <a16:creationId xmlns:a16="http://schemas.microsoft.com/office/drawing/2014/main" id="{E00B4031-2468-B7A8-C209-4B665BFF824A}"/>
+              </a:ext>
+            </a:extLst>
+          </p:cNvPr>
+          <p:cNvSpPr txBox="1"/>
+          <p:nvPr/>
+        </p:nvSpPr>
+        <p:spPr>
+          <a:xfrm>
+            <a:off x="1699500" y="6069455"/>
+            <a:ext cx="1717956" cy="400110"/>
+          </a:xfrm>
+          <a:prstGeom prst="rect">
+            <a:avLst/>
+          </a:prstGeom>
+          <a:noFill/>
+        </p:spPr>
+        <p:txBody>
+          <a:bodyPr wrap="square" rtlCol="0">
+            <a:spAutoFit/>
+          </a:bodyPr>
+          <a:lstStyle/>
+          <a:p>
+            <a:pPr marL="342900" indent="-342900">
+              <a:buFont typeface="Wingdings" panose="05000000000000000000" pitchFamily="2" charset="2"/>
+              <a:buChar char="ü"/>
+            </a:pPr>
+            <a:r>
+              <a:rPr lang="en-US" sz="2000" b="1" dirty="0">
+                <a:latin typeface="Arial" panose="020B0604020202020204" pitchFamily="34" charset="0"/>
+                <a:cs typeface="Arial" panose="020B0604020202020204" pitchFamily="34" charset="0"/>
+              </a:rPr>
+              <a:t>Reusable</a:t>
+            </a:r>
+          </a:p>
+        </p:txBody>
+      </p:sp>
+      <p:sp>
+        <p:nvSpPr>
+          <p:cNvPr id="18" name="TextBox 17">
+            <a:extLst>
+              <a:ext uri="{FF2B5EF4-FFF2-40B4-BE49-F238E27FC236}">
+                <a16:creationId xmlns:a16="http://schemas.microsoft.com/office/drawing/2014/main" id="{D0BF0EEE-445F-65FA-F6C1-5559FF20B088}"/>
+              </a:ext>
+            </a:extLst>
+          </p:cNvPr>
+          <p:cNvSpPr txBox="1"/>
+          <p:nvPr/>
+        </p:nvSpPr>
+        <p:spPr>
+          <a:xfrm>
+            <a:off x="1699500" y="5475308"/>
+            <a:ext cx="3786905" cy="400110"/>
+          </a:xfrm>
+          <a:prstGeom prst="rect">
+            <a:avLst/>
+          </a:prstGeom>
+          <a:noFill/>
+        </p:spPr>
+        <p:txBody>
+          <a:bodyPr wrap="square" rtlCol="0">
+            <a:spAutoFit/>
+          </a:bodyPr>
+          <a:lstStyle/>
+          <a:p>
+            <a:pPr marL="342900" indent="-342900">
+              <a:buFont typeface="Wingdings" panose="05000000000000000000" pitchFamily="2" charset="2"/>
+              <a:buChar char="ü"/>
+            </a:pPr>
+            <a:r>
+              <a:rPr lang="en-US" sz="2000" b="1" dirty="0">
+                <a:latin typeface="Arial" panose="020B0604020202020204" pitchFamily="34" charset="0"/>
+                <a:cs typeface="Arial" panose="020B0604020202020204" pitchFamily="34" charset="0"/>
+              </a:rPr>
+              <a:t>Can be used on main net</a:t>
+            </a:r>
+          </a:p>
+        </p:txBody>
+      </p:sp>
+      <p:sp>
+        <p:nvSpPr>
+          <p:cNvPr id="20" name="TextBox 19">
+            <a:extLst>
+              <a:ext uri="{FF2B5EF4-FFF2-40B4-BE49-F238E27FC236}">
+                <a16:creationId xmlns:a16="http://schemas.microsoft.com/office/drawing/2014/main" id="{97953092-F6F6-44AA-95A7-90624A382FAB}"/>
+              </a:ext>
+            </a:extLst>
+          </p:cNvPr>
+          <p:cNvSpPr txBox="1"/>
+          <p:nvPr/>
+        </p:nvSpPr>
+        <p:spPr>
+          <a:xfrm>
+            <a:off x="1685627" y="4882208"/>
+            <a:ext cx="2369137" cy="400110"/>
+          </a:xfrm>
+          <a:prstGeom prst="rect">
+            <a:avLst/>
+          </a:prstGeom>
+          <a:noFill/>
+        </p:spPr>
+        <p:txBody>
+          <a:bodyPr wrap="square" rtlCol="0">
+            <a:spAutoFit/>
+          </a:bodyPr>
+          <a:lstStyle/>
+          <a:p>
+            <a:pPr marL="342900" indent="-342900">
+              <a:buFont typeface="Wingdings" panose="05000000000000000000" pitchFamily="2" charset="2"/>
+              <a:buChar char="ü"/>
+            </a:pPr>
+            <a:r>
+              <a:rPr lang="en-US" sz="2000" b="1" dirty="0">
+                <a:latin typeface="Arial" panose="020B0604020202020204" pitchFamily="34" charset="0"/>
+                <a:cs typeface="Arial" panose="020B0604020202020204" pitchFamily="34" charset="0"/>
+              </a:rPr>
+              <a:t>High security</a:t>
+            </a:r>
+          </a:p>
+        </p:txBody>
+      </p:sp>
+      <p:sp>
+        <p:nvSpPr>
+          <p:cNvPr id="24" name="TextBox 23">
+            <a:extLst>
+              <a:ext uri="{FF2B5EF4-FFF2-40B4-BE49-F238E27FC236}">
+                <a16:creationId xmlns:a16="http://schemas.microsoft.com/office/drawing/2014/main" id="{96E11E63-0DCF-E6CE-2006-DBC258B7C22D}"/>
+              </a:ext>
+            </a:extLst>
+          </p:cNvPr>
+          <p:cNvSpPr txBox="1"/>
+          <p:nvPr/>
+        </p:nvSpPr>
+        <p:spPr>
+          <a:xfrm>
+            <a:off x="11464525" y="6009967"/>
+            <a:ext cx="385042" cy="523220"/>
+          </a:xfrm>
+          <a:prstGeom prst="rect">
+            <a:avLst/>
+          </a:prstGeom>
+          <a:noFill/>
+        </p:spPr>
+        <p:txBody>
+          <a:bodyPr wrap="none" rtlCol="0">
+            <a:spAutoFit/>
+          </a:bodyPr>
+          <a:lstStyle/>
+          <a:p>
+            <a:r>
+              <a:rPr lang="fa-IR" sz="2800" b="1" dirty="0"/>
+              <a:t>1</a:t>
+            </a:r>
+            <a:endParaRPr lang="en-US" sz="2800" b="1" dirty="0"/>
+          </a:p>
+        </p:txBody>
+      </p:sp>
+      <p:sp>
+        <p:nvSpPr>
+          <p:cNvPr id="25" name="TextBox 24">
+            <a:extLst>
+              <a:ext uri="{FF2B5EF4-FFF2-40B4-BE49-F238E27FC236}">
+                <a16:creationId xmlns:a16="http://schemas.microsoft.com/office/drawing/2014/main" id="{43397219-7C5C-2343-85D8-7014E0422F91}"/>
+              </a:ext>
+            </a:extLst>
+          </p:cNvPr>
+          <p:cNvSpPr txBox="1"/>
+          <p:nvPr/>
+        </p:nvSpPr>
+        <p:spPr>
+          <a:xfrm>
+            <a:off x="1685627" y="4352636"/>
+            <a:ext cx="9120918" cy="400110"/>
+          </a:xfrm>
+          <a:prstGeom prst="rect">
+            <a:avLst/>
+          </a:prstGeom>
+          <a:noFill/>
+        </p:spPr>
+        <p:txBody>
+          <a:bodyPr wrap="square" rtlCol="0">
+            <a:spAutoFit/>
+          </a:bodyPr>
+          <a:lstStyle/>
+          <a:p>
+            <a:pPr marL="342900" indent="-342900">
+              <a:buFont typeface="Wingdings" panose="05000000000000000000" pitchFamily="2" charset="2"/>
+              <a:buChar char="ü"/>
+            </a:pPr>
+            <a:r>
+              <a:rPr lang="en-US" sz="2000" b="1" dirty="0">
+                <a:latin typeface="Arial" panose="020B0604020202020204" pitchFamily="34" charset="0"/>
+                <a:cs typeface="Arial" panose="020B0604020202020204" pitchFamily="34" charset="0"/>
+              </a:rPr>
+              <a:t>Can be used on any blockchain that supports solidity smart contracts</a:t>
+            </a:r>
+          </a:p>
+        </p:txBody>
+      </p:sp>
+      <p:sp>
+        <p:nvSpPr>
+          <p:cNvPr id="9" name="Title 1">
+            <a:extLst>
+              <a:ext uri="{FF2B5EF4-FFF2-40B4-BE49-F238E27FC236}">
+                <a16:creationId xmlns:a16="http://schemas.microsoft.com/office/drawing/2014/main" id="{B01FD1B8-3956-2AAE-C55F-70EEF687492F}"/>
+              </a:ext>
+            </a:extLst>
+          </p:cNvPr>
+          <p:cNvSpPr>
+            <a:spLocks noGrp="1"/>
+          </p:cNvSpPr>
+          <p:nvPr>
+            <p:ph type="title"/>
+          </p:nvPr>
+        </p:nvSpPr>
+        <p:spPr>
+          <a:xfrm>
+            <a:off x="838199" y="509608"/>
+            <a:ext cx="10515600" cy="604536"/>
+          </a:xfrm>
+        </p:spPr>
+        <p:txBody>
+          <a:bodyPr>
+            <a:noAutofit/>
+          </a:bodyPr>
+          <a:lstStyle/>
+          <a:p>
+            <a:r>
+              <a:rPr lang="en-US" sz="4900" b="1" dirty="0">
+                <a:latin typeface="Arial" panose="020B0604020202020204" pitchFamily="34" charset="0"/>
+                <a:cs typeface="Arial" panose="020B0604020202020204" pitchFamily="34" charset="0"/>
+              </a:rPr>
+              <a:t>Z-Voting</a:t>
+            </a:r>
+            <a:endParaRPr lang="en-US" sz="4900" b="1" u="sng" dirty="0">
+              <a:latin typeface="Arial" panose="020B0604020202020204" pitchFamily="34" charset="0"/>
+              <a:cs typeface="Arial" panose="020B0604020202020204" pitchFamily="34" charset="0"/>
+            </a:endParaRPr>
+          </a:p>
+        </p:txBody>
+      </p:sp>
+      <p:cxnSp>
+        <p:nvCxnSpPr>
+          <p:cNvPr id="11" name="Straight Connector 10">
+            <a:extLst>
+              <a:ext uri="{FF2B5EF4-FFF2-40B4-BE49-F238E27FC236}">
+                <a16:creationId xmlns:a16="http://schemas.microsoft.com/office/drawing/2014/main" id="{4159EA42-DAB4-C22F-1F2E-7DBF8BEC2857}"/>
+              </a:ext>
+            </a:extLst>
+          </p:cNvPr>
+          <p:cNvCxnSpPr>
+            <a:cxnSpLocks/>
+          </p:cNvCxnSpPr>
+          <p:nvPr/>
+        </p:nvCxnSpPr>
+        <p:spPr>
+          <a:xfrm flipH="1">
+            <a:off x="838199" y="1174579"/>
+            <a:ext cx="10515600" cy="0"/>
+          </a:xfrm>
+          <a:prstGeom prst="line">
+            <a:avLst/>
+          </a:prstGeom>
+          <a:ln w="57150">
+            <a:solidFill>
+              <a:schemeClr val="tx1"/>
+            </a:solidFill>
+          </a:ln>
+        </p:spPr>
+        <p:style>
+          <a:lnRef idx="1">
+            <a:schemeClr val="accent1"/>
+          </a:lnRef>
+          <a:fillRef idx="0">
+            <a:schemeClr val="accent1"/>
+          </a:fillRef>
+          <a:effectRef idx="0">
+            <a:schemeClr val="accent1"/>
+          </a:effectRef>
+          <a:fontRef idx="minor">
+            <a:schemeClr val="tx1"/>
+          </a:fontRef>
+        </p:style>
+      </p:cxnSp>
+    </p:spTree>
+    <p:extLst>
+      <p:ext uri="{BB962C8B-B14F-4D97-AF65-F5344CB8AC3E}">
+        <p14:creationId xmlns:p14="http://schemas.microsoft.com/office/powerpoint/2010/main" val="1948598835"/>
+      </p:ext>
+    </p:extLst>
+  </p:cSld>
+  <p:clrMapOvr>
+    <a:masterClrMapping/>
+  </p:clrMapOvr>
+</p:sld>
+</file>
+
+<file path=ppt/slides/slide20.xml><?xml version="1.0" encoding="utf-8"?>
 <p:sld xmlns:a="http://schemas.openxmlformats.org/drawingml/2006/main" xmlns:r="http://schemas.openxmlformats.org/officeDocument/2006/relationships" xmlns:p="http://schemas.openxmlformats.org/presentationml/2006/main">
   <p:cSld>
     <p:spTree>
@@ -6086,7 +7238,7 @@
 </p:sld>
 </file>
 
-<file path=ppt/slides/slide17.xml><?xml version="1.0" encoding="utf-8"?>
+<file path=ppt/slides/slide21.xml><?xml version="1.0" encoding="utf-8"?>
 <p:sld xmlns:a="http://schemas.openxmlformats.org/drawingml/2006/main" xmlns:r="http://schemas.openxmlformats.org/officeDocument/2006/relationships" xmlns:p="http://schemas.openxmlformats.org/presentationml/2006/main">
   <p:cSld>
     <p:spTree>
@@ -6386,7 +7538,7 @@
 </p:sld>
 </file>
 
-<file path=ppt/slides/slide18.xml><?xml version="1.0" encoding="utf-8"?>
+<file path=ppt/slides/slide22.xml><?xml version="1.0" encoding="utf-8"?>
 <p:sld xmlns:a="http://schemas.openxmlformats.org/drawingml/2006/main" xmlns:r="http://schemas.openxmlformats.org/officeDocument/2006/relationships" xmlns:p="http://schemas.openxmlformats.org/presentationml/2006/main">
   <p:cSld>
     <p:spTree>
@@ -7754,7 +8906,7 @@
 </p:sld>
 </file>
 
-<file path=ppt/slides/slide19.xml><?xml version="1.0" encoding="utf-8"?>
+<file path=ppt/slides/slide23.xml><?xml version="1.0" encoding="utf-8"?>
 <p:sld xmlns:a="http://schemas.openxmlformats.org/drawingml/2006/main" xmlns:r="http://schemas.openxmlformats.org/officeDocument/2006/relationships" xmlns:p="http://schemas.openxmlformats.org/presentationml/2006/main">
   <p:cSld>
     <p:spTree>
@@ -7820,535 +8972,7 @@
 </p:sld>
 </file>
 
-<file path=ppt/slides/slide2.xml><?xml version="1.0" encoding="utf-8"?>
-<p:sld xmlns:a="http://schemas.openxmlformats.org/drawingml/2006/main" xmlns:r="http://schemas.openxmlformats.org/officeDocument/2006/relationships" xmlns:p="http://schemas.openxmlformats.org/presentationml/2006/main">
-  <p:cSld>
-    <p:spTree>
-      <p:nvGrpSpPr>
-        <p:cNvPr id="1" name=""/>
-        <p:cNvGrpSpPr/>
-        <p:nvPr/>
-      </p:nvGrpSpPr>
-      <p:grpSpPr>
-        <a:xfrm>
-          <a:off x="0" y="0"/>
-          <a:ext cx="0" cy="0"/>
-          <a:chOff x="0" y="0"/>
-          <a:chExt cx="0" cy="0"/>
-        </a:xfrm>
-      </p:grpSpPr>
-      <p:sp>
-        <p:nvSpPr>
-          <p:cNvPr id="2" name="TextBox 1">
-            <a:extLst>
-              <a:ext uri="{FF2B5EF4-FFF2-40B4-BE49-F238E27FC236}">
-                <a16:creationId xmlns:a16="http://schemas.microsoft.com/office/drawing/2014/main" id="{E5CF28E0-C143-00BA-0520-C6DA5A2F012C}"/>
-              </a:ext>
-            </a:extLst>
-          </p:cNvPr>
-          <p:cNvSpPr txBox="1"/>
-          <p:nvPr/>
-        </p:nvSpPr>
-        <p:spPr>
-          <a:xfrm>
-            <a:off x="1685628" y="1405585"/>
-            <a:ext cx="6345386" cy="400110"/>
-          </a:xfrm>
-          <a:prstGeom prst="rect">
-            <a:avLst/>
-          </a:prstGeom>
-          <a:noFill/>
-        </p:spPr>
-        <p:txBody>
-          <a:bodyPr wrap="square" rtlCol="0">
-            <a:spAutoFit/>
-          </a:bodyPr>
-          <a:lstStyle/>
-          <a:p>
-            <a:pPr marL="342900" indent="-342900">
-              <a:buFont typeface="Wingdings" panose="05000000000000000000" pitchFamily="2" charset="2"/>
-              <a:buChar char="ü"/>
-            </a:pPr>
-            <a:r>
-              <a:rPr lang="en-US" sz="2000" b="1" dirty="0">
-                <a:latin typeface="Arial" panose="020B0604020202020204" pitchFamily="34" charset="0"/>
-                <a:cs typeface="Arial" panose="020B0604020202020204" pitchFamily="34" charset="0"/>
-              </a:rPr>
-              <a:t>A Complete anonymous Voting framework</a:t>
-            </a:r>
-          </a:p>
-        </p:txBody>
-      </p:sp>
-      <p:sp>
-        <p:nvSpPr>
-          <p:cNvPr id="6" name="TextBox 5">
-            <a:extLst>
-              <a:ext uri="{FF2B5EF4-FFF2-40B4-BE49-F238E27FC236}">
-                <a16:creationId xmlns:a16="http://schemas.microsoft.com/office/drawing/2014/main" id="{C7DB60A5-B7B3-9CCA-6642-2B6E51C0E32D}"/>
-              </a:ext>
-            </a:extLst>
-          </p:cNvPr>
-          <p:cNvSpPr txBox="1"/>
-          <p:nvPr/>
-        </p:nvSpPr>
-        <p:spPr>
-          <a:xfrm>
-            <a:off x="1699500" y="1998684"/>
-            <a:ext cx="4405749" cy="400110"/>
-          </a:xfrm>
-          <a:prstGeom prst="rect">
-            <a:avLst/>
-          </a:prstGeom>
-          <a:noFill/>
-        </p:spPr>
-        <p:txBody>
-          <a:bodyPr wrap="square" rtlCol="0">
-            <a:spAutoFit/>
-          </a:bodyPr>
-          <a:lstStyle/>
-          <a:p>
-            <a:pPr marL="342900" indent="-342900">
-              <a:buFont typeface="Wingdings" panose="05000000000000000000" pitchFamily="2" charset="2"/>
-              <a:buChar char="ü"/>
-            </a:pPr>
-            <a:r>
-              <a:rPr lang="en-US" sz="2000" b="1" dirty="0">
-                <a:latin typeface="Arial" panose="020B0604020202020204" pitchFamily="34" charset="0"/>
-                <a:cs typeface="Arial" panose="020B0604020202020204" pitchFamily="34" charset="0"/>
-              </a:rPr>
-              <a:t>Using zero-knowledge proof</a:t>
-            </a:r>
-          </a:p>
-        </p:txBody>
-      </p:sp>
-      <p:sp>
-        <p:nvSpPr>
-          <p:cNvPr id="8" name="TextBox 7">
-            <a:extLst>
-              <a:ext uri="{FF2B5EF4-FFF2-40B4-BE49-F238E27FC236}">
-                <a16:creationId xmlns:a16="http://schemas.microsoft.com/office/drawing/2014/main" id="{F04B489F-A4BD-B829-182D-DB2A1B31E508}"/>
-              </a:ext>
-            </a:extLst>
-          </p:cNvPr>
-          <p:cNvSpPr txBox="1"/>
-          <p:nvPr/>
-        </p:nvSpPr>
-        <p:spPr>
-          <a:xfrm>
-            <a:off x="1685627" y="2592541"/>
-            <a:ext cx="2299856" cy="400110"/>
-          </a:xfrm>
-          <a:prstGeom prst="rect">
-            <a:avLst/>
-          </a:prstGeom>
-          <a:noFill/>
-        </p:spPr>
-        <p:txBody>
-          <a:bodyPr wrap="square" rtlCol="0">
-            <a:spAutoFit/>
-          </a:bodyPr>
-          <a:lstStyle/>
-          <a:p>
-            <a:pPr marL="342900" indent="-342900">
-              <a:buFont typeface="Wingdings" panose="05000000000000000000" pitchFamily="2" charset="2"/>
-              <a:buChar char="ü"/>
-            </a:pPr>
-            <a:r>
-              <a:rPr lang="en-US" sz="2000" b="1" dirty="0">
-                <a:latin typeface="Arial" panose="020B0604020202020204" pitchFamily="34" charset="0"/>
-                <a:cs typeface="Arial" panose="020B0604020202020204" pitchFamily="34" charset="0"/>
-              </a:rPr>
-              <a:t>Private Voting</a:t>
-            </a:r>
-          </a:p>
-        </p:txBody>
-      </p:sp>
-      <p:sp>
-        <p:nvSpPr>
-          <p:cNvPr id="10" name="TextBox 9">
-            <a:extLst>
-              <a:ext uri="{FF2B5EF4-FFF2-40B4-BE49-F238E27FC236}">
-                <a16:creationId xmlns:a16="http://schemas.microsoft.com/office/drawing/2014/main" id="{993843FF-F970-34E4-F1DB-41CDA70C40A1}"/>
-              </a:ext>
-            </a:extLst>
-          </p:cNvPr>
-          <p:cNvSpPr txBox="1"/>
-          <p:nvPr/>
-        </p:nvSpPr>
-        <p:spPr>
-          <a:xfrm>
-            <a:off x="1685627" y="3774309"/>
-            <a:ext cx="2170549" cy="400110"/>
-          </a:xfrm>
-          <a:prstGeom prst="rect">
-            <a:avLst/>
-          </a:prstGeom>
-          <a:noFill/>
-        </p:spPr>
-        <p:txBody>
-          <a:bodyPr wrap="square" rtlCol="0">
-            <a:spAutoFit/>
-          </a:bodyPr>
-          <a:lstStyle/>
-          <a:p>
-            <a:pPr marL="342900" indent="-342900">
-              <a:buFont typeface="Wingdings" panose="05000000000000000000" pitchFamily="2" charset="2"/>
-              <a:buChar char="ü"/>
-            </a:pPr>
-            <a:r>
-              <a:rPr lang="en-US" sz="2000" b="1" dirty="0">
-                <a:latin typeface="Arial" panose="020B0604020202020204" pitchFamily="34" charset="0"/>
-                <a:cs typeface="Arial" panose="020B0604020202020204" pitchFamily="34" charset="0"/>
-              </a:rPr>
-              <a:t>Upgradeable</a:t>
-            </a:r>
-          </a:p>
-        </p:txBody>
-      </p:sp>
-      <p:sp>
-        <p:nvSpPr>
-          <p:cNvPr id="12" name="TextBox 11">
-            <a:extLst>
-              <a:ext uri="{FF2B5EF4-FFF2-40B4-BE49-F238E27FC236}">
-                <a16:creationId xmlns:a16="http://schemas.microsoft.com/office/drawing/2014/main" id="{F3D6AEB5-6624-2F59-C094-DBA4DA1DEDAC}"/>
-              </a:ext>
-            </a:extLst>
-          </p:cNvPr>
-          <p:cNvSpPr txBox="1"/>
-          <p:nvPr/>
-        </p:nvSpPr>
-        <p:spPr>
-          <a:xfrm>
-            <a:off x="1685627" y="3175660"/>
-            <a:ext cx="5985166" cy="400110"/>
-          </a:xfrm>
-          <a:prstGeom prst="rect">
-            <a:avLst/>
-          </a:prstGeom>
-          <a:noFill/>
-        </p:spPr>
-        <p:txBody>
-          <a:bodyPr wrap="square" rtlCol="0">
-            <a:spAutoFit/>
-          </a:bodyPr>
-          <a:lstStyle/>
-          <a:p>
-            <a:pPr marL="342900" indent="-342900">
-              <a:buFont typeface="Wingdings" panose="05000000000000000000" pitchFamily="2" charset="2"/>
-              <a:buChar char="ü"/>
-            </a:pPr>
-            <a:r>
-              <a:rPr lang="en-US" sz="2000" b="1" dirty="0">
-                <a:latin typeface="Arial" panose="020B0604020202020204" pitchFamily="34" charset="0"/>
-                <a:cs typeface="Arial" panose="020B0604020202020204" pitchFamily="34" charset="0"/>
-              </a:rPr>
-              <a:t>Implement in smart contract (SOLIDITY)</a:t>
-            </a:r>
-          </a:p>
-        </p:txBody>
-      </p:sp>
-      <p:sp>
-        <p:nvSpPr>
-          <p:cNvPr id="14" name="TextBox 13">
-            <a:extLst>
-              <a:ext uri="{FF2B5EF4-FFF2-40B4-BE49-F238E27FC236}">
-                <a16:creationId xmlns:a16="http://schemas.microsoft.com/office/drawing/2014/main" id="{E00B4031-2468-B7A8-C209-4B665BFF824A}"/>
-              </a:ext>
-            </a:extLst>
-          </p:cNvPr>
-          <p:cNvSpPr txBox="1"/>
-          <p:nvPr/>
-        </p:nvSpPr>
-        <p:spPr>
-          <a:xfrm>
-            <a:off x="1699500" y="6069455"/>
-            <a:ext cx="1717956" cy="400110"/>
-          </a:xfrm>
-          <a:prstGeom prst="rect">
-            <a:avLst/>
-          </a:prstGeom>
-          <a:noFill/>
-        </p:spPr>
-        <p:txBody>
-          <a:bodyPr wrap="square" rtlCol="0">
-            <a:spAutoFit/>
-          </a:bodyPr>
-          <a:lstStyle/>
-          <a:p>
-            <a:pPr marL="342900" indent="-342900">
-              <a:buFont typeface="Wingdings" panose="05000000000000000000" pitchFamily="2" charset="2"/>
-              <a:buChar char="ü"/>
-            </a:pPr>
-            <a:r>
-              <a:rPr lang="en-US" sz="2000" b="1" dirty="0">
-                <a:latin typeface="Arial" panose="020B0604020202020204" pitchFamily="34" charset="0"/>
-                <a:cs typeface="Arial" panose="020B0604020202020204" pitchFamily="34" charset="0"/>
-              </a:rPr>
-              <a:t>Reusable</a:t>
-            </a:r>
-          </a:p>
-        </p:txBody>
-      </p:sp>
-      <p:sp>
-        <p:nvSpPr>
-          <p:cNvPr id="18" name="TextBox 17">
-            <a:extLst>
-              <a:ext uri="{FF2B5EF4-FFF2-40B4-BE49-F238E27FC236}">
-                <a16:creationId xmlns:a16="http://schemas.microsoft.com/office/drawing/2014/main" id="{D0BF0EEE-445F-65FA-F6C1-5559FF20B088}"/>
-              </a:ext>
-            </a:extLst>
-          </p:cNvPr>
-          <p:cNvSpPr txBox="1"/>
-          <p:nvPr/>
-        </p:nvSpPr>
-        <p:spPr>
-          <a:xfrm>
-            <a:off x="1699500" y="5475308"/>
-            <a:ext cx="3786905" cy="400110"/>
-          </a:xfrm>
-          <a:prstGeom prst="rect">
-            <a:avLst/>
-          </a:prstGeom>
-          <a:noFill/>
-        </p:spPr>
-        <p:txBody>
-          <a:bodyPr wrap="square" rtlCol="0">
-            <a:spAutoFit/>
-          </a:bodyPr>
-          <a:lstStyle/>
-          <a:p>
-            <a:pPr marL="342900" indent="-342900">
-              <a:buFont typeface="Wingdings" panose="05000000000000000000" pitchFamily="2" charset="2"/>
-              <a:buChar char="ü"/>
-            </a:pPr>
-            <a:r>
-              <a:rPr lang="en-US" sz="2000" b="1" dirty="0">
-                <a:latin typeface="Arial" panose="020B0604020202020204" pitchFamily="34" charset="0"/>
-                <a:cs typeface="Arial" panose="020B0604020202020204" pitchFamily="34" charset="0"/>
-              </a:rPr>
-              <a:t>Can be used on main net</a:t>
-            </a:r>
-          </a:p>
-        </p:txBody>
-      </p:sp>
-      <p:sp>
-        <p:nvSpPr>
-          <p:cNvPr id="20" name="TextBox 19">
-            <a:extLst>
-              <a:ext uri="{FF2B5EF4-FFF2-40B4-BE49-F238E27FC236}">
-                <a16:creationId xmlns:a16="http://schemas.microsoft.com/office/drawing/2014/main" id="{97953092-F6F6-44AA-95A7-90624A382FAB}"/>
-              </a:ext>
-            </a:extLst>
-          </p:cNvPr>
-          <p:cNvSpPr txBox="1"/>
-          <p:nvPr/>
-        </p:nvSpPr>
-        <p:spPr>
-          <a:xfrm>
-            <a:off x="1685627" y="4882208"/>
-            <a:ext cx="2369137" cy="400110"/>
-          </a:xfrm>
-          <a:prstGeom prst="rect">
-            <a:avLst/>
-          </a:prstGeom>
-          <a:noFill/>
-        </p:spPr>
-        <p:txBody>
-          <a:bodyPr wrap="square" rtlCol="0">
-            <a:spAutoFit/>
-          </a:bodyPr>
-          <a:lstStyle/>
-          <a:p>
-            <a:pPr marL="342900" indent="-342900">
-              <a:buFont typeface="Wingdings" panose="05000000000000000000" pitchFamily="2" charset="2"/>
-              <a:buChar char="ü"/>
-            </a:pPr>
-            <a:r>
-              <a:rPr lang="en-US" sz="2000" b="1" dirty="0">
-                <a:latin typeface="Arial" panose="020B0604020202020204" pitchFamily="34" charset="0"/>
-                <a:cs typeface="Arial" panose="020B0604020202020204" pitchFamily="34" charset="0"/>
-              </a:rPr>
-              <a:t>High security</a:t>
-            </a:r>
-          </a:p>
-        </p:txBody>
-      </p:sp>
-      <p:sp>
-        <p:nvSpPr>
-          <p:cNvPr id="24" name="TextBox 23">
-            <a:extLst>
-              <a:ext uri="{FF2B5EF4-FFF2-40B4-BE49-F238E27FC236}">
-                <a16:creationId xmlns:a16="http://schemas.microsoft.com/office/drawing/2014/main" id="{96E11E63-0DCF-E6CE-2006-DBC258B7C22D}"/>
-              </a:ext>
-            </a:extLst>
-          </p:cNvPr>
-          <p:cNvSpPr txBox="1"/>
-          <p:nvPr/>
-        </p:nvSpPr>
-        <p:spPr>
-          <a:xfrm>
-            <a:off x="11464525" y="6009967"/>
-            <a:ext cx="550151" cy="523220"/>
-          </a:xfrm>
-          <a:prstGeom prst="rect">
-            <a:avLst/>
-          </a:prstGeom>
-          <a:noFill/>
-        </p:spPr>
-        <p:txBody>
-          <a:bodyPr wrap="none" rtlCol="0">
-            <a:spAutoFit/>
-          </a:bodyPr>
-          <a:lstStyle/>
-          <a:p>
-            <a:r>
-              <a:rPr lang="en-US" sz="2800" b="1" dirty="0"/>
-              <a:t>11</a:t>
-            </a:r>
-          </a:p>
-        </p:txBody>
-      </p:sp>
-      <p:sp>
-        <p:nvSpPr>
-          <p:cNvPr id="25" name="TextBox 24">
-            <a:extLst>
-              <a:ext uri="{FF2B5EF4-FFF2-40B4-BE49-F238E27FC236}">
-                <a16:creationId xmlns:a16="http://schemas.microsoft.com/office/drawing/2014/main" id="{43397219-7C5C-2343-85D8-7014E0422F91}"/>
-              </a:ext>
-            </a:extLst>
-          </p:cNvPr>
-          <p:cNvSpPr txBox="1"/>
-          <p:nvPr/>
-        </p:nvSpPr>
-        <p:spPr>
-          <a:xfrm>
-            <a:off x="1685627" y="4352636"/>
-            <a:ext cx="9120918" cy="400110"/>
-          </a:xfrm>
-          <a:prstGeom prst="rect">
-            <a:avLst/>
-          </a:prstGeom>
-          <a:noFill/>
-        </p:spPr>
-        <p:txBody>
-          <a:bodyPr wrap="square" rtlCol="0">
-            <a:spAutoFit/>
-          </a:bodyPr>
-          <a:lstStyle/>
-          <a:p>
-            <a:pPr marL="342900" indent="-342900">
-              <a:buFont typeface="Wingdings" panose="05000000000000000000" pitchFamily="2" charset="2"/>
-              <a:buChar char="ü"/>
-            </a:pPr>
-            <a:r>
-              <a:rPr lang="en-US" sz="2000" b="1" dirty="0">
-                <a:latin typeface="Arial" panose="020B0604020202020204" pitchFamily="34" charset="0"/>
-                <a:cs typeface="Arial" panose="020B0604020202020204" pitchFamily="34" charset="0"/>
-              </a:rPr>
-              <a:t>Can be used on any blockchain that supports solidity smart contracts</a:t>
-            </a:r>
-          </a:p>
-        </p:txBody>
-      </p:sp>
-      <p:sp>
-        <p:nvSpPr>
-          <p:cNvPr id="9" name="Title 1">
-            <a:extLst>
-              <a:ext uri="{FF2B5EF4-FFF2-40B4-BE49-F238E27FC236}">
-                <a16:creationId xmlns:a16="http://schemas.microsoft.com/office/drawing/2014/main" id="{B01FD1B8-3956-2AAE-C55F-70EEF687492F}"/>
-              </a:ext>
-            </a:extLst>
-          </p:cNvPr>
-          <p:cNvSpPr>
-            <a:spLocks noGrp="1"/>
-          </p:cNvSpPr>
-          <p:nvPr>
-            <p:ph type="title"/>
-          </p:nvPr>
-        </p:nvSpPr>
-        <p:spPr>
-          <a:xfrm>
-            <a:off x="838199" y="509608"/>
-            <a:ext cx="10515600" cy="604536"/>
-          </a:xfrm>
-        </p:spPr>
-        <p:txBody>
-          <a:bodyPr>
-            <a:noAutofit/>
-          </a:bodyPr>
-          <a:lstStyle/>
-          <a:p>
-            <a:r>
-              <a:rPr lang="en-US" sz="4900" b="1" dirty="0">
-                <a:latin typeface="Arial" panose="020B0604020202020204" pitchFamily="34" charset="0"/>
-                <a:cs typeface="Arial" panose="020B0604020202020204" pitchFamily="34" charset="0"/>
-              </a:rPr>
-              <a:t>Z-Voting</a:t>
-            </a:r>
-            <a:endParaRPr lang="en-US" sz="4900" b="1" u="sng" dirty="0">
-              <a:latin typeface="Arial" panose="020B0604020202020204" pitchFamily="34" charset="0"/>
-              <a:cs typeface="Arial" panose="020B0604020202020204" pitchFamily="34" charset="0"/>
-            </a:endParaRPr>
-          </a:p>
-        </p:txBody>
-      </p:sp>
-      <p:cxnSp>
-        <p:nvCxnSpPr>
-          <p:cNvPr id="11" name="Straight Connector 10">
-            <a:extLst>
-              <a:ext uri="{FF2B5EF4-FFF2-40B4-BE49-F238E27FC236}">
-                <a16:creationId xmlns:a16="http://schemas.microsoft.com/office/drawing/2014/main" id="{4159EA42-DAB4-C22F-1F2E-7DBF8BEC2857}"/>
-              </a:ext>
-            </a:extLst>
-          </p:cNvPr>
-          <p:cNvCxnSpPr>
-            <a:cxnSpLocks/>
-          </p:cNvCxnSpPr>
-          <p:nvPr/>
-        </p:nvCxnSpPr>
-        <p:spPr>
-          <a:xfrm flipH="1">
-            <a:off x="838199" y="1174579"/>
-            <a:ext cx="10515600" cy="0"/>
-          </a:xfrm>
-          <a:prstGeom prst="line">
-            <a:avLst/>
-          </a:prstGeom>
-          <a:ln w="57150">
-            <a:solidFill>
-              <a:schemeClr val="tx1"/>
-            </a:solidFill>
-          </a:ln>
-        </p:spPr>
-        <p:style>
-          <a:lnRef idx="1">
-            <a:schemeClr val="accent1"/>
-          </a:lnRef>
-          <a:fillRef idx="0">
-            <a:schemeClr val="accent1"/>
-          </a:fillRef>
-          <a:effectRef idx="0">
-            <a:schemeClr val="accent1"/>
-          </a:effectRef>
-          <a:fontRef idx="minor">
-            <a:schemeClr val="tx1"/>
-          </a:fontRef>
-        </p:style>
-      </p:cxnSp>
-    </p:spTree>
-    <p:extLst>
-      <p:ext uri="{BB962C8B-B14F-4D97-AF65-F5344CB8AC3E}">
-        <p14:creationId xmlns:p14="http://schemas.microsoft.com/office/powerpoint/2010/main" val="1948598835"/>
-      </p:ext>
-    </p:extLst>
-  </p:cSld>
-  <p:clrMapOvr>
-    <a:masterClrMapping/>
-  </p:clrMapOvr>
-</p:sld>
-</file>
-
-<file path=ppt/slides/slide20.xml><?xml version="1.0" encoding="utf-8"?>
+<file path=ppt/slides/slide24.xml><?xml version="1.0" encoding="utf-8"?>
 <p:sld xmlns:a="http://schemas.openxmlformats.org/drawingml/2006/main" xmlns:r="http://schemas.openxmlformats.org/officeDocument/2006/relationships" xmlns:p="http://schemas.openxmlformats.org/presentationml/2006/main">
   <p:cSld>
     <p:spTree>
@@ -8414,119 +9038,7 @@
 </p:sld>
 </file>
 
-<file path=ppt/slides/slide21.xml><?xml version="1.0" encoding="utf-8"?>
-<p:sld xmlns:a="http://schemas.openxmlformats.org/drawingml/2006/main" xmlns:r="http://schemas.openxmlformats.org/officeDocument/2006/relationships" xmlns:p="http://schemas.openxmlformats.org/presentationml/2006/main">
-  <p:cSld>
-    <p:spTree>
-      <p:nvGrpSpPr>
-        <p:cNvPr id="1" name=""/>
-        <p:cNvGrpSpPr/>
-        <p:nvPr/>
-      </p:nvGrpSpPr>
-      <p:grpSpPr>
-        <a:xfrm>
-          <a:off x="0" y="0"/>
-          <a:ext cx="0" cy="0"/>
-          <a:chOff x="0" y="0"/>
-          <a:chExt cx="0" cy="0"/>
-        </a:xfrm>
-      </p:grpSpPr>
-      <p:sp>
-        <p:nvSpPr>
-          <p:cNvPr id="4" name="TextBox 3">
-            <a:extLst>
-              <a:ext uri="{FF2B5EF4-FFF2-40B4-BE49-F238E27FC236}">
-                <a16:creationId xmlns:a16="http://schemas.microsoft.com/office/drawing/2014/main" id="{0EDAC582-D10E-E1BE-3EE7-C011537C02A6}"/>
-              </a:ext>
-            </a:extLst>
-          </p:cNvPr>
-          <p:cNvSpPr txBox="1"/>
-          <p:nvPr/>
-        </p:nvSpPr>
-        <p:spPr>
-          <a:xfrm>
-            <a:off x="1855074" y="2704293"/>
-            <a:ext cx="8481848" cy="923330"/>
-          </a:xfrm>
-          <a:prstGeom prst="rect">
-            <a:avLst/>
-          </a:prstGeom>
-          <a:noFill/>
-        </p:spPr>
-        <p:txBody>
-          <a:bodyPr wrap="square" rtlCol="0" anchor="ctr">
-            <a:spAutoFit/>
-          </a:bodyPr>
-          <a:lstStyle/>
-          <a:p>
-            <a:pPr algn="ctr"/>
-            <a:r>
-              <a:rPr lang="en-US" sz="5400" b="1" dirty="0">
-                <a:latin typeface="Arial" panose="020B0604020202020204" pitchFamily="34" charset="0"/>
-                <a:cs typeface="Arial" panose="020B0604020202020204" pitchFamily="34" charset="0"/>
-              </a:rPr>
-              <a:t>Thanks for your attention</a:t>
-            </a:r>
-          </a:p>
-        </p:txBody>
-      </p:sp>
-      <p:cxnSp>
-        <p:nvCxnSpPr>
-          <p:cNvPr id="5" name="Straight Connector 4">
-            <a:extLst>
-              <a:ext uri="{FF2B5EF4-FFF2-40B4-BE49-F238E27FC236}">
-                <a16:creationId xmlns:a16="http://schemas.microsoft.com/office/drawing/2014/main" id="{8AB8F30D-E183-7E22-5AA4-C00315575114}"/>
-              </a:ext>
-            </a:extLst>
-          </p:cNvPr>
-          <p:cNvCxnSpPr>
-            <a:cxnSpLocks/>
-          </p:cNvCxnSpPr>
-          <p:nvPr/>
-        </p:nvCxnSpPr>
-        <p:spPr>
-          <a:xfrm>
-            <a:off x="1855074" y="3627623"/>
-            <a:ext cx="8481848" cy="0"/>
-          </a:xfrm>
-          <a:prstGeom prst="line">
-            <a:avLst/>
-          </a:prstGeom>
-          <a:ln w="76200">
-            <a:solidFill>
-              <a:schemeClr val="tx1"/>
-            </a:solidFill>
-          </a:ln>
-        </p:spPr>
-        <p:style>
-          <a:lnRef idx="1">
-            <a:schemeClr val="accent1"/>
-          </a:lnRef>
-          <a:fillRef idx="0">
-            <a:schemeClr val="accent1"/>
-          </a:fillRef>
-          <a:effectRef idx="0">
-            <a:schemeClr val="accent1"/>
-          </a:effectRef>
-          <a:fontRef idx="minor">
-            <a:schemeClr val="tx1"/>
-          </a:fontRef>
-        </p:style>
-      </p:cxnSp>
-    </p:spTree>
-    <p:extLst>
-      <p:ext uri="{BB962C8B-B14F-4D97-AF65-F5344CB8AC3E}">
-        <p14:creationId xmlns:p14="http://schemas.microsoft.com/office/powerpoint/2010/main" val="2494955924"/>
-      </p:ext>
-    </p:extLst>
-  </p:cSld>
-  <p:clrMapOvr>
-    <a:masterClrMapping/>
-  </p:clrMapOvr>
-</p:sld>
-</file>
-
-<file path=ppt/slides/slide22.xml><?xml version="1.0" encoding="utf-8"?>
+<file path=ppt/slides/slide25.xml><?xml version="1.0" encoding="utf-8"?>
 <p:sld xmlns:a="http://schemas.openxmlformats.org/drawingml/2006/main" xmlns:r="http://schemas.openxmlformats.org/officeDocument/2006/relationships" xmlns:p="http://schemas.openxmlformats.org/presentationml/2006/main">
   <p:cSld>
     <p:spTree>
@@ -8829,7 +9341,1009 @@
 </p:sld>
 </file>
 
+<file path=ppt/slides/slide26.xml><?xml version="1.0" encoding="utf-8"?>
+<p:sld xmlns:a="http://schemas.openxmlformats.org/drawingml/2006/main" xmlns:r="http://schemas.openxmlformats.org/officeDocument/2006/relationships" xmlns:p="http://schemas.openxmlformats.org/presentationml/2006/main">
+  <p:cSld>
+    <p:spTree>
+      <p:nvGrpSpPr>
+        <p:cNvPr id="1" name=""/>
+        <p:cNvGrpSpPr/>
+        <p:nvPr/>
+      </p:nvGrpSpPr>
+      <p:grpSpPr>
+        <a:xfrm>
+          <a:off x="0" y="0"/>
+          <a:ext cx="0" cy="0"/>
+          <a:chOff x="0" y="0"/>
+          <a:chExt cx="0" cy="0"/>
+        </a:xfrm>
+      </p:grpSpPr>
+      <p:sp>
+        <p:nvSpPr>
+          <p:cNvPr id="4" name="TextBox 3">
+            <a:extLst>
+              <a:ext uri="{FF2B5EF4-FFF2-40B4-BE49-F238E27FC236}">
+                <a16:creationId xmlns:a16="http://schemas.microsoft.com/office/drawing/2014/main" id="{0EDAC582-D10E-E1BE-3EE7-C011537C02A6}"/>
+              </a:ext>
+            </a:extLst>
+          </p:cNvPr>
+          <p:cNvSpPr txBox="1"/>
+          <p:nvPr/>
+        </p:nvSpPr>
+        <p:spPr>
+          <a:xfrm>
+            <a:off x="1855074" y="2704293"/>
+            <a:ext cx="8481848" cy="923330"/>
+          </a:xfrm>
+          <a:prstGeom prst="rect">
+            <a:avLst/>
+          </a:prstGeom>
+          <a:noFill/>
+        </p:spPr>
+        <p:txBody>
+          <a:bodyPr wrap="square" rtlCol="0" anchor="ctr">
+            <a:spAutoFit/>
+          </a:bodyPr>
+          <a:lstStyle/>
+          <a:p>
+            <a:pPr algn="ctr"/>
+            <a:r>
+              <a:rPr lang="en-US" sz="5400" b="1" dirty="0">
+                <a:latin typeface="Arial" panose="020B0604020202020204" pitchFamily="34" charset="0"/>
+                <a:cs typeface="Arial" panose="020B0604020202020204" pitchFamily="34" charset="0"/>
+              </a:rPr>
+              <a:t>Thanks for your attention</a:t>
+            </a:r>
+          </a:p>
+        </p:txBody>
+      </p:sp>
+      <p:cxnSp>
+        <p:nvCxnSpPr>
+          <p:cNvPr id="5" name="Straight Connector 4">
+            <a:extLst>
+              <a:ext uri="{FF2B5EF4-FFF2-40B4-BE49-F238E27FC236}">
+                <a16:creationId xmlns:a16="http://schemas.microsoft.com/office/drawing/2014/main" id="{8AB8F30D-E183-7E22-5AA4-C00315575114}"/>
+              </a:ext>
+            </a:extLst>
+          </p:cNvPr>
+          <p:cNvCxnSpPr>
+            <a:cxnSpLocks/>
+          </p:cNvCxnSpPr>
+          <p:nvPr/>
+        </p:nvCxnSpPr>
+        <p:spPr>
+          <a:xfrm>
+            <a:off x="1855074" y="3627623"/>
+            <a:ext cx="8481848" cy="0"/>
+          </a:xfrm>
+          <a:prstGeom prst="line">
+            <a:avLst/>
+          </a:prstGeom>
+          <a:ln w="76200">
+            <a:solidFill>
+              <a:schemeClr val="tx1"/>
+            </a:solidFill>
+          </a:ln>
+        </p:spPr>
+        <p:style>
+          <a:lnRef idx="1">
+            <a:schemeClr val="accent1"/>
+          </a:lnRef>
+          <a:fillRef idx="0">
+            <a:schemeClr val="accent1"/>
+          </a:fillRef>
+          <a:effectRef idx="0">
+            <a:schemeClr val="accent1"/>
+          </a:effectRef>
+          <a:fontRef idx="minor">
+            <a:schemeClr val="tx1"/>
+          </a:fontRef>
+        </p:style>
+      </p:cxnSp>
+    </p:spTree>
+    <p:extLst>
+      <p:ext uri="{BB962C8B-B14F-4D97-AF65-F5344CB8AC3E}">
+        <p14:creationId xmlns:p14="http://schemas.microsoft.com/office/powerpoint/2010/main" val="2494955924"/>
+      </p:ext>
+    </p:extLst>
+  </p:cSld>
+  <p:clrMapOvr>
+    <a:masterClrMapping/>
+  </p:clrMapOvr>
+</p:sld>
+</file>
+
 <file path=ppt/slides/slide3.xml><?xml version="1.0" encoding="utf-8"?>
+<p:sld xmlns:a="http://schemas.openxmlformats.org/drawingml/2006/main" xmlns:r="http://schemas.openxmlformats.org/officeDocument/2006/relationships" xmlns:p="http://schemas.openxmlformats.org/presentationml/2006/main">
+  <p:cSld>
+    <p:spTree>
+      <p:nvGrpSpPr>
+        <p:cNvPr id="1" name=""/>
+        <p:cNvGrpSpPr/>
+        <p:nvPr/>
+      </p:nvGrpSpPr>
+      <p:grpSpPr>
+        <a:xfrm>
+          <a:off x="0" y="0"/>
+          <a:ext cx="0" cy="0"/>
+          <a:chOff x="0" y="0"/>
+          <a:chExt cx="0" cy="0"/>
+        </a:xfrm>
+      </p:grpSpPr>
+      <p:sp>
+        <p:nvSpPr>
+          <p:cNvPr id="71" name="TextBox 70">
+            <a:extLst>
+              <a:ext uri="{FF2B5EF4-FFF2-40B4-BE49-F238E27FC236}">
+                <a16:creationId xmlns:a16="http://schemas.microsoft.com/office/drawing/2014/main" id="{846E9DEF-3A65-44BA-5B01-FD7FF617062E}"/>
+              </a:ext>
+            </a:extLst>
+          </p:cNvPr>
+          <p:cNvSpPr txBox="1"/>
+          <p:nvPr/>
+        </p:nvSpPr>
+        <p:spPr>
+          <a:xfrm>
+            <a:off x="11464525" y="6009967"/>
+            <a:ext cx="385042" cy="523220"/>
+          </a:xfrm>
+          <a:prstGeom prst="rect">
+            <a:avLst/>
+          </a:prstGeom>
+          <a:noFill/>
+        </p:spPr>
+        <p:txBody>
+          <a:bodyPr wrap="none" rtlCol="0">
+            <a:spAutoFit/>
+          </a:bodyPr>
+          <a:lstStyle/>
+          <a:p>
+            <a:r>
+              <a:rPr lang="fa-IR" sz="2800" b="1" dirty="0"/>
+              <a:t>2</a:t>
+            </a:r>
+            <a:endParaRPr lang="en-US" sz="2800" b="1" dirty="0"/>
+          </a:p>
+        </p:txBody>
+      </p:sp>
+      <p:sp>
+        <p:nvSpPr>
+          <p:cNvPr id="11" name="Title 1">
+            <a:extLst>
+              <a:ext uri="{FF2B5EF4-FFF2-40B4-BE49-F238E27FC236}">
+                <a16:creationId xmlns:a16="http://schemas.microsoft.com/office/drawing/2014/main" id="{C7B733B0-5103-FAB1-23AF-6DF31C635E7C}"/>
+              </a:ext>
+            </a:extLst>
+          </p:cNvPr>
+          <p:cNvSpPr>
+            <a:spLocks noGrp="1"/>
+          </p:cNvSpPr>
+          <p:nvPr>
+            <p:ph type="title"/>
+          </p:nvPr>
+        </p:nvSpPr>
+        <p:spPr>
+          <a:xfrm>
+            <a:off x="838199" y="509608"/>
+            <a:ext cx="10515600" cy="604536"/>
+          </a:xfrm>
+        </p:spPr>
+        <p:txBody>
+          <a:bodyPr>
+            <a:noAutofit/>
+          </a:bodyPr>
+          <a:lstStyle/>
+          <a:p>
+            <a:r>
+              <a:rPr lang="en-US" sz="4900" b="1" dirty="0">
+                <a:latin typeface="Arial" panose="020B0604020202020204" pitchFamily="34" charset="0"/>
+                <a:cs typeface="Arial" panose="020B0604020202020204" pitchFamily="34" charset="0"/>
+              </a:rPr>
+              <a:t>Groth16  -  Circuit</a:t>
+            </a:r>
+            <a:endParaRPr lang="en-US" sz="4900" b="1" u="sng" dirty="0">
+              <a:latin typeface="Arial" panose="020B0604020202020204" pitchFamily="34" charset="0"/>
+              <a:cs typeface="Arial" panose="020B0604020202020204" pitchFamily="34" charset="0"/>
+            </a:endParaRPr>
+          </a:p>
+        </p:txBody>
+      </p:sp>
+      <p:cxnSp>
+        <p:nvCxnSpPr>
+          <p:cNvPr id="13" name="Straight Connector 12">
+            <a:extLst>
+              <a:ext uri="{FF2B5EF4-FFF2-40B4-BE49-F238E27FC236}">
+                <a16:creationId xmlns:a16="http://schemas.microsoft.com/office/drawing/2014/main" id="{F9787E8A-EA82-6724-03C4-AB8928E25F55}"/>
+              </a:ext>
+            </a:extLst>
+          </p:cNvPr>
+          <p:cNvCxnSpPr>
+            <a:cxnSpLocks/>
+          </p:cNvCxnSpPr>
+          <p:nvPr/>
+        </p:nvCxnSpPr>
+        <p:spPr>
+          <a:xfrm flipH="1">
+            <a:off x="838199" y="1174579"/>
+            <a:ext cx="10515600" cy="0"/>
+          </a:xfrm>
+          <a:prstGeom prst="line">
+            <a:avLst/>
+          </a:prstGeom>
+          <a:ln w="57150">
+            <a:solidFill>
+              <a:schemeClr val="tx1"/>
+            </a:solidFill>
+          </a:ln>
+        </p:spPr>
+        <p:style>
+          <a:lnRef idx="1">
+            <a:schemeClr val="accent1"/>
+          </a:lnRef>
+          <a:fillRef idx="0">
+            <a:schemeClr val="accent1"/>
+          </a:fillRef>
+          <a:effectRef idx="0">
+            <a:schemeClr val="accent1"/>
+          </a:effectRef>
+          <a:fontRef idx="minor">
+            <a:schemeClr val="tx1"/>
+          </a:fontRef>
+        </p:style>
+      </p:cxnSp>
+      <p:sp>
+        <p:nvSpPr>
+          <p:cNvPr id="3" name="TextBox 2">
+            <a:extLst>
+              <a:ext uri="{FF2B5EF4-FFF2-40B4-BE49-F238E27FC236}">
+                <a16:creationId xmlns:a16="http://schemas.microsoft.com/office/drawing/2014/main" id="{51049215-E500-03A2-5109-963D2412699E}"/>
+              </a:ext>
+            </a:extLst>
+          </p:cNvPr>
+          <p:cNvSpPr txBox="1"/>
+          <p:nvPr/>
+        </p:nvSpPr>
+        <p:spPr>
+          <a:xfrm>
+            <a:off x="838198" y="1302330"/>
+            <a:ext cx="6430820" cy="1703030"/>
+          </a:xfrm>
+          <a:prstGeom prst="rect">
+            <a:avLst/>
+          </a:prstGeom>
+          <a:noFill/>
+        </p:spPr>
+        <p:txBody>
+          <a:bodyPr wrap="square" rtlCol="0">
+            <a:spAutoFit/>
+          </a:bodyPr>
+          <a:lstStyle/>
+          <a:p>
+            <a:pPr marL="285750" indent="-285750">
+              <a:lnSpc>
+                <a:spcPct val="150000"/>
+              </a:lnSpc>
+              <a:buFont typeface="Wingdings" panose="05000000000000000000" pitchFamily="2" charset="2"/>
+              <a:buChar char="Ø"/>
+            </a:pPr>
+            <a:r>
+              <a:rPr lang="en-US" dirty="0">
+                <a:latin typeface="Arial" panose="020B0604020202020204" pitchFamily="34" charset="0"/>
+                <a:cs typeface="Arial" panose="020B0604020202020204" pitchFamily="34" charset="0"/>
+              </a:rPr>
+              <a:t>A circuit produces a series of outputs for a series of inputs.</a:t>
+            </a:r>
+            <a:endParaRPr lang="fa-IR" dirty="0">
+              <a:latin typeface="Arial" panose="020B0604020202020204" pitchFamily="34" charset="0"/>
+              <a:cs typeface="Arial" panose="020B0604020202020204" pitchFamily="34" charset="0"/>
+            </a:endParaRPr>
+          </a:p>
+          <a:p>
+            <a:pPr marL="285750" indent="-285750">
+              <a:lnSpc>
+                <a:spcPct val="150000"/>
+              </a:lnSpc>
+              <a:buFont typeface="Wingdings" panose="05000000000000000000" pitchFamily="2" charset="2"/>
+              <a:buChar char="Ø"/>
+            </a:pPr>
+            <a:r>
+              <a:rPr lang="en-US" dirty="0">
+                <a:latin typeface="Arial" panose="020B0604020202020204" pitchFamily="34" charset="0"/>
+                <a:cs typeface="Arial" panose="020B0604020202020204" pitchFamily="34" charset="0"/>
+              </a:rPr>
+              <a:t>A proof is the </a:t>
+            </a:r>
+            <a:r>
+              <a:rPr lang="en-US" b="1" dirty="0">
+                <a:latin typeface="Arial" panose="020B0604020202020204" pitchFamily="34" charset="0"/>
+                <a:cs typeface="Arial" panose="020B0604020202020204" pitchFamily="34" charset="0"/>
+              </a:rPr>
+              <a:t>correct execution </a:t>
+            </a:r>
+            <a:r>
+              <a:rPr lang="en-US" dirty="0">
+                <a:latin typeface="Arial" panose="020B0604020202020204" pitchFamily="34" charset="0"/>
+                <a:cs typeface="Arial" panose="020B0604020202020204" pitchFamily="34" charset="0"/>
+              </a:rPr>
+              <a:t>of a </a:t>
+            </a:r>
+            <a:r>
+              <a:rPr lang="en-US" b="1" dirty="0">
+                <a:latin typeface="Arial" panose="020B0604020202020204" pitchFamily="34" charset="0"/>
+                <a:cs typeface="Arial" panose="020B0604020202020204" pitchFamily="34" charset="0"/>
+              </a:rPr>
+              <a:t>particular circuit</a:t>
+            </a:r>
+            <a:r>
+              <a:rPr lang="fa-IR" b="1" dirty="0">
+                <a:latin typeface="Arial" panose="020B0604020202020204" pitchFamily="34" charset="0"/>
+                <a:cs typeface="Arial" panose="020B0604020202020204" pitchFamily="34" charset="0"/>
+              </a:rPr>
+              <a:t>.</a:t>
+            </a:r>
+          </a:p>
+          <a:p>
+            <a:pPr marL="285750" indent="-285750">
+              <a:lnSpc>
+                <a:spcPct val="150000"/>
+              </a:lnSpc>
+              <a:buFont typeface="Wingdings" panose="05000000000000000000" pitchFamily="2" charset="2"/>
+              <a:buChar char="Ø"/>
+            </a:pPr>
+            <a:r>
+              <a:rPr lang="en-US" sz="1800" b="1" dirty="0">
+                <a:latin typeface="Arial" panose="020B0604020202020204" pitchFamily="34" charset="0"/>
+                <a:cs typeface="Arial" panose="020B0604020202020204" pitchFamily="34" charset="0"/>
+              </a:rPr>
+              <a:t>Verifier</a:t>
+            </a:r>
+            <a:r>
+              <a:rPr lang="en-US" sz="1800" dirty="0">
+                <a:latin typeface="Arial" panose="020B0604020202020204" pitchFamily="34" charset="0"/>
+                <a:cs typeface="Arial" panose="020B0604020202020204" pitchFamily="34" charset="0"/>
+              </a:rPr>
+              <a:t> enters the </a:t>
+            </a:r>
+            <a:r>
+              <a:rPr lang="en-US" sz="1800" b="1" dirty="0">
+                <a:latin typeface="Arial" panose="020B0604020202020204" pitchFamily="34" charset="0"/>
+                <a:cs typeface="Arial" panose="020B0604020202020204" pitchFamily="34" charset="0"/>
+              </a:rPr>
+              <a:t>public input</a:t>
+            </a:r>
+          </a:p>
+          <a:p>
+            <a:pPr marL="285750" indent="-285750">
+              <a:lnSpc>
+                <a:spcPct val="150000"/>
+              </a:lnSpc>
+              <a:buFont typeface="Wingdings" panose="05000000000000000000" pitchFamily="2" charset="2"/>
+              <a:buChar char="Ø"/>
+            </a:pPr>
+            <a:r>
+              <a:rPr lang="en-US" sz="1800" b="1" dirty="0">
+                <a:latin typeface="Arial" panose="020B0604020202020204" pitchFamily="34" charset="0"/>
+                <a:cs typeface="Arial" panose="020B0604020202020204" pitchFamily="34" charset="0"/>
+              </a:rPr>
+              <a:t>Prover</a:t>
+            </a:r>
+            <a:r>
+              <a:rPr lang="en-US" sz="1800" dirty="0">
+                <a:latin typeface="Arial" panose="020B0604020202020204" pitchFamily="34" charset="0"/>
+                <a:cs typeface="Arial" panose="020B0604020202020204" pitchFamily="34" charset="0"/>
+              </a:rPr>
+              <a:t> enters the </a:t>
+            </a:r>
+            <a:r>
+              <a:rPr lang="en-US" sz="1800" b="1" dirty="0">
+                <a:latin typeface="Arial" panose="020B0604020202020204" pitchFamily="34" charset="0"/>
+                <a:cs typeface="Arial" panose="020B0604020202020204" pitchFamily="34" charset="0"/>
+              </a:rPr>
+              <a:t>private inputs</a:t>
+            </a:r>
+          </a:p>
+        </p:txBody>
+      </p:sp>
+      <p:grpSp>
+        <p:nvGrpSpPr>
+          <p:cNvPr id="18" name="Group 17">
+            <a:extLst>
+              <a:ext uri="{FF2B5EF4-FFF2-40B4-BE49-F238E27FC236}">
+                <a16:creationId xmlns:a16="http://schemas.microsoft.com/office/drawing/2014/main" id="{5329CBC9-0075-C321-D688-5035C864F4C1}"/>
+              </a:ext>
+            </a:extLst>
+          </p:cNvPr>
+          <p:cNvGrpSpPr/>
+          <p:nvPr/>
+        </p:nvGrpSpPr>
+        <p:grpSpPr>
+          <a:xfrm>
+            <a:off x="9294090" y="1558234"/>
+            <a:ext cx="2059709" cy="2920935"/>
+            <a:chOff x="9127049" y="1420231"/>
+            <a:chExt cx="2059709" cy="2920935"/>
+          </a:xfrm>
+        </p:grpSpPr>
+        <p:pic>
+          <p:nvPicPr>
+            <p:cNvPr id="5" name="Picture 4">
+              <a:extLst>
+                <a:ext uri="{FF2B5EF4-FFF2-40B4-BE49-F238E27FC236}">
+                  <a16:creationId xmlns:a16="http://schemas.microsoft.com/office/drawing/2014/main" id="{64717797-8635-3B63-E27F-98C7705322BB}"/>
+                </a:ext>
+              </a:extLst>
+            </p:cNvPr>
+            <p:cNvPicPr>
+              <a:picLocks noChangeAspect="1"/>
+            </p:cNvPicPr>
+            <p:nvPr/>
+          </p:nvPicPr>
+          <p:blipFill rotWithShape="1">
+            <a:blip r:embed="rId2"/>
+            <a:srcRect r="24585"/>
+            <a:stretch/>
+          </p:blipFill>
+          <p:spPr>
+            <a:xfrm>
+              <a:off x="9169453" y="1420231"/>
+              <a:ext cx="1974903" cy="2384032"/>
+            </a:xfrm>
+            <a:prstGeom prst="rect">
+              <a:avLst/>
+            </a:prstGeom>
+          </p:spPr>
+        </p:pic>
+        <p:sp>
+          <p:nvSpPr>
+            <p:cNvPr id="7" name="TextBox 6">
+              <a:extLst>
+                <a:ext uri="{FF2B5EF4-FFF2-40B4-BE49-F238E27FC236}">
+                  <a16:creationId xmlns:a16="http://schemas.microsoft.com/office/drawing/2014/main" id="{99323B1E-64C2-D5AD-2377-FB2F415BEEEA}"/>
+                </a:ext>
+              </a:extLst>
+            </p:cNvPr>
+            <p:cNvSpPr txBox="1"/>
+            <p:nvPr/>
+          </p:nvSpPr>
+          <p:spPr>
+            <a:xfrm>
+              <a:off x="9127049" y="3941056"/>
+              <a:ext cx="2059709" cy="400110"/>
+            </a:xfrm>
+            <a:prstGeom prst="rect">
+              <a:avLst/>
+            </a:prstGeom>
+            <a:noFill/>
+          </p:spPr>
+          <p:txBody>
+            <a:bodyPr wrap="square" rtlCol="0">
+              <a:spAutoFit/>
+            </a:bodyPr>
+            <a:lstStyle/>
+            <a:p>
+              <a:pPr algn="ctr"/>
+              <a:r>
+                <a:rPr lang="en-US" sz="2000" b="1" dirty="0">
+                  <a:latin typeface="Arial" panose="020B0604020202020204" pitchFamily="34" charset="0"/>
+                  <a:cs typeface="Arial" panose="020B0604020202020204" pitchFamily="34" charset="0"/>
+                </a:rPr>
+                <a:t>Circom circuit</a:t>
+              </a:r>
+            </a:p>
+          </p:txBody>
+        </p:sp>
+      </p:grpSp>
+      <p:grpSp>
+        <p:nvGrpSpPr>
+          <p:cNvPr id="4" name="Group 3">
+            <a:extLst>
+              <a:ext uri="{FF2B5EF4-FFF2-40B4-BE49-F238E27FC236}">
+                <a16:creationId xmlns:a16="http://schemas.microsoft.com/office/drawing/2014/main" id="{2E412651-BFC9-C85A-B173-6A4E01A37616}"/>
+              </a:ext>
+            </a:extLst>
+          </p:cNvPr>
+          <p:cNvGrpSpPr/>
+          <p:nvPr/>
+        </p:nvGrpSpPr>
+        <p:grpSpPr>
+          <a:xfrm>
+            <a:off x="1546465" y="3832872"/>
+            <a:ext cx="6966857" cy="2673318"/>
+            <a:chOff x="1643742" y="3873079"/>
+            <a:chExt cx="6966857" cy="2673318"/>
+          </a:xfrm>
+        </p:grpSpPr>
+        <p:sp>
+          <p:nvSpPr>
+            <p:cNvPr id="16" name="Rectangle 15">
+              <a:extLst>
+                <a:ext uri="{FF2B5EF4-FFF2-40B4-BE49-F238E27FC236}">
+                  <a16:creationId xmlns:a16="http://schemas.microsoft.com/office/drawing/2014/main" id="{63572A1B-9240-0F26-86EB-7CFB3D577182}"/>
+                </a:ext>
+              </a:extLst>
+            </p:cNvPr>
+            <p:cNvSpPr/>
+            <p:nvPr/>
+          </p:nvSpPr>
+          <p:spPr>
+            <a:xfrm>
+              <a:off x="1643742" y="3873079"/>
+              <a:ext cx="6966857" cy="2039269"/>
+            </a:xfrm>
+            <a:prstGeom prst="rect">
+              <a:avLst/>
+            </a:prstGeom>
+            <a:ln w="76200"/>
+          </p:spPr>
+          <p:style>
+            <a:lnRef idx="2">
+              <a:schemeClr val="dk1"/>
+            </a:lnRef>
+            <a:fillRef idx="1">
+              <a:schemeClr val="lt1"/>
+            </a:fillRef>
+            <a:effectRef idx="0">
+              <a:schemeClr val="dk1"/>
+            </a:effectRef>
+            <a:fontRef idx="minor">
+              <a:schemeClr val="dk1"/>
+            </a:fontRef>
+          </p:style>
+          <p:txBody>
+            <a:bodyPr rtlCol="0" anchor="ctr"/>
+            <a:lstStyle/>
+            <a:p>
+              <a:pPr algn="ctr"/>
+              <a:endParaRPr lang="en-US">
+                <a:ln w="57150">
+                  <a:solidFill>
+                    <a:schemeClr val="tx1"/>
+                  </a:solidFill>
+                </a:ln>
+                <a:noFill/>
+              </a:endParaRPr>
+            </a:p>
+          </p:txBody>
+        </p:sp>
+        <p:sp>
+          <p:nvSpPr>
+            <p:cNvPr id="2" name="TextBox 1">
+              <a:extLst>
+                <a:ext uri="{FF2B5EF4-FFF2-40B4-BE49-F238E27FC236}">
+                  <a16:creationId xmlns:a16="http://schemas.microsoft.com/office/drawing/2014/main" id="{F633FF49-5A2D-60BA-DE5B-4E6178C384A2}"/>
+                </a:ext>
+              </a:extLst>
+            </p:cNvPr>
+            <p:cNvSpPr txBox="1"/>
+            <p:nvPr/>
+          </p:nvSpPr>
+          <p:spPr>
+            <a:xfrm>
+              <a:off x="4990286" y="4211137"/>
+              <a:ext cx="1177955" cy="461665"/>
+            </a:xfrm>
+            <a:prstGeom prst="rect">
+              <a:avLst/>
+            </a:prstGeom>
+            <a:noFill/>
+          </p:spPr>
+          <p:txBody>
+            <a:bodyPr wrap="square" rtlCol="0">
+              <a:spAutoFit/>
+            </a:bodyPr>
+            <a:lstStyle/>
+            <a:p>
+              <a:r>
+                <a:rPr lang="en-US" sz="2400" b="1" dirty="0">
+                  <a:latin typeface="Arial" panose="020B0604020202020204" pitchFamily="34" charset="0"/>
+                  <a:cs typeface="Arial" panose="020B0604020202020204" pitchFamily="34" charset="0"/>
+                </a:rPr>
+                <a:t>Circuit</a:t>
+              </a:r>
+              <a:endParaRPr lang="en-US" sz="2800" b="1" dirty="0">
+                <a:latin typeface="Arial" panose="020B0604020202020204" pitchFamily="34" charset="0"/>
+                <a:cs typeface="Arial" panose="020B0604020202020204" pitchFamily="34" charset="0"/>
+              </a:endParaRPr>
+            </a:p>
+          </p:txBody>
+        </p:sp>
+        <p:sp>
+          <p:nvSpPr>
+            <p:cNvPr id="9" name="TextBox 8">
+              <a:extLst>
+                <a:ext uri="{FF2B5EF4-FFF2-40B4-BE49-F238E27FC236}">
+                  <a16:creationId xmlns:a16="http://schemas.microsoft.com/office/drawing/2014/main" id="{64E0EA7D-FC35-29AB-230A-D6860EE4C9E2}"/>
+                </a:ext>
+              </a:extLst>
+            </p:cNvPr>
+            <p:cNvSpPr txBox="1"/>
+            <p:nvPr/>
+          </p:nvSpPr>
+          <p:spPr>
+            <a:xfrm>
+              <a:off x="3473451" y="4734776"/>
+              <a:ext cx="1106393" cy="461665"/>
+            </a:xfrm>
+            <a:prstGeom prst="rect">
+              <a:avLst/>
+            </a:prstGeom>
+            <a:noFill/>
+          </p:spPr>
+          <p:txBody>
+            <a:bodyPr wrap="none" rtlCol="0">
+              <a:spAutoFit/>
+            </a:bodyPr>
+            <a:lstStyle/>
+            <a:p>
+              <a:r>
+                <a:rPr lang="en-US" sz="2400" b="1" dirty="0">
+                  <a:latin typeface="Arial" panose="020B0604020202020204" pitchFamily="34" charset="0"/>
+                  <a:cs typeface="Arial" panose="020B0604020202020204" pitchFamily="34" charset="0"/>
+                </a:rPr>
+                <a:t>Inputs</a:t>
+              </a:r>
+            </a:p>
+          </p:txBody>
+        </p:sp>
+        <p:sp>
+          <p:nvSpPr>
+            <p:cNvPr id="10" name="Arrow: Chevron 9">
+              <a:extLst>
+                <a:ext uri="{FF2B5EF4-FFF2-40B4-BE49-F238E27FC236}">
+                  <a16:creationId xmlns:a16="http://schemas.microsoft.com/office/drawing/2014/main" id="{494ED421-4F18-840D-9B48-79D75DCD4648}"/>
+                </a:ext>
+              </a:extLst>
+            </p:cNvPr>
+            <p:cNvSpPr/>
+            <p:nvPr/>
+          </p:nvSpPr>
+          <p:spPr>
+            <a:xfrm>
+              <a:off x="4930832" y="4734776"/>
+              <a:ext cx="581891" cy="644160"/>
+            </a:xfrm>
+            <a:prstGeom prst="chevron">
+              <a:avLst/>
+            </a:prstGeom>
+            <a:ln w="38100"/>
+          </p:spPr>
+          <p:style>
+            <a:lnRef idx="2">
+              <a:schemeClr val="dk1"/>
+            </a:lnRef>
+            <a:fillRef idx="1">
+              <a:schemeClr val="lt1"/>
+            </a:fillRef>
+            <a:effectRef idx="0">
+              <a:schemeClr val="dk1"/>
+            </a:effectRef>
+            <a:fontRef idx="minor">
+              <a:schemeClr val="dk1"/>
+            </a:fontRef>
+          </p:style>
+          <p:txBody>
+            <a:bodyPr rtlCol="0" anchor="ctr"/>
+            <a:lstStyle/>
+            <a:p>
+              <a:pPr algn="ctr"/>
+              <a:endParaRPr lang="en-US">
+                <a:ln w="57150">
+                  <a:solidFill>
+                    <a:schemeClr val="tx1"/>
+                  </a:solidFill>
+                </a:ln>
+                <a:solidFill>
+                  <a:schemeClr val="tx1"/>
+                </a:solidFill>
+              </a:endParaRPr>
+            </a:p>
+          </p:txBody>
+        </p:sp>
+        <p:sp>
+          <p:nvSpPr>
+            <p:cNvPr id="12" name="Arrow: Chevron 11">
+              <a:extLst>
+                <a:ext uri="{FF2B5EF4-FFF2-40B4-BE49-F238E27FC236}">
+                  <a16:creationId xmlns:a16="http://schemas.microsoft.com/office/drawing/2014/main" id="{72886D53-2FF1-9543-ADCA-4DAFC5DAA916}"/>
+                </a:ext>
+              </a:extLst>
+            </p:cNvPr>
+            <p:cNvSpPr/>
+            <p:nvPr/>
+          </p:nvSpPr>
+          <p:spPr>
+            <a:xfrm>
+              <a:off x="5409793" y="4734776"/>
+              <a:ext cx="581891" cy="644160"/>
+            </a:xfrm>
+            <a:prstGeom prst="chevron">
+              <a:avLst/>
+            </a:prstGeom>
+            <a:ln w="38100"/>
+          </p:spPr>
+          <p:style>
+            <a:lnRef idx="2">
+              <a:schemeClr val="dk1"/>
+            </a:lnRef>
+            <a:fillRef idx="1">
+              <a:schemeClr val="lt1"/>
+            </a:fillRef>
+            <a:effectRef idx="0">
+              <a:schemeClr val="dk1"/>
+            </a:effectRef>
+            <a:fontRef idx="minor">
+              <a:schemeClr val="dk1"/>
+            </a:fontRef>
+          </p:style>
+          <p:txBody>
+            <a:bodyPr rtlCol="0" anchor="ctr"/>
+            <a:lstStyle/>
+            <a:p>
+              <a:pPr algn="ctr"/>
+              <a:endParaRPr lang="en-US">
+                <a:ln w="57150">
+                  <a:solidFill>
+                    <a:schemeClr val="tx1"/>
+                  </a:solidFill>
+                </a:ln>
+                <a:solidFill>
+                  <a:schemeClr val="tx1"/>
+                </a:solidFill>
+              </a:endParaRPr>
+            </a:p>
+          </p:txBody>
+        </p:sp>
+        <p:sp>
+          <p:nvSpPr>
+            <p:cNvPr id="14" name="Arrow: Chevron 13">
+              <a:extLst>
+                <a:ext uri="{FF2B5EF4-FFF2-40B4-BE49-F238E27FC236}">
+                  <a16:creationId xmlns:a16="http://schemas.microsoft.com/office/drawing/2014/main" id="{F97E8DE6-081D-77EA-430A-4D58271B4617}"/>
+                </a:ext>
+              </a:extLst>
+            </p:cNvPr>
+            <p:cNvSpPr/>
+            <p:nvPr/>
+          </p:nvSpPr>
+          <p:spPr>
+            <a:xfrm>
+              <a:off x="5863711" y="4734776"/>
+              <a:ext cx="581891" cy="644160"/>
+            </a:xfrm>
+            <a:prstGeom prst="chevron">
+              <a:avLst/>
+            </a:prstGeom>
+            <a:ln w="38100"/>
+          </p:spPr>
+          <p:style>
+            <a:lnRef idx="2">
+              <a:schemeClr val="dk1"/>
+            </a:lnRef>
+            <a:fillRef idx="1">
+              <a:schemeClr val="lt1"/>
+            </a:fillRef>
+            <a:effectRef idx="0">
+              <a:schemeClr val="dk1"/>
+            </a:effectRef>
+            <a:fontRef idx="minor">
+              <a:schemeClr val="dk1"/>
+            </a:fontRef>
+          </p:style>
+          <p:txBody>
+            <a:bodyPr rtlCol="0" anchor="ctr"/>
+            <a:lstStyle/>
+            <a:p>
+              <a:pPr algn="ctr"/>
+              <a:endParaRPr lang="en-US">
+                <a:ln w="57150">
+                  <a:solidFill>
+                    <a:schemeClr val="tx1"/>
+                  </a:solidFill>
+                </a:ln>
+                <a:solidFill>
+                  <a:schemeClr val="tx1"/>
+                </a:solidFill>
+              </a:endParaRPr>
+            </a:p>
+          </p:txBody>
+        </p:sp>
+        <p:sp>
+          <p:nvSpPr>
+            <p:cNvPr id="15" name="TextBox 14">
+              <a:extLst>
+                <a:ext uri="{FF2B5EF4-FFF2-40B4-BE49-F238E27FC236}">
+                  <a16:creationId xmlns:a16="http://schemas.microsoft.com/office/drawing/2014/main" id="{5202B8E9-E2E9-87EF-E9CF-A9DE0C72CE4B}"/>
+                </a:ext>
+              </a:extLst>
+            </p:cNvPr>
+            <p:cNvSpPr txBox="1"/>
+            <p:nvPr/>
+          </p:nvSpPr>
+          <p:spPr>
+            <a:xfrm>
+              <a:off x="6796590" y="4734775"/>
+              <a:ext cx="1362874" cy="461665"/>
+            </a:xfrm>
+            <a:prstGeom prst="rect">
+              <a:avLst/>
+            </a:prstGeom>
+            <a:noFill/>
+          </p:spPr>
+          <p:txBody>
+            <a:bodyPr wrap="none" rtlCol="0">
+              <a:spAutoFit/>
+            </a:bodyPr>
+            <a:lstStyle/>
+            <a:p>
+              <a:r>
+                <a:rPr lang="en-US" sz="2400" b="1" dirty="0">
+                  <a:latin typeface="Arial" panose="020B0604020202020204" pitchFamily="34" charset="0"/>
+                  <a:cs typeface="Arial" panose="020B0604020202020204" pitchFamily="34" charset="0"/>
+                </a:rPr>
+                <a:t>Outputs</a:t>
+              </a:r>
+            </a:p>
+          </p:txBody>
+        </p:sp>
+        <p:sp>
+          <p:nvSpPr>
+            <p:cNvPr id="6" name="Left Brace 5">
+              <a:extLst>
+                <a:ext uri="{FF2B5EF4-FFF2-40B4-BE49-F238E27FC236}">
+                  <a16:creationId xmlns:a16="http://schemas.microsoft.com/office/drawing/2014/main" id="{A28046F9-BE92-9A1C-132A-EC21A0BAAD96}"/>
+                </a:ext>
+              </a:extLst>
+            </p:cNvPr>
+            <p:cNvSpPr/>
+            <p:nvPr/>
+          </p:nvSpPr>
+          <p:spPr>
+            <a:xfrm rot="10800000">
+              <a:off x="3060549" y="4324457"/>
+              <a:ext cx="383458" cy="1272520"/>
+            </a:xfrm>
+            <a:prstGeom prst="leftBrace">
+              <a:avLst>
+                <a:gd name="adj1" fmla="val 40292"/>
+                <a:gd name="adj2" fmla="val 50000"/>
+              </a:avLst>
+            </a:prstGeom>
+            <a:ln w="38100">
+              <a:solidFill>
+                <a:schemeClr val="tx1"/>
+              </a:solidFill>
+            </a:ln>
+          </p:spPr>
+          <p:style>
+            <a:lnRef idx="1">
+              <a:schemeClr val="accent1"/>
+            </a:lnRef>
+            <a:fillRef idx="0">
+              <a:schemeClr val="accent1"/>
+            </a:fillRef>
+            <a:effectRef idx="0">
+              <a:schemeClr val="accent1"/>
+            </a:effectRef>
+            <a:fontRef idx="minor">
+              <a:schemeClr val="tx1"/>
+            </a:fontRef>
+          </p:style>
+          <p:txBody>
+            <a:bodyPr rtlCol="0" anchor="ctr"/>
+            <a:lstStyle/>
+            <a:p>
+              <a:pPr algn="ctr"/>
+              <a:endParaRPr lang="en-US" dirty="0"/>
+            </a:p>
+          </p:txBody>
+        </p:sp>
+        <p:sp>
+          <p:nvSpPr>
+            <p:cNvPr id="8" name="TextBox 7">
+              <a:extLst>
+                <a:ext uri="{FF2B5EF4-FFF2-40B4-BE49-F238E27FC236}">
+                  <a16:creationId xmlns:a16="http://schemas.microsoft.com/office/drawing/2014/main" id="{2380D924-F79F-FB1B-E4A6-8D8E597BD933}"/>
+                </a:ext>
+              </a:extLst>
+            </p:cNvPr>
+            <p:cNvSpPr txBox="1"/>
+            <p:nvPr/>
+          </p:nvSpPr>
+          <p:spPr>
+            <a:xfrm>
+              <a:off x="1857073" y="4087534"/>
+              <a:ext cx="1275611" cy="1455014"/>
+            </a:xfrm>
+            <a:prstGeom prst="rect">
+              <a:avLst/>
+            </a:prstGeom>
+            <a:noFill/>
+          </p:spPr>
+          <p:txBody>
+            <a:bodyPr wrap="square" rtlCol="0">
+              <a:spAutoFit/>
+            </a:bodyPr>
+            <a:lstStyle/>
+            <a:p>
+              <a:pPr>
+                <a:lnSpc>
+                  <a:spcPct val="200000"/>
+                </a:lnSpc>
+              </a:pPr>
+              <a:r>
+                <a:rPr lang="en-US" sz="2400" b="1" dirty="0">
+                  <a:latin typeface="Arial" panose="020B0604020202020204" pitchFamily="34" charset="0"/>
+                  <a:cs typeface="Arial" panose="020B0604020202020204" pitchFamily="34" charset="0"/>
+                </a:rPr>
+                <a:t>Private</a:t>
+              </a:r>
+            </a:p>
+            <a:p>
+              <a:pPr>
+                <a:lnSpc>
+                  <a:spcPct val="200000"/>
+                </a:lnSpc>
+              </a:pPr>
+              <a:r>
+                <a:rPr lang="en-US" sz="2400" b="1" dirty="0">
+                  <a:latin typeface="Arial" panose="020B0604020202020204" pitchFamily="34" charset="0"/>
+                  <a:cs typeface="Arial" panose="020B0604020202020204" pitchFamily="34" charset="0"/>
+                </a:rPr>
+                <a:t>Public</a:t>
+              </a:r>
+            </a:p>
+          </p:txBody>
+        </p:sp>
+        <p:sp>
+          <p:nvSpPr>
+            <p:cNvPr id="17" name="TextBox 16">
+              <a:extLst>
+                <a:ext uri="{FF2B5EF4-FFF2-40B4-BE49-F238E27FC236}">
+                  <a16:creationId xmlns:a16="http://schemas.microsoft.com/office/drawing/2014/main" id="{A1051C69-C70E-515F-4998-527410851EAD}"/>
+                </a:ext>
+              </a:extLst>
+            </p:cNvPr>
+            <p:cNvSpPr txBox="1"/>
+            <p:nvPr/>
+          </p:nvSpPr>
+          <p:spPr>
+            <a:xfrm>
+              <a:off x="4511873" y="5900066"/>
+              <a:ext cx="1230593" cy="646331"/>
+            </a:xfrm>
+            <a:prstGeom prst="rect">
+              <a:avLst/>
+            </a:prstGeom>
+            <a:noFill/>
+          </p:spPr>
+          <p:txBody>
+            <a:bodyPr wrap="none" rtlCol="0">
+              <a:spAutoFit/>
+            </a:bodyPr>
+            <a:lstStyle/>
+            <a:p>
+              <a:r>
+                <a:rPr lang="en-US" sz="3600" b="1" dirty="0"/>
+                <a:t>Proof</a:t>
+              </a:r>
+            </a:p>
+          </p:txBody>
+        </p:sp>
+      </p:grpSp>
+    </p:spTree>
+    <p:extLst>
+      <p:ext uri="{BB962C8B-B14F-4D97-AF65-F5344CB8AC3E}">
+        <p14:creationId xmlns:p14="http://schemas.microsoft.com/office/powerpoint/2010/main" val="4091285643"/>
+      </p:ext>
+    </p:extLst>
+  </p:cSld>
+  <p:clrMapOvr>
+    <a:masterClrMapping/>
+  </p:clrMapOvr>
+</p:sld>
+</file>
+
+<file path=ppt/slides/slide4.xml><?xml version="1.0" encoding="utf-8"?>
 <p:sld xmlns:a="http://schemas.openxmlformats.org/drawingml/2006/main" xmlns:r="http://schemas.openxmlformats.org/officeDocument/2006/relationships" xmlns:p="http://schemas.openxmlformats.org/presentationml/2006/main">
   <p:cSld>
     <p:spTree>
@@ -9355,7 +10869,7 @@
         <p:spPr>
           <a:xfrm>
             <a:off x="11464525" y="6009967"/>
-            <a:ext cx="550151" cy="523220"/>
+            <a:ext cx="385042" cy="523220"/>
           </a:xfrm>
           <a:prstGeom prst="rect">
             <a:avLst/>
@@ -9369,9 +10883,10 @@
           <a:lstStyle/>
           <a:p>
             <a:r>
-              <a:rPr lang="en-US" sz="2800" b="1" dirty="0"/>
-              <a:t>12</a:t>
-            </a:r>
+              <a:rPr lang="fa-IR" sz="2800" b="1" dirty="0"/>
+              <a:t>3</a:t>
+            </a:r>
+            <a:endParaRPr lang="en-US" sz="2800" b="1" dirty="0"/>
           </a:p>
         </p:txBody>
       </p:sp>
@@ -9705,7 +11220,7 @@
 </p:sld>
 </file>
 
-<file path=ppt/slides/slide4.xml><?xml version="1.0" encoding="utf-8"?>
+<file path=ppt/slides/slide5.xml><?xml version="1.0" encoding="utf-8"?>
 <p:sld xmlns:a="http://schemas.openxmlformats.org/drawingml/2006/main" xmlns:r="http://schemas.openxmlformats.org/officeDocument/2006/relationships" xmlns:p="http://schemas.openxmlformats.org/presentationml/2006/main">
   <p:cSld>
     <p:spTree>
@@ -9852,7 +11367,7 @@
         <p:spPr>
           <a:xfrm>
             <a:off x="11464525" y="6009967"/>
-            <a:ext cx="550151" cy="523220"/>
+            <a:ext cx="385042" cy="523220"/>
           </a:xfrm>
           <a:prstGeom prst="rect">
             <a:avLst/>
@@ -9866,9 +11381,10 @@
           <a:lstStyle/>
           <a:p>
             <a:r>
-              <a:rPr lang="en-US" sz="2800" b="1" dirty="0"/>
-              <a:t>13</a:t>
-            </a:r>
+              <a:rPr lang="fa-IR" sz="2800" b="1" dirty="0"/>
+              <a:t>4</a:t>
+            </a:r>
+            <a:endParaRPr lang="en-US" sz="2800" b="1" dirty="0"/>
           </a:p>
         </p:txBody>
       </p:sp>
@@ -10000,7 +11516,7 @@
 </p:sld>
 </file>
 
-<file path=ppt/slides/slide5.xml><?xml version="1.0" encoding="utf-8"?>
+<file path=ppt/slides/slide6.xml><?xml version="1.0" encoding="utf-8"?>
 <p:sld xmlns:a="http://schemas.openxmlformats.org/drawingml/2006/main" xmlns:r="http://schemas.openxmlformats.org/officeDocument/2006/relationships" xmlns:p="http://schemas.openxmlformats.org/presentationml/2006/main">
   <p:cSld>
     <p:spTree>
@@ -10019,10 +11535,10 @@
       </p:grpSpPr>
       <p:sp>
         <p:nvSpPr>
-          <p:cNvPr id="4" name="TextBox 3">
-            <a:extLst>
-              <a:ext uri="{FF2B5EF4-FFF2-40B4-BE49-F238E27FC236}">
-                <a16:creationId xmlns:a16="http://schemas.microsoft.com/office/drawing/2014/main" id="{0EDAC582-D10E-E1BE-3EE7-C011537C02A6}"/>
+          <p:cNvPr id="8" name="TextBox 7">
+            <a:extLst>
+              <a:ext uri="{FF2B5EF4-FFF2-40B4-BE49-F238E27FC236}">
+                <a16:creationId xmlns:a16="http://schemas.microsoft.com/office/drawing/2014/main" id="{940BE7FA-E249-5A20-E252-5D02E2D5F906}"/>
               </a:ext>
             </a:extLst>
           </p:cNvPr>
@@ -10031,8 +11547,8 @@
         </p:nvSpPr>
         <p:spPr>
           <a:xfrm>
-            <a:off x="2851355" y="2584046"/>
-            <a:ext cx="6489290" cy="1107996"/>
+            <a:off x="808703" y="1354488"/>
+            <a:ext cx="10674717" cy="4998228"/>
           </a:xfrm>
           <a:prstGeom prst="rect">
             <a:avLst/>
@@ -10040,19 +11556,446 @@
           <a:noFill/>
         </p:spPr>
         <p:txBody>
-          <a:bodyPr wrap="square" rtlCol="0" anchor="ctr">
+          <a:bodyPr wrap="none" rtlCol="0">
             <a:spAutoFit/>
           </a:bodyPr>
           <a:lstStyle/>
           <a:p>
-            <a:pPr algn="ctr"/>
-            <a:r>
-              <a:rPr lang="en-US" sz="6600" b="1" dirty="0">
+            <a:pPr marL="342900" marR="0" lvl="0" indent="-342900" algn="l" defTabSz="914400" rtl="0" eaLnBrk="1" fontAlgn="auto" latinLnBrk="0" hangingPunct="1">
+              <a:lnSpc>
+                <a:spcPct val="100000"/>
+              </a:lnSpc>
+              <a:spcBef>
+                <a:spcPts val="0"/>
+              </a:spcBef>
+              <a:spcAft>
+                <a:spcPts val="0"/>
+              </a:spcAft>
+              <a:buClrTx/>
+              <a:buSzTx/>
+              <a:buFont typeface="Wingdings" panose="05000000000000000000" pitchFamily="2" charset="2"/>
+              <a:buChar char="Ø"/>
+              <a:tabLst/>
+              <a:defRPr/>
+            </a:pPr>
+            <a:r>
+              <a:rPr kumimoji="0" lang="en-US" sz="2000" b="1" i="0" u="none" strike="noStrike" kern="1200" cap="none" spc="0" normalizeH="0" baseline="0" noProof="0" dirty="0">
+                <a:ln>
+                  <a:noFill/>
+                </a:ln>
+                <a:solidFill>
+                  <a:prstClr val="black"/>
+                </a:solidFill>
+                <a:effectLst/>
+                <a:uLnTx/>
+                <a:uFillTx/>
+                <a:latin typeface="Arial" panose="020B0604020202020204" pitchFamily="34" charset="0"/>
+                <a:ea typeface="+mn-ea"/>
+                <a:cs typeface="Arial" panose="020B0604020202020204" pitchFamily="34" charset="0"/>
+              </a:rPr>
+              <a:t>Public inputs:</a:t>
+            </a:r>
+          </a:p>
+          <a:p>
+            <a:pPr marL="800100" marR="0" lvl="1" indent="-342900" algn="l" defTabSz="914400" rtl="0" eaLnBrk="1" fontAlgn="auto" latinLnBrk="0" hangingPunct="1">
+              <a:lnSpc>
+                <a:spcPct val="200000"/>
+              </a:lnSpc>
+              <a:spcBef>
+                <a:spcPts val="0"/>
+              </a:spcBef>
+              <a:spcAft>
+                <a:spcPts val="0"/>
+              </a:spcAft>
+              <a:buClrTx/>
+              <a:buSzTx/>
+              <a:buFont typeface="Wingdings" panose="05000000000000000000" pitchFamily="2" charset="2"/>
+              <a:buChar char="§"/>
+              <a:tabLst/>
+              <a:defRPr/>
+            </a:pPr>
+            <a:r>
+              <a:rPr kumimoji="0" lang="en-US" sz="2000" b="1" i="0" u="none" strike="noStrike" kern="1200" cap="none" spc="0" normalizeH="0" baseline="0" noProof="0" dirty="0">
+                <a:ln>
+                  <a:noFill/>
+                </a:ln>
+                <a:solidFill>
+                  <a:prstClr val="black"/>
+                </a:solidFill>
+                <a:effectLst/>
+                <a:uLnTx/>
+                <a:uFillTx/>
+                <a:latin typeface="Arial" panose="020B0604020202020204" pitchFamily="34" charset="0"/>
+                <a:ea typeface="+mn-ea"/>
+                <a:cs typeface="Arial" panose="020B0604020202020204" pitchFamily="34" charset="0"/>
+              </a:rPr>
+              <a:t>VotingIDs</a:t>
+            </a:r>
+          </a:p>
+          <a:p>
+            <a:pPr marL="800100" marR="0" lvl="1" indent="-342900" algn="l" defTabSz="914400" rtl="0" eaLnBrk="1" fontAlgn="auto" latinLnBrk="0" hangingPunct="1">
+              <a:lnSpc>
+                <a:spcPct val="150000"/>
+              </a:lnSpc>
+              <a:spcBef>
+                <a:spcPts val="0"/>
+              </a:spcBef>
+              <a:spcAft>
+                <a:spcPts val="0"/>
+              </a:spcAft>
+              <a:buClrTx/>
+              <a:buSzTx/>
+              <a:buFont typeface="Wingdings" panose="05000000000000000000" pitchFamily="2" charset="2"/>
+              <a:buChar char="§"/>
+              <a:tabLst/>
+              <a:defRPr/>
+            </a:pPr>
+            <a:r>
+              <a:rPr kumimoji="0" lang="en-US" sz="2000" b="1" i="0" u="none" strike="noStrike" kern="1200" cap="none" spc="0" normalizeH="0" baseline="0" noProof="0" dirty="0">
+                <a:ln>
+                  <a:noFill/>
+                </a:ln>
+                <a:solidFill>
+                  <a:prstClr val="black"/>
+                </a:solidFill>
+                <a:effectLst/>
+                <a:uLnTx/>
+                <a:uFillTx/>
+                <a:latin typeface="Arial" panose="020B0604020202020204" pitchFamily="34" charset="0"/>
+                <a:ea typeface="+mn-ea"/>
+                <a:cs typeface="Arial" panose="020B0604020202020204" pitchFamily="34" charset="0"/>
+              </a:rPr>
+              <a:t>MerkleTree root</a:t>
+            </a:r>
+          </a:p>
+          <a:p>
+            <a:pPr marL="342900" marR="0" lvl="0" indent="-342900" algn="l" defTabSz="914400" rtl="0" eaLnBrk="1" fontAlgn="auto" latinLnBrk="0" hangingPunct="1">
+              <a:lnSpc>
+                <a:spcPct val="300000"/>
+              </a:lnSpc>
+              <a:spcBef>
+                <a:spcPts val="0"/>
+              </a:spcBef>
+              <a:spcAft>
+                <a:spcPts val="0"/>
+              </a:spcAft>
+              <a:buClrTx/>
+              <a:buSzTx/>
+              <a:buFont typeface="Wingdings" panose="05000000000000000000" pitchFamily="2" charset="2"/>
+              <a:buChar char="Ø"/>
+              <a:tabLst/>
+              <a:defRPr/>
+            </a:pPr>
+            <a:r>
+              <a:rPr kumimoji="0" lang="en-US" sz="2000" b="1" i="0" u="none" strike="noStrike" kern="1200" cap="none" spc="0" normalizeH="0" baseline="0" noProof="0" dirty="0">
+                <a:ln>
+                  <a:noFill/>
+                </a:ln>
+                <a:solidFill>
+                  <a:prstClr val="black"/>
+                </a:solidFill>
+                <a:effectLst/>
+                <a:uLnTx/>
+                <a:uFillTx/>
+                <a:latin typeface="Arial" panose="020B0604020202020204" pitchFamily="34" charset="0"/>
+                <a:ea typeface="+mn-ea"/>
+                <a:cs typeface="Arial" panose="020B0604020202020204" pitchFamily="34" charset="0"/>
+              </a:rPr>
+              <a:t>Private inputs:</a:t>
+            </a:r>
+          </a:p>
+          <a:p>
+            <a:pPr marL="800100" marR="0" lvl="1" indent="-342900" algn="l" defTabSz="914400" rtl="0" eaLnBrk="1" fontAlgn="auto" latinLnBrk="0" hangingPunct="1">
+              <a:lnSpc>
+                <a:spcPct val="100000"/>
+              </a:lnSpc>
+              <a:spcBef>
+                <a:spcPts val="0"/>
+              </a:spcBef>
+              <a:spcAft>
+                <a:spcPts val="0"/>
+              </a:spcAft>
+              <a:buClrTx/>
+              <a:buSzTx/>
+              <a:buFont typeface="Wingdings" panose="05000000000000000000" pitchFamily="2" charset="2"/>
+              <a:buChar char="§"/>
+              <a:tabLst/>
+              <a:defRPr/>
+            </a:pPr>
+            <a:r>
+              <a:rPr kumimoji="0" lang="en-US" sz="2000" b="1" i="0" u="none" strike="noStrike" kern="1200" cap="none" spc="0" normalizeH="0" baseline="0" noProof="0" dirty="0">
+                <a:ln>
+                  <a:noFill/>
+                </a:ln>
+                <a:solidFill>
+                  <a:prstClr val="black"/>
+                </a:solidFill>
+                <a:effectLst/>
+                <a:uLnTx/>
+                <a:uFillTx/>
+                <a:latin typeface="Arial" panose="020B0604020202020204" pitchFamily="34" charset="0"/>
+                <a:ea typeface="+mn-ea"/>
+                <a:cs typeface="Arial" panose="020B0604020202020204" pitchFamily="34" charset="0"/>
+              </a:rPr>
+              <a:t>VotingKey</a:t>
+            </a:r>
+            <a:endParaRPr kumimoji="0" lang="fa-IR" sz="2000" b="1" i="0" u="none" strike="noStrike" kern="1200" cap="none" spc="0" normalizeH="0" baseline="0" noProof="0" dirty="0">
+              <a:ln>
+                <a:noFill/>
+              </a:ln>
+              <a:solidFill>
+                <a:prstClr val="black"/>
+              </a:solidFill>
+              <a:effectLst/>
+              <a:uLnTx/>
+              <a:uFillTx/>
+              <a:latin typeface="Arial" panose="020B0604020202020204" pitchFamily="34" charset="0"/>
+              <a:ea typeface="+mn-ea"/>
+              <a:cs typeface="Arial" panose="020B0604020202020204" pitchFamily="34" charset="0"/>
+            </a:endParaRPr>
+          </a:p>
+          <a:p>
+            <a:pPr marL="800100" marR="0" lvl="1" indent="-342900" algn="l" defTabSz="914400" rtl="0" eaLnBrk="1" fontAlgn="auto" latinLnBrk="0" hangingPunct="1">
+              <a:lnSpc>
+                <a:spcPct val="100000"/>
+              </a:lnSpc>
+              <a:spcBef>
+                <a:spcPts val="0"/>
+              </a:spcBef>
+              <a:spcAft>
+                <a:spcPts val="0"/>
+              </a:spcAft>
+              <a:buClrTx/>
+              <a:buSzTx/>
+              <a:buFont typeface="Wingdings" panose="05000000000000000000" pitchFamily="2" charset="2"/>
+              <a:buChar char="§"/>
+              <a:tabLst/>
+              <a:defRPr/>
+            </a:pPr>
+            <a:endParaRPr kumimoji="0" lang="fa-IR" sz="2000" b="1" i="0" u="none" strike="noStrike" kern="1200" cap="none" spc="0" normalizeH="0" baseline="0" noProof="0" dirty="0">
+              <a:ln>
+                <a:noFill/>
+              </a:ln>
+              <a:solidFill>
+                <a:prstClr val="black"/>
+              </a:solidFill>
+              <a:effectLst/>
+              <a:uLnTx/>
+              <a:uFillTx/>
+              <a:latin typeface="Arial" panose="020B0604020202020204" pitchFamily="34" charset="0"/>
+              <a:ea typeface="+mn-ea"/>
+              <a:cs typeface="Arial" panose="020B0604020202020204" pitchFamily="34" charset="0"/>
+            </a:endParaRPr>
+          </a:p>
+          <a:p>
+            <a:pPr marL="800100" marR="0" lvl="1" indent="-342900" algn="l" defTabSz="914400" rtl="0" eaLnBrk="1" fontAlgn="auto" latinLnBrk="0" hangingPunct="1">
+              <a:lnSpc>
+                <a:spcPct val="100000"/>
+              </a:lnSpc>
+              <a:spcBef>
+                <a:spcPts val="0"/>
+              </a:spcBef>
+              <a:spcAft>
+                <a:spcPts val="0"/>
+              </a:spcAft>
+              <a:buClrTx/>
+              <a:buSzTx/>
+              <a:buFont typeface="Wingdings" panose="05000000000000000000" pitchFamily="2" charset="2"/>
+              <a:buChar char="§"/>
+              <a:tabLst/>
+              <a:defRPr/>
+            </a:pPr>
+            <a:endParaRPr kumimoji="0" lang="fa-IR" sz="2000" b="1" i="0" u="none" strike="noStrike" kern="1200" cap="none" spc="0" normalizeH="0" baseline="0" noProof="0" dirty="0">
+              <a:ln>
+                <a:noFill/>
+              </a:ln>
+              <a:solidFill>
+                <a:prstClr val="black"/>
+              </a:solidFill>
+              <a:effectLst/>
+              <a:uLnTx/>
+              <a:uFillTx/>
+              <a:latin typeface="Arial" panose="020B0604020202020204" pitchFamily="34" charset="0"/>
+              <a:ea typeface="+mn-ea"/>
+              <a:cs typeface="Arial" panose="020B0604020202020204" pitchFamily="34" charset="0"/>
+            </a:endParaRPr>
+          </a:p>
+          <a:p>
+            <a:pPr marL="800100" marR="0" lvl="1" indent="-342900" algn="l" defTabSz="914400" rtl="0" eaLnBrk="1" fontAlgn="auto" latinLnBrk="0" hangingPunct="1">
+              <a:lnSpc>
+                <a:spcPct val="100000"/>
+              </a:lnSpc>
+              <a:spcBef>
+                <a:spcPts val="0"/>
+              </a:spcBef>
+              <a:spcAft>
+                <a:spcPts val="0"/>
+              </a:spcAft>
+              <a:buClrTx/>
+              <a:buSzTx/>
+              <a:buFont typeface="Wingdings" panose="05000000000000000000" pitchFamily="2" charset="2"/>
+              <a:buChar char="§"/>
+              <a:tabLst/>
+              <a:defRPr/>
+            </a:pPr>
+            <a:endParaRPr kumimoji="0" lang="fa-IR" sz="2000" b="1" i="0" u="none" strike="noStrike" kern="1200" cap="none" spc="0" normalizeH="0" baseline="0" noProof="0" dirty="0">
+              <a:ln>
+                <a:noFill/>
+              </a:ln>
+              <a:solidFill>
+                <a:prstClr val="black"/>
+              </a:solidFill>
+              <a:effectLst/>
+              <a:uLnTx/>
+              <a:uFillTx/>
+              <a:latin typeface="Arial" panose="020B0604020202020204" pitchFamily="34" charset="0"/>
+              <a:ea typeface="+mn-ea"/>
+              <a:cs typeface="Arial" panose="020B0604020202020204" pitchFamily="34" charset="0"/>
+            </a:endParaRPr>
+          </a:p>
+          <a:p>
+            <a:pPr marL="800100" marR="0" lvl="1" indent="-342900" algn="l" defTabSz="914400" rtl="0" eaLnBrk="1" fontAlgn="auto" latinLnBrk="0" hangingPunct="1">
+              <a:lnSpc>
+                <a:spcPct val="100000"/>
+              </a:lnSpc>
+              <a:spcBef>
+                <a:spcPts val="0"/>
+              </a:spcBef>
+              <a:spcAft>
+                <a:spcPts val="0"/>
+              </a:spcAft>
+              <a:buClrTx/>
+              <a:buSzTx/>
+              <a:buFont typeface="Wingdings" panose="05000000000000000000" pitchFamily="2" charset="2"/>
+              <a:buChar char="§"/>
+              <a:tabLst/>
+              <a:defRPr/>
+            </a:pPr>
+            <a:endParaRPr kumimoji="0" lang="fa-IR" sz="2000" b="1" i="0" u="none" strike="noStrike" kern="1200" cap="none" spc="0" normalizeH="0" baseline="0" noProof="0" dirty="0">
+              <a:ln>
+                <a:noFill/>
+              </a:ln>
+              <a:solidFill>
+                <a:prstClr val="black"/>
+              </a:solidFill>
+              <a:effectLst/>
+              <a:uLnTx/>
+              <a:uFillTx/>
+              <a:latin typeface="Arial" panose="020B0604020202020204" pitchFamily="34" charset="0"/>
+              <a:ea typeface="+mn-ea"/>
+              <a:cs typeface="Arial" panose="020B0604020202020204" pitchFamily="34" charset="0"/>
+            </a:endParaRPr>
+          </a:p>
+          <a:p>
+            <a:pPr marL="800100" marR="0" lvl="1" indent="-342900" algn="l" defTabSz="914400" rtl="0" eaLnBrk="1" fontAlgn="auto" latinLnBrk="0" hangingPunct="1">
+              <a:lnSpc>
+                <a:spcPct val="100000"/>
+              </a:lnSpc>
+              <a:spcBef>
+                <a:spcPts val="0"/>
+              </a:spcBef>
+              <a:spcAft>
+                <a:spcPts val="0"/>
+              </a:spcAft>
+              <a:buClrTx/>
+              <a:buSzTx/>
+              <a:buFont typeface="Wingdings" panose="05000000000000000000" pitchFamily="2" charset="2"/>
+              <a:buChar char="§"/>
+              <a:tabLst/>
+              <a:defRPr/>
+            </a:pPr>
+            <a:endParaRPr kumimoji="0" lang="fa-IR" sz="2000" b="1" i="0" u="none" strike="noStrike" kern="1200" cap="none" spc="0" normalizeH="0" baseline="0" noProof="0" dirty="0">
+              <a:ln>
+                <a:noFill/>
+              </a:ln>
+              <a:solidFill>
+                <a:prstClr val="black"/>
+              </a:solidFill>
+              <a:effectLst/>
+              <a:uLnTx/>
+              <a:uFillTx/>
+              <a:latin typeface="Arial" panose="020B0604020202020204" pitchFamily="34" charset="0"/>
+              <a:ea typeface="+mn-ea"/>
+              <a:cs typeface="Arial" panose="020B0604020202020204" pitchFamily="34" charset="0"/>
+            </a:endParaRPr>
+          </a:p>
+          <a:p>
+            <a:pPr marL="342900" marR="0" lvl="0" indent="-342900" algn="l" defTabSz="914400" rtl="0" eaLnBrk="1" fontAlgn="auto" latinLnBrk="0" hangingPunct="1">
+              <a:lnSpc>
+                <a:spcPct val="300000"/>
+              </a:lnSpc>
+              <a:spcBef>
+                <a:spcPts val="0"/>
+              </a:spcBef>
+              <a:spcAft>
+                <a:spcPts val="0"/>
+              </a:spcAft>
+              <a:buClrTx/>
+              <a:buSzTx/>
+              <a:buFont typeface="Wingdings" panose="05000000000000000000" pitchFamily="2" charset="2"/>
+              <a:buChar char="Ø"/>
+              <a:tabLst/>
+              <a:defRPr/>
+            </a:pPr>
+            <a:r>
+              <a:rPr kumimoji="0" lang="en-US" sz="2000" b="1" i="0" u="none" strike="noStrike" kern="1200" cap="none" spc="0" normalizeH="0" baseline="0" noProof="0" dirty="0">
+                <a:ln>
+                  <a:noFill/>
+                </a:ln>
+                <a:solidFill>
+                  <a:prstClr val="black"/>
+                </a:solidFill>
+                <a:effectLst/>
+                <a:uLnTx/>
+                <a:uFillTx/>
+                <a:latin typeface="Arial" panose="020B0604020202020204" pitchFamily="34" charset="0"/>
+                <a:ea typeface="+mn-ea"/>
+                <a:cs typeface="Arial" panose="020B0604020202020204" pitchFamily="34" charset="0"/>
+              </a:rPr>
+              <a:t>The output of this circuit is a proof, which proves that the person is eligible to vote.</a:t>
+            </a:r>
+          </a:p>
+        </p:txBody>
+      </p:sp>
+      <p:sp>
+        <p:nvSpPr>
+          <p:cNvPr id="4" name="Title 1">
+            <a:extLst>
+              <a:ext uri="{FF2B5EF4-FFF2-40B4-BE49-F238E27FC236}">
+                <a16:creationId xmlns:a16="http://schemas.microsoft.com/office/drawing/2014/main" id="{B4FB6BEC-3808-5F5F-2889-137694937899}"/>
+              </a:ext>
+            </a:extLst>
+          </p:cNvPr>
+          <p:cNvSpPr>
+            <a:spLocks noGrp="1"/>
+          </p:cNvSpPr>
+          <p:nvPr>
+            <p:ph type="title"/>
+          </p:nvPr>
+        </p:nvSpPr>
+        <p:spPr>
+          <a:xfrm>
+            <a:off x="838199" y="509608"/>
+            <a:ext cx="10515600" cy="604536"/>
+          </a:xfrm>
+        </p:spPr>
+        <p:txBody>
+          <a:bodyPr>
+            <a:noAutofit/>
+          </a:bodyPr>
+          <a:lstStyle/>
+          <a:p>
+            <a:r>
+              <a:rPr lang="en-US" sz="4900" b="1" dirty="0">
                 <a:latin typeface="Arial" panose="020B0604020202020204" pitchFamily="34" charset="0"/>
                 <a:cs typeface="Arial" panose="020B0604020202020204" pitchFamily="34" charset="0"/>
               </a:rPr>
-              <a:t>Implementation</a:t>
-            </a:r>
+              <a:t>Authentication</a:t>
+            </a:r>
+            <a:endParaRPr lang="en-US" sz="4900" b="1" u="sng" dirty="0">
+              <a:latin typeface="Arial" panose="020B0604020202020204" pitchFamily="34" charset="0"/>
+              <a:cs typeface="Arial" panose="020B0604020202020204" pitchFamily="34" charset="0"/>
+            </a:endParaRPr>
           </a:p>
         </p:txBody>
       </p:sp>
@@ -10061,7 +12004,7 @@
           <p:cNvPr id="5" name="Straight Connector 4">
             <a:extLst>
               <a:ext uri="{FF2B5EF4-FFF2-40B4-BE49-F238E27FC236}">
-                <a16:creationId xmlns:a16="http://schemas.microsoft.com/office/drawing/2014/main" id="{8AB8F30D-E183-7E22-5AA4-C00315575114}"/>
+                <a16:creationId xmlns:a16="http://schemas.microsoft.com/office/drawing/2014/main" id="{DCFBD756-87A1-EFAE-F8FD-0D009088FFEF}"/>
               </a:ext>
             </a:extLst>
           </p:cNvPr>
@@ -10071,14 +12014,14 @@
           <p:nvPr/>
         </p:nvCxnSpPr>
         <p:spPr>
-          <a:xfrm>
-            <a:off x="2851355" y="3692042"/>
-            <a:ext cx="6489290" cy="0"/>
+          <a:xfrm flipH="1">
+            <a:off x="838199" y="1174579"/>
+            <a:ext cx="10515600" cy="0"/>
           </a:xfrm>
           <a:prstGeom prst="line">
             <a:avLst/>
           </a:prstGeom>
-          <a:ln w="76200">
+          <a:ln w="57150">
             <a:solidFill>
               <a:schemeClr val="tx1"/>
             </a:solidFill>
@@ -10099,42 +12042,77 @@
           </a:fontRef>
         </p:style>
       </p:cxnSp>
-    </p:spTree>
-    <p:extLst>
-      <p:ext uri="{BB962C8B-B14F-4D97-AF65-F5344CB8AC3E}">
-        <p14:creationId xmlns:p14="http://schemas.microsoft.com/office/powerpoint/2010/main" val="3521901466"/>
-      </p:ext>
-    </p:extLst>
-  </p:cSld>
-  <p:clrMapOvr>
-    <a:masterClrMapping/>
-  </p:clrMapOvr>
-</p:sld>
-</file>
-
-<file path=ppt/slides/slide6.xml><?xml version="1.0" encoding="utf-8"?>
-<p:sld xmlns:a="http://schemas.openxmlformats.org/drawingml/2006/main" xmlns:r="http://schemas.openxmlformats.org/officeDocument/2006/relationships" xmlns:p="http://schemas.openxmlformats.org/presentationml/2006/main">
-  <p:cSld>
-    <p:spTree>
-      <p:nvGrpSpPr>
-        <p:cNvPr id="1" name=""/>
-        <p:cNvGrpSpPr/>
-        <p:nvPr/>
-      </p:nvGrpSpPr>
-      <p:grpSpPr>
-        <a:xfrm>
-          <a:off x="0" y="0"/>
-          <a:ext cx="0" cy="0"/>
-          <a:chOff x="0" y="0"/>
-          <a:chExt cx="0" cy="0"/>
-        </a:xfrm>
-      </p:grpSpPr>
+      <p:pic>
+        <p:nvPicPr>
+          <p:cNvPr id="14" name="Picture 13">
+            <a:extLst>
+              <a:ext uri="{FF2B5EF4-FFF2-40B4-BE49-F238E27FC236}">
+                <a16:creationId xmlns:a16="http://schemas.microsoft.com/office/drawing/2014/main" id="{94049C07-5604-47D1-417E-36F6A718CB12}"/>
+              </a:ext>
+            </a:extLst>
+          </p:cNvPr>
+          <p:cNvPicPr>
+            <a:picLocks noChangeAspect="1"/>
+          </p:cNvPicPr>
+          <p:nvPr/>
+        </p:nvPicPr>
+        <p:blipFill>
+          <a:blip r:embed="rId2">
+            <a:extLst>
+              <a:ext uri="{28A0092B-C50C-407E-A947-70E740481C1C}">
+                <a14:useLocalDpi xmlns:a14="http://schemas.microsoft.com/office/drawing/2010/main" val="0"/>
+              </a:ext>
+            </a:extLst>
+          </a:blip>
+          <a:stretch>
+            <a:fillRect/>
+          </a:stretch>
+        </p:blipFill>
+        <p:spPr>
+          <a:xfrm>
+            <a:off x="6243781" y="1423518"/>
+            <a:ext cx="4394281" cy="4010963"/>
+          </a:xfrm>
+          <a:prstGeom prst="rect">
+            <a:avLst/>
+          </a:prstGeom>
+          <a:solidFill>
+            <a:srgbClr val="FFFFFF">
+              <a:shade val="85000"/>
+            </a:srgbClr>
+          </a:solidFill>
+          <a:ln w="190500" cap="rnd">
+            <a:solidFill>
+              <a:srgbClr val="FFFFFF"/>
+            </a:solidFill>
+          </a:ln>
+          <a:effectLst>
+            <a:outerShdw blurRad="50000" algn="tl" rotWithShape="0">
+              <a:srgbClr val="000000">
+                <a:alpha val="41000"/>
+              </a:srgbClr>
+            </a:outerShdw>
+          </a:effectLst>
+          <a:scene3d>
+            <a:camera prst="orthographicFront"/>
+            <a:lightRig rig="twoPt" dir="t">
+              <a:rot lat="0" lon="0" rev="7800000"/>
+            </a:lightRig>
+          </a:scene3d>
+          <a:sp3d contourW="6350">
+            <a:bevelT w="50800" h="16510"/>
+            <a:contourClr>
+              <a:srgbClr val="C0C0C0"/>
+            </a:contourClr>
+          </a:sp3d>
+        </p:spPr>
+      </p:pic>
       <p:sp>
         <p:nvSpPr>
-          <p:cNvPr id="14" name="TextBox 13">
-            <a:extLst>
-              <a:ext uri="{FF2B5EF4-FFF2-40B4-BE49-F238E27FC236}">
-                <a16:creationId xmlns:a16="http://schemas.microsoft.com/office/drawing/2014/main" id="{E77BBB18-8B0E-7F44-34C0-39EA1D90927D}"/>
+          <p:cNvPr id="3" name="TextBox 2">
+            <a:extLst>
+              <a:ext uri="{FF2B5EF4-FFF2-40B4-BE49-F238E27FC236}">
+                <a16:creationId xmlns:a16="http://schemas.microsoft.com/office/drawing/2014/main" id="{E7EE96F8-C896-A63B-9D95-46C60FF3CBBA}"/>
               </a:ext>
             </a:extLst>
           </p:cNvPr>
@@ -10144,7 +12122,7 @@
         <p:spPr>
           <a:xfrm>
             <a:off x="11464525" y="6009967"/>
-            <a:ext cx="550151" cy="523220"/>
+            <a:ext cx="385042" cy="523220"/>
           </a:xfrm>
           <a:prstGeom prst="rect">
             <a:avLst/>
@@ -10157,47 +12135,61 @@
           </a:bodyPr>
           <a:lstStyle/>
           <a:p>
-            <a:r>
-              <a:rPr lang="en-US" sz="2800" b="1" dirty="0"/>
-              <a:t>14</a:t>
-            </a:r>
+            <a:pPr marL="0" marR="0" lvl="0" indent="0" algn="l" defTabSz="914400" rtl="0" eaLnBrk="1" fontAlgn="auto" latinLnBrk="0" hangingPunct="1">
+              <a:lnSpc>
+                <a:spcPct val="100000"/>
+              </a:lnSpc>
+              <a:spcBef>
+                <a:spcPts val="0"/>
+              </a:spcBef>
+              <a:spcAft>
+                <a:spcPts val="0"/>
+              </a:spcAft>
+              <a:buClrTx/>
+              <a:buSzTx/>
+              <a:buFontTx/>
+              <a:buNone/>
+              <a:tabLst/>
+              <a:defRPr/>
+            </a:pPr>
+            <a:r>
+              <a:rPr kumimoji="0" lang="fa-IR" sz="2800" b="1" i="0" u="none" strike="noStrike" kern="1200" cap="none" spc="0" normalizeH="0" baseline="0" noProof="0" dirty="0">
+                <a:ln>
+                  <a:noFill/>
+                </a:ln>
+                <a:solidFill>
+                  <a:prstClr val="black"/>
+                </a:solidFill>
+                <a:effectLst/>
+                <a:uLnTx/>
+                <a:uFillTx/>
+                <a:latin typeface="Calibri" panose="020F0502020204030204"/>
+                <a:ea typeface="+mn-ea"/>
+                <a:cs typeface="+mn-cs"/>
+              </a:rPr>
+              <a:t>5</a:t>
+            </a:r>
+            <a:endParaRPr kumimoji="0" lang="en-US" sz="2800" b="1" i="0" u="none" strike="noStrike" kern="1200" cap="none" spc="0" normalizeH="0" baseline="0" noProof="0" dirty="0">
+              <a:ln>
+                <a:noFill/>
+              </a:ln>
+              <a:solidFill>
+                <a:prstClr val="black"/>
+              </a:solidFill>
+              <a:effectLst/>
+              <a:uLnTx/>
+              <a:uFillTx/>
+              <a:latin typeface="Calibri" panose="020F0502020204030204"/>
+              <a:ea typeface="+mn-ea"/>
+              <a:cs typeface="+mn-cs"/>
+            </a:endParaRPr>
           </a:p>
         </p:txBody>
       </p:sp>
-      <p:pic>
-        <p:nvPicPr>
-          <p:cNvPr id="30" name="Picture 29">
-            <a:extLst>
-              <a:ext uri="{FF2B5EF4-FFF2-40B4-BE49-F238E27FC236}">
-                <a16:creationId xmlns:a16="http://schemas.microsoft.com/office/drawing/2014/main" id="{949D7C74-A093-022C-8053-078BACAD61D8}"/>
-              </a:ext>
-            </a:extLst>
-          </p:cNvPr>
-          <p:cNvPicPr>
-            <a:picLocks noChangeAspect="1"/>
-          </p:cNvPicPr>
-          <p:nvPr/>
-        </p:nvPicPr>
-        <p:blipFill>
-          <a:blip r:embed="rId2"/>
-          <a:stretch>
-            <a:fillRect/>
-          </a:stretch>
-        </p:blipFill>
-        <p:spPr>
-          <a:xfrm>
-            <a:off x="1659435" y="0"/>
-            <a:ext cx="8870913" cy="6858000"/>
-          </a:xfrm>
-          <a:prstGeom prst="rect">
-            <a:avLst/>
-          </a:prstGeom>
-        </p:spPr>
-      </p:pic>
     </p:spTree>
     <p:extLst>
       <p:ext uri="{BB962C8B-B14F-4D97-AF65-F5344CB8AC3E}">
-        <p14:creationId xmlns:p14="http://schemas.microsoft.com/office/powerpoint/2010/main" val="1215648780"/>
+        <p14:creationId xmlns:p14="http://schemas.microsoft.com/office/powerpoint/2010/main" val="1545625574"/>
       </p:ext>
     </p:extLst>
   </p:cSld>
@@ -10226,10 +12218,10 @@
       </p:grpSpPr>
       <p:sp>
         <p:nvSpPr>
-          <p:cNvPr id="4" name="TextBox 3">
-            <a:extLst>
-              <a:ext uri="{FF2B5EF4-FFF2-40B4-BE49-F238E27FC236}">
-                <a16:creationId xmlns:a16="http://schemas.microsoft.com/office/drawing/2014/main" id="{0EDAC582-D10E-E1BE-3EE7-C011537C02A6}"/>
+          <p:cNvPr id="8" name="TextBox 7">
+            <a:extLst>
+              <a:ext uri="{FF2B5EF4-FFF2-40B4-BE49-F238E27FC236}">
+                <a16:creationId xmlns:a16="http://schemas.microsoft.com/office/drawing/2014/main" id="{940BE7FA-E249-5A20-E252-5D02E2D5F906}"/>
               </a:ext>
             </a:extLst>
           </p:cNvPr>
@@ -10238,8 +12230,8 @@
         </p:nvSpPr>
         <p:spPr>
           <a:xfrm>
-            <a:off x="2609928" y="2584046"/>
-            <a:ext cx="6972144" cy="1107996"/>
+            <a:off x="2325255" y="1248475"/>
+            <a:ext cx="6553782" cy="4836645"/>
           </a:xfrm>
           <a:prstGeom prst="rect">
             <a:avLst/>
@@ -10247,18 +12239,585 @@
           <a:noFill/>
         </p:spPr>
         <p:txBody>
-          <a:bodyPr wrap="square" rtlCol="0" anchor="ctr">
+          <a:bodyPr wrap="none" rtlCol="0">
             <a:spAutoFit/>
           </a:bodyPr>
           <a:lstStyle/>
           <a:p>
-            <a:r>
-              <a:rPr lang="en-US" sz="6600" b="1" dirty="0">
+            <a:pPr marL="0" marR="0" lvl="0" indent="0" algn="l" defTabSz="914400" rtl="0" eaLnBrk="1" fontAlgn="auto" latinLnBrk="0" hangingPunct="1">
+              <a:lnSpc>
+                <a:spcPct val="150000"/>
+              </a:lnSpc>
+              <a:spcBef>
+                <a:spcPts val="0"/>
+              </a:spcBef>
+              <a:spcAft>
+                <a:spcPts val="0"/>
+              </a:spcAft>
+              <a:buClrTx/>
+              <a:buSzTx/>
+              <a:buFontTx/>
+              <a:buNone/>
+              <a:tabLst/>
+              <a:defRPr/>
+            </a:pPr>
+            <a:r>
+              <a:rPr kumimoji="0" lang="en-US" sz="2800" b="1" i="0" u="none" strike="noStrike" kern="1200" cap="none" spc="0" normalizeH="0" baseline="0" noProof="0" dirty="0">
+                <a:ln>
+                  <a:noFill/>
+                </a:ln>
+                <a:solidFill>
+                  <a:prstClr val="black"/>
+                </a:solidFill>
+                <a:effectLst/>
+                <a:uLnTx/>
+                <a:uFillTx/>
+                <a:latin typeface="Arial" panose="020B0604020202020204" pitchFamily="34" charset="0"/>
+                <a:ea typeface="+mn-ea"/>
+                <a:cs typeface="Arial" panose="020B0604020202020204" pitchFamily="34" charset="0"/>
+              </a:rPr>
+              <a:t>Prover(Voter):</a:t>
+            </a:r>
+          </a:p>
+          <a:p>
+            <a:pPr marL="0" marR="0" lvl="0" indent="0" algn="l" defTabSz="914400" rtl="0" eaLnBrk="1" fontAlgn="auto" latinLnBrk="0" hangingPunct="1">
+              <a:lnSpc>
+                <a:spcPct val="150000"/>
+              </a:lnSpc>
+              <a:spcBef>
+                <a:spcPts val="0"/>
+              </a:spcBef>
+              <a:spcAft>
+                <a:spcPts val="0"/>
+              </a:spcAft>
+              <a:buClrTx/>
+              <a:buSzTx/>
+              <a:buFontTx/>
+              <a:buNone/>
+              <a:tabLst/>
+              <a:defRPr/>
+            </a:pPr>
+            <a:endParaRPr kumimoji="0" lang="en-US" sz="2000" b="1" i="0" u="none" strike="noStrike" kern="1200" cap="none" spc="0" normalizeH="0" baseline="0" noProof="0" dirty="0">
+              <a:ln>
+                <a:noFill/>
+              </a:ln>
+              <a:solidFill>
+                <a:prstClr val="black"/>
+              </a:solidFill>
+              <a:effectLst/>
+              <a:uLnTx/>
+              <a:uFillTx/>
+              <a:latin typeface="Arial" panose="020B0604020202020204" pitchFamily="34" charset="0"/>
+              <a:ea typeface="+mn-ea"/>
+              <a:cs typeface="Arial" panose="020B0604020202020204" pitchFamily="34" charset="0"/>
+            </a:endParaRPr>
+          </a:p>
+          <a:p>
+            <a:pPr marL="457200" marR="0" lvl="1" indent="0" algn="l" defTabSz="914400" rtl="0" eaLnBrk="1" fontAlgn="auto" latinLnBrk="0" hangingPunct="1">
+              <a:lnSpc>
+                <a:spcPct val="150000"/>
+              </a:lnSpc>
+              <a:spcBef>
+                <a:spcPts val="0"/>
+              </a:spcBef>
+              <a:spcAft>
+                <a:spcPts val="0"/>
+              </a:spcAft>
+              <a:buClrTx/>
+              <a:buSzTx/>
+              <a:buFontTx/>
+              <a:buNone/>
+              <a:tabLst/>
+              <a:defRPr/>
+            </a:pPr>
+            <a:r>
+              <a:rPr kumimoji="0" lang="en-US" sz="2000" b="0" i="0" u="none" strike="noStrike" kern="1200" cap="none" spc="0" normalizeH="0" baseline="0" noProof="0" dirty="0">
+                <a:ln>
+                  <a:noFill/>
+                </a:ln>
+                <a:solidFill>
+                  <a:prstClr val="black"/>
+                </a:solidFill>
+                <a:effectLst/>
+                <a:uLnTx/>
+                <a:uFillTx/>
+                <a:latin typeface="Arial" panose="020B0604020202020204" pitchFamily="34" charset="0"/>
+                <a:ea typeface="+mn-ea"/>
+                <a:cs typeface="Arial" panose="020B0604020202020204" pitchFamily="34" charset="0"/>
+              </a:rPr>
+              <a:t>Function (</a:t>
+            </a:r>
+            <a:r>
+              <a:rPr kumimoji="0" lang="en-US" sz="2000" b="1" i="0" u="none" strike="noStrike" kern="1200" cap="none" spc="0" normalizeH="0" baseline="0" noProof="0" dirty="0">
+                <a:ln>
+                  <a:noFill/>
+                </a:ln>
+                <a:solidFill>
+                  <a:prstClr val="black"/>
+                </a:solidFill>
+                <a:effectLst/>
+                <a:uLnTx/>
+                <a:uFillTx/>
+                <a:latin typeface="Arial" panose="020B0604020202020204" pitchFamily="34" charset="0"/>
+                <a:ea typeface="+mn-ea"/>
+                <a:cs typeface="Arial" panose="020B0604020202020204" pitchFamily="34" charset="0"/>
+              </a:rPr>
+              <a:t>votingKey</a:t>
+            </a:r>
+            <a:r>
+              <a:rPr kumimoji="0" lang="en-US" sz="2000" b="0" i="0" u="none" strike="noStrike" kern="1200" cap="none" spc="0" normalizeH="0" baseline="0" noProof="0" dirty="0">
+                <a:ln>
+                  <a:noFill/>
+                </a:ln>
+                <a:solidFill>
+                  <a:prstClr val="black"/>
+                </a:solidFill>
+                <a:effectLst/>
+                <a:uLnTx/>
+                <a:uFillTx/>
+                <a:latin typeface="Arial" panose="020B0604020202020204" pitchFamily="34" charset="0"/>
+                <a:ea typeface="+mn-ea"/>
+                <a:cs typeface="Arial" panose="020B0604020202020204" pitchFamily="34" charset="0"/>
+              </a:rPr>
+              <a:t>){</a:t>
+            </a:r>
+          </a:p>
+          <a:p>
+            <a:pPr marL="457200" marR="0" lvl="1" indent="0" algn="l" defTabSz="914400" rtl="0" eaLnBrk="1" fontAlgn="auto" latinLnBrk="0" hangingPunct="1">
+              <a:lnSpc>
+                <a:spcPct val="150000"/>
+              </a:lnSpc>
+              <a:spcBef>
+                <a:spcPts val="0"/>
+              </a:spcBef>
+              <a:spcAft>
+                <a:spcPts val="0"/>
+              </a:spcAft>
+              <a:buClrTx/>
+              <a:buSzTx/>
+              <a:buFontTx/>
+              <a:buNone/>
+              <a:tabLst/>
+              <a:defRPr/>
+            </a:pPr>
+            <a:r>
+              <a:rPr kumimoji="0" lang="en-US" sz="2000" b="0" i="0" u="none" strike="noStrike" kern="1200" cap="none" spc="0" normalizeH="0" baseline="0" noProof="0" dirty="0">
+                <a:ln>
+                  <a:noFill/>
+                </a:ln>
+                <a:solidFill>
+                  <a:prstClr val="black"/>
+                </a:solidFill>
+                <a:effectLst/>
+                <a:uLnTx/>
+                <a:uFillTx/>
+                <a:latin typeface="Arial" panose="020B0604020202020204" pitchFamily="34" charset="0"/>
+                <a:ea typeface="+mn-ea"/>
+                <a:cs typeface="Arial" panose="020B0604020202020204" pitchFamily="34" charset="0"/>
+              </a:rPr>
+              <a:t>	votingID = </a:t>
+            </a:r>
+            <a:r>
+              <a:rPr kumimoji="0" lang="en-US" sz="2000" b="1" i="0" u="none" strike="noStrike" kern="1200" cap="none" spc="0" normalizeH="0" baseline="0" noProof="0" dirty="0">
+                <a:ln>
+                  <a:noFill/>
+                </a:ln>
+                <a:solidFill>
+                  <a:prstClr val="black"/>
+                </a:solidFill>
+                <a:effectLst/>
+                <a:uLnTx/>
+                <a:uFillTx/>
+                <a:latin typeface="Arial" panose="020B0604020202020204" pitchFamily="34" charset="0"/>
+                <a:ea typeface="+mn-ea"/>
+                <a:cs typeface="Arial" panose="020B0604020202020204" pitchFamily="34" charset="0"/>
+              </a:rPr>
+              <a:t>Pedersen</a:t>
+            </a:r>
+            <a:r>
+              <a:rPr kumimoji="0" lang="en-US" sz="2000" b="0" i="0" u="none" strike="noStrike" kern="1200" cap="none" spc="0" normalizeH="0" baseline="0" noProof="0" dirty="0">
+                <a:ln>
+                  <a:noFill/>
+                </a:ln>
+                <a:solidFill>
+                  <a:prstClr val="black"/>
+                </a:solidFill>
+                <a:effectLst/>
+                <a:uLnTx/>
+                <a:uFillTx/>
+                <a:latin typeface="Arial" panose="020B0604020202020204" pitchFamily="34" charset="0"/>
+                <a:ea typeface="+mn-ea"/>
+                <a:cs typeface="Arial" panose="020B0604020202020204" pitchFamily="34" charset="0"/>
+              </a:rPr>
+              <a:t>(votingKey);</a:t>
+            </a:r>
+          </a:p>
+          <a:p>
+            <a:pPr marL="457200" marR="0" lvl="1" indent="0" algn="l" defTabSz="914400" rtl="0" eaLnBrk="1" fontAlgn="auto" latinLnBrk="0" hangingPunct="1">
+              <a:lnSpc>
+                <a:spcPct val="150000"/>
+              </a:lnSpc>
+              <a:spcBef>
+                <a:spcPts val="0"/>
+              </a:spcBef>
+              <a:spcAft>
+                <a:spcPts val="0"/>
+              </a:spcAft>
+              <a:buClrTx/>
+              <a:buSzTx/>
+              <a:buFontTx/>
+              <a:buNone/>
+              <a:tabLst/>
+              <a:defRPr/>
+            </a:pPr>
+            <a:r>
+              <a:rPr kumimoji="0" lang="en-US" sz="2000" b="0" i="0" u="none" strike="noStrike" kern="1200" cap="none" spc="0" normalizeH="0" baseline="0" noProof="0" dirty="0">
+                <a:ln>
+                  <a:noFill/>
+                </a:ln>
+                <a:solidFill>
+                  <a:prstClr val="black"/>
+                </a:solidFill>
+                <a:effectLst/>
+                <a:uLnTx/>
+                <a:uFillTx/>
+                <a:latin typeface="Arial" panose="020B0604020202020204" pitchFamily="34" charset="0"/>
+                <a:ea typeface="+mn-ea"/>
+                <a:cs typeface="Arial" panose="020B0604020202020204" pitchFamily="34" charset="0"/>
+              </a:rPr>
+              <a:t>	if(merkleTreeRoot.</a:t>
+            </a:r>
+            <a:r>
+              <a:rPr kumimoji="0" lang="en-US" sz="2000" b="1" i="0" u="none" strike="noStrike" kern="1200" cap="none" spc="0" normalizeH="0" baseline="0" noProof="0" dirty="0">
+                <a:ln>
+                  <a:noFill/>
+                </a:ln>
+                <a:solidFill>
+                  <a:prstClr val="black"/>
+                </a:solidFill>
+                <a:effectLst/>
+                <a:uLnTx/>
+                <a:uFillTx/>
+                <a:latin typeface="Arial" panose="020B0604020202020204" pitchFamily="34" charset="0"/>
+                <a:ea typeface="+mn-ea"/>
+                <a:cs typeface="Arial" panose="020B0604020202020204" pitchFamily="34" charset="0"/>
+              </a:rPr>
+              <a:t>includes</a:t>
+            </a:r>
+            <a:r>
+              <a:rPr kumimoji="0" lang="en-US" sz="2000" b="0" i="0" u="none" strike="noStrike" kern="1200" cap="none" spc="0" normalizeH="0" baseline="0" noProof="0" dirty="0">
+                <a:ln>
+                  <a:noFill/>
+                </a:ln>
+                <a:solidFill>
+                  <a:prstClr val="black"/>
+                </a:solidFill>
+                <a:effectLst/>
+                <a:uLnTx/>
+                <a:uFillTx/>
+                <a:latin typeface="Arial" panose="020B0604020202020204" pitchFamily="34" charset="0"/>
+                <a:ea typeface="+mn-ea"/>
+                <a:cs typeface="Arial" panose="020B0604020202020204" pitchFamily="34" charset="0"/>
+              </a:rPr>
+              <a:t>(VotingID){</a:t>
+            </a:r>
+          </a:p>
+          <a:p>
+            <a:pPr marL="457200" marR="0" lvl="1" indent="0" algn="l" defTabSz="914400" rtl="0" eaLnBrk="1" fontAlgn="auto" latinLnBrk="0" hangingPunct="1">
+              <a:lnSpc>
+                <a:spcPct val="150000"/>
+              </a:lnSpc>
+              <a:spcBef>
+                <a:spcPts val="0"/>
+              </a:spcBef>
+              <a:spcAft>
+                <a:spcPts val="0"/>
+              </a:spcAft>
+              <a:buClrTx/>
+              <a:buSzTx/>
+              <a:buFontTx/>
+              <a:buNone/>
+              <a:tabLst/>
+              <a:defRPr/>
+            </a:pPr>
+            <a:r>
+              <a:rPr kumimoji="0" lang="en-US" sz="2000" b="0" i="0" u="none" strike="noStrike" kern="1200" cap="none" spc="0" normalizeH="0" baseline="0" noProof="0" dirty="0">
+                <a:ln>
+                  <a:noFill/>
+                </a:ln>
+                <a:solidFill>
+                  <a:prstClr val="black"/>
+                </a:solidFill>
+                <a:effectLst/>
+                <a:uLnTx/>
+                <a:uFillTx/>
+                <a:latin typeface="Arial" panose="020B0604020202020204" pitchFamily="34" charset="0"/>
+                <a:ea typeface="+mn-ea"/>
+                <a:cs typeface="Arial" panose="020B0604020202020204" pitchFamily="34" charset="0"/>
+              </a:rPr>
+              <a:t>		return </a:t>
+            </a:r>
+            <a:r>
+              <a:rPr kumimoji="0" lang="en-US" sz="2000" b="1" i="0" u="none" strike="noStrike" kern="1200" cap="none" spc="0" normalizeH="0" baseline="0" noProof="0" dirty="0">
+                <a:ln>
+                  <a:noFill/>
+                </a:ln>
+                <a:solidFill>
+                  <a:prstClr val="black"/>
+                </a:solidFill>
+                <a:effectLst/>
+                <a:uLnTx/>
+                <a:uFillTx/>
+                <a:latin typeface="Arial" panose="020B0604020202020204" pitchFamily="34" charset="0"/>
+                <a:ea typeface="+mn-ea"/>
+                <a:cs typeface="Arial" panose="020B0604020202020204" pitchFamily="34" charset="0"/>
+              </a:rPr>
+              <a:t>youHavePermissionToVote</a:t>
+            </a:r>
+            <a:r>
+              <a:rPr kumimoji="0" lang="en-US" sz="2000" b="0" i="0" u="none" strike="noStrike" kern="1200" cap="none" spc="0" normalizeH="0" baseline="0" noProof="0" dirty="0">
+                <a:ln>
+                  <a:noFill/>
+                </a:ln>
+                <a:solidFill>
+                  <a:prstClr val="black"/>
+                </a:solidFill>
+                <a:effectLst/>
+                <a:uLnTx/>
+                <a:uFillTx/>
+                <a:latin typeface="Arial" panose="020B0604020202020204" pitchFamily="34" charset="0"/>
+                <a:ea typeface="+mn-ea"/>
+                <a:cs typeface="Arial" panose="020B0604020202020204" pitchFamily="34" charset="0"/>
+              </a:rPr>
+              <a:t>;</a:t>
+            </a:r>
+          </a:p>
+          <a:p>
+            <a:pPr marL="457200" marR="0" lvl="1" indent="0" algn="l" defTabSz="914400" rtl="0" eaLnBrk="1" fontAlgn="auto" latinLnBrk="0" hangingPunct="1">
+              <a:lnSpc>
+                <a:spcPct val="150000"/>
+              </a:lnSpc>
+              <a:spcBef>
+                <a:spcPts val="0"/>
+              </a:spcBef>
+              <a:spcAft>
+                <a:spcPts val="0"/>
+              </a:spcAft>
+              <a:buClrTx/>
+              <a:buSzTx/>
+              <a:buFontTx/>
+              <a:buNone/>
+              <a:tabLst/>
+              <a:defRPr/>
+            </a:pPr>
+            <a:r>
+              <a:rPr kumimoji="0" lang="en-US" sz="2000" b="0" i="0" u="none" strike="noStrike" kern="1200" cap="none" spc="0" normalizeH="0" baseline="0" noProof="0" dirty="0">
+                <a:ln>
+                  <a:noFill/>
+                </a:ln>
+                <a:solidFill>
+                  <a:prstClr val="black"/>
+                </a:solidFill>
+                <a:effectLst/>
+                <a:uLnTx/>
+                <a:uFillTx/>
+                <a:latin typeface="Arial" panose="020B0604020202020204" pitchFamily="34" charset="0"/>
+                <a:ea typeface="+mn-ea"/>
+                <a:cs typeface="Arial" panose="020B0604020202020204" pitchFamily="34" charset="0"/>
+              </a:rPr>
+              <a:t>	} Else {</a:t>
+            </a:r>
+          </a:p>
+          <a:p>
+            <a:pPr marL="457200" marR="0" lvl="1" indent="0" algn="l" defTabSz="914400" rtl="0" eaLnBrk="1" fontAlgn="auto" latinLnBrk="0" hangingPunct="1">
+              <a:lnSpc>
+                <a:spcPct val="150000"/>
+              </a:lnSpc>
+              <a:spcBef>
+                <a:spcPts val="0"/>
+              </a:spcBef>
+              <a:spcAft>
+                <a:spcPts val="0"/>
+              </a:spcAft>
+              <a:buClrTx/>
+              <a:buSzTx/>
+              <a:buFontTx/>
+              <a:buNone/>
+              <a:tabLst/>
+              <a:defRPr/>
+            </a:pPr>
+            <a:r>
+              <a:rPr kumimoji="0" lang="en-US" sz="2000" b="0" i="0" u="none" strike="noStrike" kern="1200" cap="none" spc="0" normalizeH="0" baseline="0" noProof="0" dirty="0">
+                <a:ln>
+                  <a:noFill/>
+                </a:ln>
+                <a:solidFill>
+                  <a:prstClr val="black"/>
+                </a:solidFill>
+                <a:effectLst/>
+                <a:uLnTx/>
+                <a:uFillTx/>
+                <a:latin typeface="Arial" panose="020B0604020202020204" pitchFamily="34" charset="0"/>
+                <a:ea typeface="+mn-ea"/>
+                <a:cs typeface="Arial" panose="020B0604020202020204" pitchFamily="34" charset="0"/>
+              </a:rPr>
+              <a:t>		return </a:t>
+            </a:r>
+            <a:r>
+              <a:rPr kumimoji="0" lang="en-US" sz="2000" b="1" i="0" u="none" strike="noStrike" kern="1200" cap="none" spc="0" normalizeH="0" baseline="0" noProof="0" dirty="0">
+                <a:ln>
+                  <a:noFill/>
+                </a:ln>
+                <a:solidFill>
+                  <a:prstClr val="black"/>
+                </a:solidFill>
+                <a:effectLst/>
+                <a:uLnTx/>
+                <a:uFillTx/>
+                <a:latin typeface="Arial" panose="020B0604020202020204" pitchFamily="34" charset="0"/>
+                <a:ea typeface="+mn-ea"/>
+                <a:cs typeface="Arial" panose="020B0604020202020204" pitchFamily="34" charset="0"/>
+              </a:rPr>
+              <a:t>youHaveNotPermissionToVote</a:t>
+            </a:r>
+            <a:r>
+              <a:rPr kumimoji="0" lang="en-US" sz="2000" b="0" i="0" u="none" strike="noStrike" kern="1200" cap="none" spc="0" normalizeH="0" baseline="0" noProof="0" dirty="0">
+                <a:ln>
+                  <a:noFill/>
+                </a:ln>
+                <a:solidFill>
+                  <a:prstClr val="black"/>
+                </a:solidFill>
+                <a:effectLst/>
+                <a:uLnTx/>
+                <a:uFillTx/>
+                <a:latin typeface="Arial" panose="020B0604020202020204" pitchFamily="34" charset="0"/>
+                <a:ea typeface="+mn-ea"/>
+                <a:cs typeface="Arial" panose="020B0604020202020204" pitchFamily="34" charset="0"/>
+              </a:rPr>
+              <a:t>;</a:t>
+            </a:r>
+          </a:p>
+          <a:p>
+            <a:pPr marL="457200" marR="0" lvl="1" indent="0" algn="l" defTabSz="914400" rtl="0" eaLnBrk="1" fontAlgn="auto" latinLnBrk="0" hangingPunct="1">
+              <a:lnSpc>
+                <a:spcPct val="150000"/>
+              </a:lnSpc>
+              <a:spcBef>
+                <a:spcPts val="0"/>
+              </a:spcBef>
+              <a:spcAft>
+                <a:spcPts val="0"/>
+              </a:spcAft>
+              <a:buClrTx/>
+              <a:buSzTx/>
+              <a:buFontTx/>
+              <a:buNone/>
+              <a:tabLst/>
+              <a:defRPr/>
+            </a:pPr>
+            <a:r>
+              <a:rPr kumimoji="0" lang="en-US" sz="2000" b="0" i="0" u="none" strike="noStrike" kern="1200" cap="none" spc="0" normalizeH="0" baseline="0" noProof="0" dirty="0">
+                <a:ln>
+                  <a:noFill/>
+                </a:ln>
+                <a:solidFill>
+                  <a:prstClr val="black"/>
+                </a:solidFill>
+                <a:effectLst/>
+                <a:uLnTx/>
+                <a:uFillTx/>
+                <a:latin typeface="Arial" panose="020B0604020202020204" pitchFamily="34" charset="0"/>
+                <a:ea typeface="+mn-ea"/>
+                <a:cs typeface="Arial" panose="020B0604020202020204" pitchFamily="34" charset="0"/>
+              </a:rPr>
+              <a:t>	}</a:t>
+            </a:r>
+          </a:p>
+          <a:p>
+            <a:pPr marL="457200" marR="0" lvl="1" indent="0" algn="l" defTabSz="914400" rtl="0" eaLnBrk="1" fontAlgn="auto" latinLnBrk="0" hangingPunct="1">
+              <a:lnSpc>
+                <a:spcPct val="150000"/>
+              </a:lnSpc>
+              <a:spcBef>
+                <a:spcPts val="0"/>
+              </a:spcBef>
+              <a:spcAft>
+                <a:spcPts val="0"/>
+              </a:spcAft>
+              <a:buClrTx/>
+              <a:buSzTx/>
+              <a:buFontTx/>
+              <a:buNone/>
+              <a:tabLst/>
+              <a:defRPr/>
+            </a:pPr>
+            <a:r>
+              <a:rPr kumimoji="0" lang="en-US" sz="2000" b="0" i="0" u="none" strike="noStrike" kern="1200" cap="none" spc="0" normalizeH="0" baseline="0" noProof="0" dirty="0">
+                <a:ln>
+                  <a:noFill/>
+                </a:ln>
+                <a:solidFill>
+                  <a:prstClr val="black"/>
+                </a:solidFill>
+                <a:effectLst/>
+                <a:uLnTx/>
+                <a:uFillTx/>
+                <a:latin typeface="Arial" panose="020B0604020202020204" pitchFamily="34" charset="0"/>
+                <a:ea typeface="+mn-ea"/>
+                <a:cs typeface="Arial" panose="020B0604020202020204" pitchFamily="34" charset="0"/>
+              </a:rPr>
+              <a:t>}</a:t>
+            </a:r>
+          </a:p>
+        </p:txBody>
+      </p:sp>
+      <p:sp>
+        <p:nvSpPr>
+          <p:cNvPr id="4" name="Title 1">
+            <a:extLst>
+              <a:ext uri="{FF2B5EF4-FFF2-40B4-BE49-F238E27FC236}">
+                <a16:creationId xmlns:a16="http://schemas.microsoft.com/office/drawing/2014/main" id="{B4FB6BEC-3808-5F5F-2889-137694937899}"/>
+              </a:ext>
+            </a:extLst>
+          </p:cNvPr>
+          <p:cNvSpPr>
+            <a:spLocks noGrp="1"/>
+          </p:cNvSpPr>
+          <p:nvPr>
+            <p:ph type="title"/>
+          </p:nvPr>
+        </p:nvSpPr>
+        <p:spPr>
+          <a:xfrm>
+            <a:off x="838199" y="509608"/>
+            <a:ext cx="10515600" cy="604536"/>
+          </a:xfrm>
+        </p:spPr>
+        <p:txBody>
+          <a:bodyPr>
+            <a:noAutofit/>
+          </a:bodyPr>
+          <a:lstStyle/>
+          <a:p>
+            <a:r>
+              <a:rPr lang="en-US" sz="4900" b="1" dirty="0">
                 <a:latin typeface="Arial" panose="020B0604020202020204" pitchFamily="34" charset="0"/>
                 <a:cs typeface="Arial" panose="020B0604020202020204" pitchFamily="34" charset="0"/>
               </a:rPr>
-              <a:t>Let’s see a demo</a:t>
-            </a:r>
+              <a:t>Authentication </a:t>
+            </a:r>
+            <a:r>
+              <a:rPr lang="en-US" sz="3200" b="1" dirty="0">
+                <a:latin typeface="Arial" panose="020B0604020202020204" pitchFamily="34" charset="0"/>
+                <a:cs typeface="Arial" panose="020B0604020202020204" pitchFamily="34" charset="0"/>
+              </a:rPr>
+              <a:t>(Cont.)</a:t>
+            </a:r>
+            <a:endParaRPr lang="en-US" sz="4900" b="1" u="sng" dirty="0">
+              <a:latin typeface="Arial" panose="020B0604020202020204" pitchFamily="34" charset="0"/>
+              <a:cs typeface="Arial" panose="020B0604020202020204" pitchFamily="34" charset="0"/>
+            </a:endParaRPr>
           </a:p>
         </p:txBody>
       </p:sp>
@@ -10267,7 +12826,7 @@
           <p:cNvPr id="5" name="Straight Connector 4">
             <a:extLst>
               <a:ext uri="{FF2B5EF4-FFF2-40B4-BE49-F238E27FC236}">
-                <a16:creationId xmlns:a16="http://schemas.microsoft.com/office/drawing/2014/main" id="{8AB8F30D-E183-7E22-5AA4-C00315575114}"/>
+                <a16:creationId xmlns:a16="http://schemas.microsoft.com/office/drawing/2014/main" id="{DCFBD756-87A1-EFAE-F8FD-0D009088FFEF}"/>
               </a:ext>
             </a:extLst>
           </p:cNvPr>
@@ -10277,14 +12836,14 @@
           <p:nvPr/>
         </p:nvCxnSpPr>
         <p:spPr>
-          <a:xfrm>
-            <a:off x="2609928" y="3692042"/>
-            <a:ext cx="6972144" cy="0"/>
+          <a:xfrm flipH="1">
+            <a:off x="838199" y="1174579"/>
+            <a:ext cx="10515600" cy="0"/>
           </a:xfrm>
           <a:prstGeom prst="line">
             <a:avLst/>
           </a:prstGeom>
-          <a:ln w="76200">
+          <a:ln w="57150">
             <a:solidFill>
               <a:schemeClr val="tx1"/>
             </a:solidFill>
@@ -10305,10 +12864,89 @@
           </a:fontRef>
         </p:style>
       </p:cxnSp>
+      <p:sp>
+        <p:nvSpPr>
+          <p:cNvPr id="3" name="TextBox 2">
+            <a:extLst>
+              <a:ext uri="{FF2B5EF4-FFF2-40B4-BE49-F238E27FC236}">
+                <a16:creationId xmlns:a16="http://schemas.microsoft.com/office/drawing/2014/main" id="{E7EE96F8-C896-A63B-9D95-46C60FF3CBBA}"/>
+              </a:ext>
+            </a:extLst>
+          </p:cNvPr>
+          <p:cNvSpPr txBox="1"/>
+          <p:nvPr/>
+        </p:nvSpPr>
+        <p:spPr>
+          <a:xfrm>
+            <a:off x="11464525" y="6009967"/>
+            <a:ext cx="385042" cy="523220"/>
+          </a:xfrm>
+          <a:prstGeom prst="rect">
+            <a:avLst/>
+          </a:prstGeom>
+          <a:noFill/>
+        </p:spPr>
+        <p:txBody>
+          <a:bodyPr wrap="none" rtlCol="0">
+            <a:spAutoFit/>
+          </a:bodyPr>
+          <a:lstStyle/>
+          <a:p>
+            <a:pPr marL="0" marR="0" lvl="0" indent="0" algn="l" defTabSz="914400" rtl="0" eaLnBrk="1" fontAlgn="auto" latinLnBrk="0" hangingPunct="1">
+              <a:lnSpc>
+                <a:spcPct val="100000"/>
+              </a:lnSpc>
+              <a:spcBef>
+                <a:spcPts val="0"/>
+              </a:spcBef>
+              <a:spcAft>
+                <a:spcPts val="0"/>
+              </a:spcAft>
+              <a:buClrTx/>
+              <a:buSzTx/>
+              <a:buFontTx/>
+              <a:buNone/>
+              <a:tabLst/>
+              <a:defRPr/>
+            </a:pPr>
+            <a:r>
+              <a:rPr kumimoji="0" lang="fa-IR" sz="2800" b="1" i="0" u="none" strike="noStrike" kern="1200" cap="none" spc="0" normalizeH="0" baseline="0" noProof="0" dirty="0">
+                <a:ln>
+                  <a:noFill/>
+                </a:ln>
+                <a:solidFill>
+                  <a:prstClr val="black"/>
+                </a:solidFill>
+                <a:effectLst/>
+                <a:uLnTx/>
+                <a:uFillTx/>
+                <a:latin typeface="Calibri" panose="020F0502020204030204"/>
+                <a:ea typeface="+mn-ea"/>
+                <a:cs typeface="+mn-cs"/>
+              </a:rPr>
+              <a:t>6</a:t>
+            </a:r>
+            <a:endParaRPr kumimoji="0" lang="en-US" sz="2800" b="1" i="0" u="none" strike="noStrike" kern="1200" cap="none" spc="0" normalizeH="0" baseline="0" noProof="0" dirty="0">
+              <a:ln>
+                <a:noFill/>
+              </a:ln>
+              <a:solidFill>
+                <a:prstClr val="black"/>
+              </a:solidFill>
+              <a:effectLst/>
+              <a:uLnTx/>
+              <a:uFillTx/>
+              <a:latin typeface="Calibri" panose="020F0502020204030204"/>
+              <a:ea typeface="+mn-ea"/>
+              <a:cs typeface="+mn-cs"/>
+            </a:endParaRPr>
+          </a:p>
+        </p:txBody>
+      </p:sp>
     </p:spTree>
     <p:extLst>
       <p:ext uri="{BB962C8B-B14F-4D97-AF65-F5344CB8AC3E}">
-        <p14:creationId xmlns:p14="http://schemas.microsoft.com/office/powerpoint/2010/main" val="1476503656"/>
+        <p14:creationId xmlns:p14="http://schemas.microsoft.com/office/powerpoint/2010/main" val="2077762158"/>
       </p:ext>
     </p:extLst>
   </p:cSld>
@@ -10335,12 +12973,728 @@
           <a:chExt cx="0" cy="0"/>
         </a:xfrm>
       </p:grpSpPr>
+      <p:sp>
+        <p:nvSpPr>
+          <p:cNvPr id="8" name="TextBox 7">
+            <a:extLst>
+              <a:ext uri="{FF2B5EF4-FFF2-40B4-BE49-F238E27FC236}">
+                <a16:creationId xmlns:a16="http://schemas.microsoft.com/office/drawing/2014/main" id="{940BE7FA-E249-5A20-E252-5D02E2D5F906}"/>
+              </a:ext>
+            </a:extLst>
+          </p:cNvPr>
+          <p:cNvSpPr txBox="1"/>
+          <p:nvPr/>
+        </p:nvSpPr>
+        <p:spPr>
+          <a:xfrm>
+            <a:off x="2332276" y="1235015"/>
+            <a:ext cx="5811847" cy="4455835"/>
+          </a:xfrm>
+          <a:prstGeom prst="rect">
+            <a:avLst/>
+          </a:prstGeom>
+          <a:noFill/>
+        </p:spPr>
+        <p:txBody>
+          <a:bodyPr wrap="none" rtlCol="0">
+            <a:spAutoFit/>
+          </a:bodyPr>
+          <a:lstStyle/>
+          <a:p>
+            <a:pPr marL="0" marR="0" lvl="0" indent="0" algn="l" defTabSz="914400" rtl="0" eaLnBrk="1" fontAlgn="auto" latinLnBrk="0" hangingPunct="1">
+              <a:lnSpc>
+                <a:spcPct val="150000"/>
+              </a:lnSpc>
+              <a:spcBef>
+                <a:spcPts val="0"/>
+              </a:spcBef>
+              <a:spcAft>
+                <a:spcPts val="0"/>
+              </a:spcAft>
+              <a:buClrTx/>
+              <a:buSzTx/>
+              <a:buFontTx/>
+              <a:buNone/>
+              <a:tabLst/>
+              <a:defRPr/>
+            </a:pPr>
+            <a:r>
+              <a:rPr kumimoji="0" lang="en-US" sz="2800" b="1" i="0" u="none" strike="noStrike" kern="1200" cap="none" spc="0" normalizeH="0" baseline="0" noProof="0" dirty="0">
+                <a:ln>
+                  <a:noFill/>
+                </a:ln>
+                <a:solidFill>
+                  <a:prstClr val="black"/>
+                </a:solidFill>
+                <a:effectLst/>
+                <a:uLnTx/>
+                <a:uFillTx/>
+                <a:latin typeface="Arial" panose="020B0604020202020204" pitchFamily="34" charset="0"/>
+                <a:ea typeface="+mn-ea"/>
+                <a:cs typeface="Arial" panose="020B0604020202020204" pitchFamily="34" charset="0"/>
+              </a:rPr>
+              <a:t>Verifier(Smart Contract):</a:t>
+            </a:r>
+          </a:p>
+          <a:p>
+            <a:pPr marL="0" marR="0" lvl="0" indent="0" algn="l" defTabSz="914400" rtl="0" eaLnBrk="1" fontAlgn="auto" latinLnBrk="0" hangingPunct="1">
+              <a:lnSpc>
+                <a:spcPct val="150000"/>
+              </a:lnSpc>
+              <a:spcBef>
+                <a:spcPts val="0"/>
+              </a:spcBef>
+              <a:spcAft>
+                <a:spcPts val="0"/>
+              </a:spcAft>
+              <a:buClrTx/>
+              <a:buSzTx/>
+              <a:buFontTx/>
+              <a:buNone/>
+              <a:tabLst/>
+              <a:defRPr/>
+            </a:pPr>
+            <a:endParaRPr kumimoji="0" lang="en-US" sz="2000" b="1" i="0" u="none" strike="noStrike" kern="1200" cap="none" spc="0" normalizeH="0" baseline="0" noProof="0" dirty="0">
+              <a:ln>
+                <a:noFill/>
+              </a:ln>
+              <a:solidFill>
+                <a:prstClr val="black"/>
+              </a:solidFill>
+              <a:effectLst/>
+              <a:uLnTx/>
+              <a:uFillTx/>
+              <a:latin typeface="Arial" panose="020B0604020202020204" pitchFamily="34" charset="0"/>
+              <a:ea typeface="+mn-ea"/>
+              <a:cs typeface="Arial" panose="020B0604020202020204" pitchFamily="34" charset="0"/>
+            </a:endParaRPr>
+          </a:p>
+          <a:p>
+            <a:pPr marL="457200" marR="0" lvl="1" indent="0" algn="l" defTabSz="914400" rtl="0" eaLnBrk="1" fontAlgn="auto" latinLnBrk="0" hangingPunct="1">
+              <a:lnSpc>
+                <a:spcPct val="150000"/>
+              </a:lnSpc>
+              <a:spcBef>
+                <a:spcPts val="0"/>
+              </a:spcBef>
+              <a:spcAft>
+                <a:spcPts val="0"/>
+              </a:spcAft>
+              <a:buClrTx/>
+              <a:buSzTx/>
+              <a:buFontTx/>
+              <a:buNone/>
+              <a:tabLst/>
+              <a:defRPr/>
+            </a:pPr>
+            <a:r>
+              <a:rPr kumimoji="0" lang="en-US" sz="2400" b="0" i="0" u="none" strike="noStrike" kern="1200" cap="none" spc="0" normalizeH="0" baseline="0" noProof="0" dirty="0">
+                <a:ln>
+                  <a:noFill/>
+                </a:ln>
+                <a:solidFill>
+                  <a:prstClr val="black"/>
+                </a:solidFill>
+                <a:effectLst/>
+                <a:uLnTx/>
+                <a:uFillTx/>
+                <a:latin typeface="Arial" panose="020B0604020202020204" pitchFamily="34" charset="0"/>
+                <a:ea typeface="+mn-ea"/>
+                <a:cs typeface="Arial" panose="020B0604020202020204" pitchFamily="34" charset="0"/>
+              </a:rPr>
+              <a:t>Function Vote() {</a:t>
+            </a:r>
+            <a:r>
+              <a:rPr kumimoji="0" lang="en-US" sz="2400" b="1" i="0" u="none" strike="noStrike" kern="1200" cap="none" spc="0" normalizeH="0" baseline="0" noProof="0" dirty="0">
+                <a:ln>
+                  <a:noFill/>
+                </a:ln>
+                <a:solidFill>
+                  <a:prstClr val="black"/>
+                </a:solidFill>
+                <a:effectLst/>
+                <a:uLnTx/>
+                <a:uFillTx/>
+                <a:latin typeface="Arial" panose="020B0604020202020204" pitchFamily="34" charset="0"/>
+                <a:ea typeface="+mn-ea"/>
+                <a:cs typeface="Arial" panose="020B0604020202020204" pitchFamily="34" charset="0"/>
+              </a:rPr>
+              <a:t>	</a:t>
+            </a:r>
+          </a:p>
+          <a:p>
+            <a:pPr marL="914400" marR="0" lvl="2" indent="0" algn="l" defTabSz="914400" rtl="0" eaLnBrk="1" fontAlgn="auto" latinLnBrk="0" hangingPunct="1">
+              <a:lnSpc>
+                <a:spcPct val="150000"/>
+              </a:lnSpc>
+              <a:spcBef>
+                <a:spcPts val="0"/>
+              </a:spcBef>
+              <a:spcAft>
+                <a:spcPts val="0"/>
+              </a:spcAft>
+              <a:buClrTx/>
+              <a:buSzTx/>
+              <a:buFontTx/>
+              <a:buNone/>
+              <a:tabLst/>
+              <a:defRPr/>
+            </a:pPr>
+            <a:r>
+              <a:rPr kumimoji="0" lang="en-US" sz="2400" b="0" i="0" u="none" strike="noStrike" kern="1200" cap="none" spc="0" normalizeH="0" baseline="0" noProof="0" dirty="0">
+                <a:ln>
+                  <a:noFill/>
+                </a:ln>
+                <a:solidFill>
+                  <a:prstClr val="black"/>
+                </a:solidFill>
+                <a:effectLst/>
+                <a:uLnTx/>
+                <a:uFillTx/>
+                <a:latin typeface="Arial" panose="020B0604020202020204" pitchFamily="34" charset="0"/>
+                <a:ea typeface="+mn-ea"/>
+                <a:cs typeface="Arial" panose="020B0604020202020204" pitchFamily="34" charset="0"/>
+              </a:rPr>
+              <a:t>require: </a:t>
+            </a:r>
+            <a:r>
+              <a:rPr kumimoji="0" lang="en-US" sz="2400" b="1" i="0" u="none" strike="noStrike" kern="1200" cap="none" spc="0" normalizeH="0" baseline="0" noProof="0" dirty="0">
+                <a:ln>
+                  <a:noFill/>
+                </a:ln>
+                <a:solidFill>
+                  <a:prstClr val="black"/>
+                </a:solidFill>
+                <a:effectLst/>
+                <a:uLnTx/>
+                <a:uFillTx/>
+                <a:latin typeface="Arial" panose="020B0604020202020204" pitchFamily="34" charset="0"/>
+                <a:ea typeface="+mn-ea"/>
+                <a:cs typeface="Arial" panose="020B0604020202020204" pitchFamily="34" charset="0"/>
+              </a:rPr>
+              <a:t>Verifier(proof) </a:t>
+            </a:r>
+            <a:r>
+              <a:rPr kumimoji="0" lang="en-US" sz="2400" b="0" i="0" u="none" strike="noStrike" kern="1200" cap="none" spc="0" normalizeH="0" baseline="0" noProof="0" dirty="0">
+                <a:ln>
+                  <a:noFill/>
+                </a:ln>
+                <a:solidFill>
+                  <a:prstClr val="black"/>
+                </a:solidFill>
+                <a:effectLst/>
+                <a:uLnTx/>
+                <a:uFillTx/>
+                <a:latin typeface="Arial" panose="020B0604020202020204" pitchFamily="34" charset="0"/>
+                <a:ea typeface="+mn-ea"/>
+                <a:cs typeface="Arial" panose="020B0604020202020204" pitchFamily="34" charset="0"/>
+              </a:rPr>
+              <a:t>to be </a:t>
+            </a:r>
+            <a:r>
+              <a:rPr kumimoji="0" lang="en-US" sz="2400" b="1" i="0" u="none" strike="noStrike" kern="1200" cap="none" spc="0" normalizeH="0" baseline="0" noProof="0" dirty="0">
+                <a:ln>
+                  <a:noFill/>
+                </a:ln>
+                <a:solidFill>
+                  <a:prstClr val="black"/>
+                </a:solidFill>
+                <a:effectLst/>
+                <a:uLnTx/>
+                <a:uFillTx/>
+                <a:latin typeface="Arial" panose="020B0604020202020204" pitchFamily="34" charset="0"/>
+                <a:ea typeface="+mn-ea"/>
+                <a:cs typeface="Arial" panose="020B0604020202020204" pitchFamily="34" charset="0"/>
+              </a:rPr>
+              <a:t>true;</a:t>
+            </a:r>
+          </a:p>
+          <a:p>
+            <a:pPr marL="1371600" marR="0" lvl="3" indent="0" algn="l" defTabSz="914400" rtl="0" eaLnBrk="1" fontAlgn="auto" latinLnBrk="0" hangingPunct="1">
+              <a:lnSpc>
+                <a:spcPct val="150000"/>
+              </a:lnSpc>
+              <a:spcBef>
+                <a:spcPts val="0"/>
+              </a:spcBef>
+              <a:spcAft>
+                <a:spcPts val="0"/>
+              </a:spcAft>
+              <a:buClrTx/>
+              <a:buSzTx/>
+              <a:buFontTx/>
+              <a:buNone/>
+              <a:tabLst/>
+              <a:defRPr/>
+            </a:pPr>
+            <a:r>
+              <a:rPr kumimoji="0" lang="en-US" sz="2400" b="1" i="0" u="none" strike="noStrike" kern="1200" cap="none" spc="0" normalizeH="0" baseline="0" noProof="0" dirty="0">
+                <a:ln>
+                  <a:noFill/>
+                </a:ln>
+                <a:solidFill>
+                  <a:prstClr val="black"/>
+                </a:solidFill>
+                <a:effectLst/>
+                <a:uLnTx/>
+                <a:uFillTx/>
+                <a:latin typeface="Arial" panose="020B0604020202020204" pitchFamily="34" charset="0"/>
+                <a:ea typeface="+mn-ea"/>
+                <a:cs typeface="Arial" panose="020B0604020202020204" pitchFamily="34" charset="0"/>
+              </a:rPr>
+              <a:t>(</a:t>
+            </a:r>
+            <a:r>
+              <a:rPr kumimoji="0" lang="en-US" sz="2400" b="0" i="0" u="none" strike="noStrike" kern="1200" cap="none" spc="0" normalizeH="0" baseline="0" noProof="0" dirty="0">
+                <a:ln>
+                  <a:noFill/>
+                </a:ln>
+                <a:solidFill>
+                  <a:prstClr val="black"/>
+                </a:solidFill>
+                <a:effectLst/>
+                <a:uLnTx/>
+                <a:uFillTx/>
+                <a:latin typeface="Arial" panose="020B0604020202020204" pitchFamily="34" charset="0"/>
+                <a:ea typeface="+mn-ea"/>
+                <a:cs typeface="Arial" panose="020B0604020202020204" pitchFamily="34" charset="0"/>
+              </a:rPr>
+              <a:t>alreadyVoted)</a:t>
+            </a:r>
+            <a:endParaRPr kumimoji="0" lang="en-US" sz="2400" b="1" i="0" u="none" strike="noStrike" kern="1200" cap="none" spc="0" normalizeH="0" baseline="0" noProof="0" dirty="0">
+              <a:ln>
+                <a:noFill/>
+              </a:ln>
+              <a:solidFill>
+                <a:prstClr val="black"/>
+              </a:solidFill>
+              <a:effectLst/>
+              <a:uLnTx/>
+              <a:uFillTx/>
+              <a:latin typeface="Arial" panose="020B0604020202020204" pitchFamily="34" charset="0"/>
+              <a:ea typeface="+mn-ea"/>
+              <a:cs typeface="Arial" panose="020B0604020202020204" pitchFamily="34" charset="0"/>
+            </a:endParaRPr>
+          </a:p>
+          <a:p>
+            <a:pPr marL="1828800" marR="0" lvl="4" indent="0" algn="l" defTabSz="914400" rtl="0" eaLnBrk="1" fontAlgn="auto" latinLnBrk="0" hangingPunct="1">
+              <a:lnSpc>
+                <a:spcPct val="150000"/>
+              </a:lnSpc>
+              <a:spcBef>
+                <a:spcPts val="0"/>
+              </a:spcBef>
+              <a:spcAft>
+                <a:spcPts val="0"/>
+              </a:spcAft>
+              <a:buClrTx/>
+              <a:buSzTx/>
+              <a:buFontTx/>
+              <a:buNone/>
+              <a:tabLst/>
+              <a:defRPr/>
+            </a:pPr>
+            <a:r>
+              <a:rPr kumimoji="0" lang="en-US" sz="2400" b="0" i="0" u="none" strike="noStrike" kern="1200" cap="none" spc="0" normalizeH="0" baseline="0" noProof="0" dirty="0">
+                <a:ln>
+                  <a:noFill/>
+                </a:ln>
+                <a:solidFill>
+                  <a:prstClr val="black"/>
+                </a:solidFill>
+                <a:effectLst/>
+                <a:uLnTx/>
+                <a:uFillTx/>
+                <a:latin typeface="Arial" panose="020B0604020202020204" pitchFamily="34" charset="0"/>
+                <a:ea typeface="+mn-ea"/>
+                <a:cs typeface="Arial" panose="020B0604020202020204" pitchFamily="34" charset="0"/>
+              </a:rPr>
+              <a:t>? (</a:t>
+            </a:r>
+            <a:r>
+              <a:rPr kumimoji="0" lang="en-US" sz="2400" b="1" i="0" u="none" strike="noStrike" kern="1200" cap="none" spc="0" normalizeH="0" baseline="0" noProof="0" dirty="0">
+                <a:ln>
+                  <a:noFill/>
+                </a:ln>
+                <a:solidFill>
+                  <a:prstClr val="black"/>
+                </a:solidFill>
+                <a:effectLst/>
+                <a:uLnTx/>
+                <a:uFillTx/>
+                <a:latin typeface="Arial" panose="020B0604020202020204" pitchFamily="34" charset="0"/>
+                <a:ea typeface="+mn-ea"/>
+                <a:cs typeface="Arial" panose="020B0604020202020204" pitchFamily="34" charset="0"/>
+              </a:rPr>
+              <a:t>yes</a:t>
+            </a:r>
+            <a:r>
+              <a:rPr kumimoji="0" lang="en-US" sz="2400" b="0" i="0" u="none" strike="noStrike" kern="1200" cap="none" spc="0" normalizeH="0" baseline="0" noProof="0" dirty="0">
+                <a:ln>
+                  <a:noFill/>
+                </a:ln>
+                <a:solidFill>
+                  <a:prstClr val="black"/>
+                </a:solidFill>
+                <a:effectLst/>
+                <a:uLnTx/>
+                <a:uFillTx/>
+                <a:latin typeface="Arial" panose="020B0604020202020204" pitchFamily="34" charset="0"/>
+                <a:ea typeface="+mn-ea"/>
+                <a:cs typeface="Arial" panose="020B0604020202020204" pitchFamily="34" charset="0"/>
+              </a:rPr>
+              <a:t>)</a:t>
+            </a:r>
+            <a:r>
+              <a:rPr kumimoji="0" lang="en-US" sz="2400" b="1" i="0" u="none" strike="noStrike" kern="1200" cap="none" spc="0" normalizeH="0" baseline="0" noProof="0" dirty="0">
+                <a:ln>
+                  <a:noFill/>
+                </a:ln>
+                <a:solidFill>
+                  <a:prstClr val="black"/>
+                </a:solidFill>
+                <a:effectLst/>
+                <a:uLnTx/>
+                <a:uFillTx/>
+                <a:latin typeface="Arial" panose="020B0604020202020204" pitchFamily="34" charset="0"/>
+                <a:ea typeface="+mn-ea"/>
+                <a:cs typeface="Arial" panose="020B0604020202020204" pitchFamily="34" charset="0"/>
+              </a:rPr>
+              <a:t> </a:t>
+            </a:r>
+            <a:r>
+              <a:rPr kumimoji="0" lang="en-US" sz="2400" b="0" i="0" u="none" strike="noStrike" kern="1200" cap="none" spc="0" normalizeH="0" baseline="0" noProof="0" dirty="0">
+                <a:ln>
+                  <a:noFill/>
+                </a:ln>
+                <a:solidFill>
+                  <a:prstClr val="black"/>
+                </a:solidFill>
+                <a:effectLst/>
+                <a:uLnTx/>
+                <a:uFillTx/>
+                <a:latin typeface="Arial" panose="020B0604020202020204" pitchFamily="34" charset="0"/>
+                <a:ea typeface="+mn-ea"/>
+                <a:cs typeface="Arial" panose="020B0604020202020204" pitchFamily="34" charset="0"/>
+              </a:rPr>
+              <a:t>{ return false;}</a:t>
+            </a:r>
+          </a:p>
+          <a:p>
+            <a:pPr marL="1828800" marR="0" lvl="4" indent="0" algn="l" defTabSz="914400" rtl="0" eaLnBrk="1" fontAlgn="auto" latinLnBrk="0" hangingPunct="1">
+              <a:lnSpc>
+                <a:spcPct val="150000"/>
+              </a:lnSpc>
+              <a:spcBef>
+                <a:spcPts val="0"/>
+              </a:spcBef>
+              <a:spcAft>
+                <a:spcPts val="0"/>
+              </a:spcAft>
+              <a:buClrTx/>
+              <a:buSzTx/>
+              <a:buFontTx/>
+              <a:buNone/>
+              <a:tabLst/>
+              <a:defRPr/>
+            </a:pPr>
+            <a:r>
+              <a:rPr kumimoji="0" lang="en-US" sz="2400" b="0" i="0" u="none" strike="noStrike" kern="1200" cap="none" spc="0" normalizeH="0" baseline="0" noProof="0" dirty="0">
+                <a:ln>
+                  <a:noFill/>
+                </a:ln>
+                <a:solidFill>
+                  <a:prstClr val="black"/>
+                </a:solidFill>
+                <a:effectLst/>
+                <a:uLnTx/>
+                <a:uFillTx/>
+                <a:latin typeface="Arial" panose="020B0604020202020204" pitchFamily="34" charset="0"/>
+                <a:ea typeface="+mn-ea"/>
+                <a:cs typeface="Arial" panose="020B0604020202020204" pitchFamily="34" charset="0"/>
+              </a:rPr>
+              <a:t>: (</a:t>
+            </a:r>
+            <a:r>
+              <a:rPr kumimoji="0" lang="en-US" sz="2400" b="1" i="0" u="none" strike="noStrike" kern="1200" cap="none" spc="0" normalizeH="0" baseline="0" noProof="0" dirty="0">
+                <a:ln>
+                  <a:noFill/>
+                </a:ln>
+                <a:solidFill>
+                  <a:prstClr val="black"/>
+                </a:solidFill>
+                <a:effectLst/>
+                <a:uLnTx/>
+                <a:uFillTx/>
+                <a:latin typeface="Arial" panose="020B0604020202020204" pitchFamily="34" charset="0"/>
+                <a:ea typeface="+mn-ea"/>
+                <a:cs typeface="Arial" panose="020B0604020202020204" pitchFamily="34" charset="0"/>
+              </a:rPr>
+              <a:t>no</a:t>
+            </a:r>
+            <a:r>
+              <a:rPr kumimoji="0" lang="en-US" sz="2400" b="0" i="0" u="none" strike="noStrike" kern="1200" cap="none" spc="0" normalizeH="0" baseline="0" noProof="0" dirty="0">
+                <a:ln>
+                  <a:noFill/>
+                </a:ln>
+                <a:solidFill>
+                  <a:prstClr val="black"/>
+                </a:solidFill>
+                <a:effectLst/>
+                <a:uLnTx/>
+                <a:uFillTx/>
+                <a:latin typeface="Arial" panose="020B0604020202020204" pitchFamily="34" charset="0"/>
+                <a:ea typeface="+mn-ea"/>
+                <a:cs typeface="Arial" panose="020B0604020202020204" pitchFamily="34" charset="0"/>
+              </a:rPr>
+              <a:t>) { submitVote}</a:t>
+            </a:r>
+          </a:p>
+          <a:p>
+            <a:pPr marL="457200" marR="0" lvl="1" indent="0" algn="l" defTabSz="914400" rtl="0" eaLnBrk="1" fontAlgn="auto" latinLnBrk="0" hangingPunct="1">
+              <a:lnSpc>
+                <a:spcPct val="150000"/>
+              </a:lnSpc>
+              <a:spcBef>
+                <a:spcPts val="0"/>
+              </a:spcBef>
+              <a:spcAft>
+                <a:spcPts val="0"/>
+              </a:spcAft>
+              <a:buClrTx/>
+              <a:buSzTx/>
+              <a:buFontTx/>
+              <a:buNone/>
+              <a:tabLst/>
+              <a:defRPr/>
+            </a:pPr>
+            <a:r>
+              <a:rPr kumimoji="0" lang="en-US" sz="2400" b="0" i="0" u="none" strike="noStrike" kern="1200" cap="none" spc="0" normalizeH="0" baseline="0" noProof="0" dirty="0">
+                <a:ln>
+                  <a:noFill/>
+                </a:ln>
+                <a:solidFill>
+                  <a:prstClr val="black"/>
+                </a:solidFill>
+                <a:effectLst/>
+                <a:uLnTx/>
+                <a:uFillTx/>
+                <a:latin typeface="Arial" panose="020B0604020202020204" pitchFamily="34" charset="0"/>
+                <a:ea typeface="+mn-ea"/>
+                <a:cs typeface="Arial" panose="020B0604020202020204" pitchFamily="34" charset="0"/>
+              </a:rPr>
+              <a:t>}</a:t>
+            </a:r>
+          </a:p>
+        </p:txBody>
+      </p:sp>
+      <p:sp>
+        <p:nvSpPr>
+          <p:cNvPr id="4" name="Title 1">
+            <a:extLst>
+              <a:ext uri="{FF2B5EF4-FFF2-40B4-BE49-F238E27FC236}">
+                <a16:creationId xmlns:a16="http://schemas.microsoft.com/office/drawing/2014/main" id="{B4FB6BEC-3808-5F5F-2889-137694937899}"/>
+              </a:ext>
+            </a:extLst>
+          </p:cNvPr>
+          <p:cNvSpPr>
+            <a:spLocks noGrp="1"/>
+          </p:cNvSpPr>
+          <p:nvPr>
+            <p:ph type="title"/>
+          </p:nvPr>
+        </p:nvSpPr>
+        <p:spPr>
+          <a:xfrm>
+            <a:off x="838199" y="509608"/>
+            <a:ext cx="10515600" cy="604536"/>
+          </a:xfrm>
+        </p:spPr>
+        <p:txBody>
+          <a:bodyPr>
+            <a:noAutofit/>
+          </a:bodyPr>
+          <a:lstStyle/>
+          <a:p>
+            <a:r>
+              <a:rPr lang="en-US" sz="4900" b="1" dirty="0">
+                <a:latin typeface="Arial" panose="020B0604020202020204" pitchFamily="34" charset="0"/>
+                <a:cs typeface="Arial" panose="020B0604020202020204" pitchFamily="34" charset="0"/>
+              </a:rPr>
+              <a:t>Authentication </a:t>
+            </a:r>
+            <a:r>
+              <a:rPr lang="en-US" sz="3200" b="1" dirty="0">
+                <a:latin typeface="Arial" panose="020B0604020202020204" pitchFamily="34" charset="0"/>
+                <a:cs typeface="Arial" panose="020B0604020202020204" pitchFamily="34" charset="0"/>
+              </a:rPr>
+              <a:t>(Cont.)</a:t>
+            </a:r>
+            <a:endParaRPr lang="en-US" sz="4900" b="1" u="sng" dirty="0">
+              <a:latin typeface="Arial" panose="020B0604020202020204" pitchFamily="34" charset="0"/>
+              <a:cs typeface="Arial" panose="020B0604020202020204" pitchFamily="34" charset="0"/>
+            </a:endParaRPr>
+          </a:p>
+        </p:txBody>
+      </p:sp>
+      <p:cxnSp>
+        <p:nvCxnSpPr>
+          <p:cNvPr id="5" name="Straight Connector 4">
+            <a:extLst>
+              <a:ext uri="{FF2B5EF4-FFF2-40B4-BE49-F238E27FC236}">
+                <a16:creationId xmlns:a16="http://schemas.microsoft.com/office/drawing/2014/main" id="{DCFBD756-87A1-EFAE-F8FD-0D009088FFEF}"/>
+              </a:ext>
+            </a:extLst>
+          </p:cNvPr>
+          <p:cNvCxnSpPr>
+            <a:cxnSpLocks/>
+          </p:cNvCxnSpPr>
+          <p:nvPr/>
+        </p:nvCxnSpPr>
+        <p:spPr>
+          <a:xfrm flipH="1">
+            <a:off x="838199" y="1174579"/>
+            <a:ext cx="10515600" cy="0"/>
+          </a:xfrm>
+          <a:prstGeom prst="line">
+            <a:avLst/>
+          </a:prstGeom>
+          <a:ln w="57150">
+            <a:solidFill>
+              <a:schemeClr val="tx1"/>
+            </a:solidFill>
+          </a:ln>
+        </p:spPr>
+        <p:style>
+          <a:lnRef idx="1">
+            <a:schemeClr val="accent1"/>
+          </a:lnRef>
+          <a:fillRef idx="0">
+            <a:schemeClr val="accent1"/>
+          </a:fillRef>
+          <a:effectRef idx="0">
+            <a:schemeClr val="accent1"/>
+          </a:effectRef>
+          <a:fontRef idx="minor">
+            <a:schemeClr val="tx1"/>
+          </a:fontRef>
+        </p:style>
+      </p:cxnSp>
+      <p:sp>
+        <p:nvSpPr>
+          <p:cNvPr id="3" name="TextBox 2">
+            <a:extLst>
+              <a:ext uri="{FF2B5EF4-FFF2-40B4-BE49-F238E27FC236}">
+                <a16:creationId xmlns:a16="http://schemas.microsoft.com/office/drawing/2014/main" id="{E7EE96F8-C896-A63B-9D95-46C60FF3CBBA}"/>
+              </a:ext>
+            </a:extLst>
+          </p:cNvPr>
+          <p:cNvSpPr txBox="1"/>
+          <p:nvPr/>
+        </p:nvSpPr>
+        <p:spPr>
+          <a:xfrm>
+            <a:off x="11464525" y="6009967"/>
+            <a:ext cx="385042" cy="523220"/>
+          </a:xfrm>
+          <a:prstGeom prst="rect">
+            <a:avLst/>
+          </a:prstGeom>
+          <a:noFill/>
+        </p:spPr>
+        <p:txBody>
+          <a:bodyPr wrap="none" rtlCol="0">
+            <a:spAutoFit/>
+          </a:bodyPr>
+          <a:lstStyle/>
+          <a:p>
+            <a:pPr marL="0" marR="0" lvl="0" indent="0" algn="l" defTabSz="914400" rtl="0" eaLnBrk="1" fontAlgn="auto" latinLnBrk="0" hangingPunct="1">
+              <a:lnSpc>
+                <a:spcPct val="100000"/>
+              </a:lnSpc>
+              <a:spcBef>
+                <a:spcPts val="0"/>
+              </a:spcBef>
+              <a:spcAft>
+                <a:spcPts val="0"/>
+              </a:spcAft>
+              <a:buClrTx/>
+              <a:buSzTx/>
+              <a:buFontTx/>
+              <a:buNone/>
+              <a:tabLst/>
+              <a:defRPr/>
+            </a:pPr>
+            <a:r>
+              <a:rPr kumimoji="0" lang="fa-IR" sz="2800" b="1" i="0" u="none" strike="noStrike" kern="1200" cap="none" spc="0" normalizeH="0" baseline="0" noProof="0" dirty="0">
+                <a:ln>
+                  <a:noFill/>
+                </a:ln>
+                <a:solidFill>
+                  <a:prstClr val="black"/>
+                </a:solidFill>
+                <a:effectLst/>
+                <a:uLnTx/>
+                <a:uFillTx/>
+                <a:latin typeface="Calibri" panose="020F0502020204030204"/>
+                <a:ea typeface="+mn-ea"/>
+                <a:cs typeface="+mn-cs"/>
+              </a:rPr>
+              <a:t>7</a:t>
+            </a:r>
+            <a:endParaRPr kumimoji="0" lang="en-US" sz="2800" b="1" i="0" u="none" strike="noStrike" kern="1200" cap="none" spc="0" normalizeH="0" baseline="0" noProof="0" dirty="0">
+              <a:ln>
+                <a:noFill/>
+              </a:ln>
+              <a:solidFill>
+                <a:prstClr val="black"/>
+              </a:solidFill>
+              <a:effectLst/>
+              <a:uLnTx/>
+              <a:uFillTx/>
+              <a:latin typeface="Calibri" panose="020F0502020204030204"/>
+              <a:ea typeface="+mn-ea"/>
+              <a:cs typeface="+mn-cs"/>
+            </a:endParaRPr>
+          </a:p>
+        </p:txBody>
+      </p:sp>
+    </p:spTree>
+    <p:extLst>
+      <p:ext uri="{BB962C8B-B14F-4D97-AF65-F5344CB8AC3E}">
+        <p14:creationId xmlns:p14="http://schemas.microsoft.com/office/powerpoint/2010/main" val="3174264951"/>
+      </p:ext>
+    </p:extLst>
+  </p:cSld>
+  <p:clrMapOvr>
+    <a:masterClrMapping/>
+  </p:clrMapOvr>
+</p:sld>
+</file>
+
+<file path=ppt/slides/slide9.xml><?xml version="1.0" encoding="utf-8"?>
+<p:sld xmlns:a="http://schemas.openxmlformats.org/drawingml/2006/main" xmlns:r="http://schemas.openxmlformats.org/officeDocument/2006/relationships" xmlns:p="http://schemas.openxmlformats.org/presentationml/2006/main">
+  <p:cSld>
+    <p:spTree>
+      <p:nvGrpSpPr>
+        <p:cNvPr id="1" name=""/>
+        <p:cNvGrpSpPr/>
+        <p:nvPr/>
+      </p:nvGrpSpPr>
+      <p:grpSpPr>
+        <a:xfrm>
+          <a:off x="0" y="0"/>
+          <a:ext cx="0" cy="0"/>
+          <a:chOff x="0" y="0"/>
+          <a:chExt cx="0" cy="0"/>
+        </a:xfrm>
+      </p:grpSpPr>
       <p:pic>
         <p:nvPicPr>
-          <p:cNvPr id="7" name="Picture 6">
-            <a:extLst>
-              <a:ext uri="{FF2B5EF4-FFF2-40B4-BE49-F238E27FC236}">
-                <a16:creationId xmlns:a16="http://schemas.microsoft.com/office/drawing/2014/main" id="{4658A6FB-727B-5420-8888-E310BA9A932B}"/>
+          <p:cNvPr id="5" name="Picture 4">
+            <a:extLst>
+              <a:ext uri="{FF2B5EF4-FFF2-40B4-BE49-F238E27FC236}">
+                <a16:creationId xmlns:a16="http://schemas.microsoft.com/office/drawing/2014/main" id="{8FD0621D-DA51-01DF-76E7-467BBAACE203}"/>
               </a:ext>
             </a:extLst>
           </p:cNvPr>
@@ -10350,85 +13704,1194 @@
           <p:nvPr/>
         </p:nvPicPr>
         <p:blipFill>
-          <a:blip r:embed="rId2">
-            <a:extLst>
-              <a:ext uri="{28A0092B-C50C-407E-A947-70E740481C1C}">
-                <a14:useLocalDpi xmlns:a14="http://schemas.microsoft.com/office/drawing/2010/main" val="0"/>
-              </a:ext>
-            </a:extLst>
-          </a:blip>
+          <a:blip r:embed="rId3"/>
           <a:stretch>
             <a:fillRect/>
           </a:stretch>
         </p:blipFill>
         <p:spPr>
           <a:xfrm>
-            <a:off x="0" y="683542"/>
-            <a:ext cx="12192000" cy="5490915"/>
+            <a:off x="1645997" y="4664"/>
+            <a:ext cx="8878934" cy="6853335"/>
           </a:xfrm>
           <a:prstGeom prst="rect">
             <a:avLst/>
           </a:prstGeom>
         </p:spPr>
       </p:pic>
+      <p:grpSp>
+        <p:nvGrpSpPr>
+          <p:cNvPr id="18" name="Group 17">
+            <a:extLst>
+              <a:ext uri="{FF2B5EF4-FFF2-40B4-BE49-F238E27FC236}">
+                <a16:creationId xmlns:a16="http://schemas.microsoft.com/office/drawing/2014/main" id="{6D1595F2-CAE1-1B62-36AD-1110C116D4B2}"/>
+              </a:ext>
+            </a:extLst>
+          </p:cNvPr>
+          <p:cNvGrpSpPr/>
+          <p:nvPr/>
+        </p:nvGrpSpPr>
+        <p:grpSpPr>
+          <a:xfrm>
+            <a:off x="1938077" y="3290509"/>
+            <a:ext cx="830424" cy="643258"/>
+            <a:chOff x="807092" y="1278294"/>
+            <a:chExt cx="830424" cy="643258"/>
+          </a:xfrm>
+        </p:grpSpPr>
+        <p:sp>
+          <p:nvSpPr>
+            <p:cNvPr id="15" name="Rectangle 14">
+              <a:extLst>
+                <a:ext uri="{FF2B5EF4-FFF2-40B4-BE49-F238E27FC236}">
+                  <a16:creationId xmlns:a16="http://schemas.microsoft.com/office/drawing/2014/main" id="{D7BB1DF9-28AF-58DB-C482-A83D4586B38B}"/>
+                </a:ext>
+              </a:extLst>
+            </p:cNvPr>
+            <p:cNvSpPr/>
+            <p:nvPr/>
+          </p:nvSpPr>
+          <p:spPr>
+            <a:xfrm>
+              <a:off x="839755" y="1278294"/>
+              <a:ext cx="765110" cy="615820"/>
+            </a:xfrm>
+            <a:prstGeom prst="rect">
+              <a:avLst/>
+            </a:prstGeom>
+            <a:solidFill>
+              <a:schemeClr val="accent3">
+                <a:lumMod val="40000"/>
+                <a:lumOff val="60000"/>
+              </a:schemeClr>
+            </a:solidFill>
+          </p:spPr>
+          <p:style>
+            <a:lnRef idx="2">
+              <a:schemeClr val="accent1">
+                <a:shade val="50000"/>
+              </a:schemeClr>
+            </a:lnRef>
+            <a:fillRef idx="1">
+              <a:schemeClr val="accent1"/>
+            </a:fillRef>
+            <a:effectRef idx="0">
+              <a:schemeClr val="accent1"/>
+            </a:effectRef>
+            <a:fontRef idx="minor">
+              <a:schemeClr val="lt1"/>
+            </a:fontRef>
+          </p:style>
+          <p:txBody>
+            <a:bodyPr rtlCol="0" anchor="ctr"/>
+            <a:lstStyle/>
+            <a:p>
+              <a:pPr marL="0" marR="0" lvl="0" indent="0" algn="ctr" defTabSz="914400" rtl="0" eaLnBrk="1" fontAlgn="auto" latinLnBrk="0" hangingPunct="1">
+                <a:lnSpc>
+                  <a:spcPct val="100000"/>
+                </a:lnSpc>
+                <a:spcBef>
+                  <a:spcPts val="0"/>
+                </a:spcBef>
+                <a:spcAft>
+                  <a:spcPts val="0"/>
+                </a:spcAft>
+                <a:buClrTx/>
+                <a:buSzTx/>
+                <a:buFontTx/>
+                <a:buNone/>
+                <a:tabLst/>
+                <a:defRPr/>
+              </a:pPr>
+              <a:endParaRPr kumimoji="0" lang="en-US" sz="1800" b="0" i="0" u="none" strike="noStrike" kern="1200" cap="none" spc="0" normalizeH="0" baseline="0" noProof="0" dirty="0">
+                <a:ln>
+                  <a:noFill/>
+                </a:ln>
+                <a:solidFill>
+                  <a:prstClr val="white"/>
+                </a:solidFill>
+                <a:effectLst/>
+                <a:uLnTx/>
+                <a:uFillTx/>
+                <a:latin typeface="Calibri" panose="020F0502020204030204"/>
+                <a:ea typeface="+mn-ea"/>
+                <a:cs typeface="+mn-cs"/>
+              </a:endParaRPr>
+            </a:p>
+          </p:txBody>
+        </p:sp>
+        <p:sp>
+          <p:nvSpPr>
+            <p:cNvPr id="16" name="Isosceles Triangle 15">
+              <a:extLst>
+                <a:ext uri="{FF2B5EF4-FFF2-40B4-BE49-F238E27FC236}">
+                  <a16:creationId xmlns:a16="http://schemas.microsoft.com/office/drawing/2014/main" id="{38B66678-2FDF-1019-0870-049B178F999D}"/>
+                </a:ext>
+              </a:extLst>
+            </p:cNvPr>
+            <p:cNvSpPr/>
+            <p:nvPr/>
+          </p:nvSpPr>
+          <p:spPr>
+            <a:xfrm rot="10800000">
+              <a:off x="839750" y="1278294"/>
+              <a:ext cx="765109" cy="326568"/>
+            </a:xfrm>
+            <a:prstGeom prst="triangle">
+              <a:avLst>
+                <a:gd name="adj" fmla="val 50001"/>
+              </a:avLst>
+            </a:prstGeom>
+            <a:solidFill>
+              <a:schemeClr val="accent3">
+                <a:lumMod val="40000"/>
+                <a:lumOff val="60000"/>
+              </a:schemeClr>
+            </a:solidFill>
+          </p:spPr>
+          <p:style>
+            <a:lnRef idx="2">
+              <a:schemeClr val="accent1">
+                <a:shade val="50000"/>
+              </a:schemeClr>
+            </a:lnRef>
+            <a:fillRef idx="1">
+              <a:schemeClr val="accent1"/>
+            </a:fillRef>
+            <a:effectRef idx="0">
+              <a:schemeClr val="accent1"/>
+            </a:effectRef>
+            <a:fontRef idx="minor">
+              <a:schemeClr val="lt1"/>
+            </a:fontRef>
+          </p:style>
+          <p:txBody>
+            <a:bodyPr rtlCol="0" anchor="ctr"/>
+            <a:lstStyle/>
+            <a:p>
+              <a:pPr marL="0" marR="0" lvl="0" indent="0" algn="ctr" defTabSz="914400" rtl="0" eaLnBrk="1" fontAlgn="auto" latinLnBrk="0" hangingPunct="1">
+                <a:lnSpc>
+                  <a:spcPct val="100000"/>
+                </a:lnSpc>
+                <a:spcBef>
+                  <a:spcPts val="0"/>
+                </a:spcBef>
+                <a:spcAft>
+                  <a:spcPts val="0"/>
+                </a:spcAft>
+                <a:buClrTx/>
+                <a:buSzTx/>
+                <a:buFontTx/>
+                <a:buNone/>
+                <a:tabLst/>
+                <a:defRPr/>
+              </a:pPr>
+              <a:endParaRPr kumimoji="0" lang="en-US" sz="1800" b="0" i="0" u="none" strike="noStrike" kern="1200" cap="none" spc="0" normalizeH="0" baseline="0" noProof="0">
+                <a:ln>
+                  <a:noFill/>
+                </a:ln>
+                <a:solidFill>
+                  <a:prstClr val="white"/>
+                </a:solidFill>
+                <a:effectLst/>
+                <a:uLnTx/>
+                <a:uFillTx/>
+                <a:latin typeface="Calibri" panose="020F0502020204030204"/>
+                <a:ea typeface="+mn-ea"/>
+                <a:cs typeface="+mn-cs"/>
+              </a:endParaRPr>
+            </a:p>
+          </p:txBody>
+        </p:sp>
+        <p:sp>
+          <p:nvSpPr>
+            <p:cNvPr id="17" name="TextBox 16">
+              <a:extLst>
+                <a:ext uri="{FF2B5EF4-FFF2-40B4-BE49-F238E27FC236}">
+                  <a16:creationId xmlns:a16="http://schemas.microsoft.com/office/drawing/2014/main" id="{04BFD03E-1393-9470-D744-425155C7043B}"/>
+                </a:ext>
+              </a:extLst>
+            </p:cNvPr>
+            <p:cNvSpPr txBox="1"/>
+            <p:nvPr/>
+          </p:nvSpPr>
+          <p:spPr>
+            <a:xfrm>
+              <a:off x="807092" y="1521442"/>
+              <a:ext cx="830424" cy="400110"/>
+            </a:xfrm>
+            <a:prstGeom prst="rect">
+              <a:avLst/>
+            </a:prstGeom>
+            <a:noFill/>
+          </p:spPr>
+          <p:txBody>
+            <a:bodyPr wrap="square" rtlCol="0">
+              <a:spAutoFit/>
+            </a:bodyPr>
+            <a:lstStyle/>
+            <a:p>
+              <a:pPr marL="0" marR="0" lvl="0" indent="0" algn="l" defTabSz="914400" rtl="0" eaLnBrk="1" fontAlgn="auto" latinLnBrk="0" hangingPunct="1">
+                <a:lnSpc>
+                  <a:spcPct val="100000"/>
+                </a:lnSpc>
+                <a:spcBef>
+                  <a:spcPts val="0"/>
+                </a:spcBef>
+                <a:spcAft>
+                  <a:spcPts val="0"/>
+                </a:spcAft>
+                <a:buClrTx/>
+                <a:buSzTx/>
+                <a:buFontTx/>
+                <a:buNone/>
+                <a:tabLst/>
+                <a:defRPr/>
+              </a:pPr>
+              <a:r>
+                <a:rPr kumimoji="0" lang="en-US" sz="2000" b="1" i="0" u="none" strike="noStrike" kern="1200" cap="none" spc="0" normalizeH="0" baseline="0" noProof="0" dirty="0">
+                  <a:ln>
+                    <a:noFill/>
+                  </a:ln>
+                  <a:solidFill>
+                    <a:prstClr val="black"/>
+                  </a:solidFill>
+                  <a:effectLst/>
+                  <a:uLnTx/>
+                  <a:uFillTx/>
+                  <a:latin typeface="Arial Black" panose="020B0A04020102020204" pitchFamily="34" charset="0"/>
+                  <a:ea typeface="+mn-ea"/>
+                  <a:cs typeface="+mn-cs"/>
+                </a:rPr>
+                <a:t>Vote</a:t>
+              </a:r>
+            </a:p>
+          </p:txBody>
+        </p:sp>
+      </p:grpSp>
+      <p:grpSp>
+        <p:nvGrpSpPr>
+          <p:cNvPr id="19" name="Group 18">
+            <a:extLst>
+              <a:ext uri="{FF2B5EF4-FFF2-40B4-BE49-F238E27FC236}">
+                <a16:creationId xmlns:a16="http://schemas.microsoft.com/office/drawing/2014/main" id="{C3E80135-6482-A857-013A-00CBDACD2913}"/>
+              </a:ext>
+            </a:extLst>
+          </p:cNvPr>
+          <p:cNvGrpSpPr/>
+          <p:nvPr/>
+        </p:nvGrpSpPr>
+        <p:grpSpPr>
+          <a:xfrm>
+            <a:off x="2694985" y="5727399"/>
+            <a:ext cx="830424" cy="643258"/>
+            <a:chOff x="807092" y="1278294"/>
+            <a:chExt cx="830424" cy="643258"/>
+          </a:xfrm>
+        </p:grpSpPr>
+        <p:sp>
+          <p:nvSpPr>
+            <p:cNvPr id="20" name="Rectangle 19">
+              <a:extLst>
+                <a:ext uri="{FF2B5EF4-FFF2-40B4-BE49-F238E27FC236}">
+                  <a16:creationId xmlns:a16="http://schemas.microsoft.com/office/drawing/2014/main" id="{84C420E8-BDC5-AB10-1993-8D7F27D9841D}"/>
+                </a:ext>
+              </a:extLst>
+            </p:cNvPr>
+            <p:cNvSpPr/>
+            <p:nvPr/>
+          </p:nvSpPr>
+          <p:spPr>
+            <a:xfrm>
+              <a:off x="839755" y="1278294"/>
+              <a:ext cx="765110" cy="615820"/>
+            </a:xfrm>
+            <a:prstGeom prst="rect">
+              <a:avLst/>
+            </a:prstGeom>
+            <a:solidFill>
+              <a:schemeClr val="accent3">
+                <a:lumMod val="40000"/>
+                <a:lumOff val="60000"/>
+              </a:schemeClr>
+            </a:solidFill>
+          </p:spPr>
+          <p:style>
+            <a:lnRef idx="2">
+              <a:schemeClr val="accent1">
+                <a:shade val="50000"/>
+              </a:schemeClr>
+            </a:lnRef>
+            <a:fillRef idx="1">
+              <a:schemeClr val="accent1"/>
+            </a:fillRef>
+            <a:effectRef idx="0">
+              <a:schemeClr val="accent1"/>
+            </a:effectRef>
+            <a:fontRef idx="minor">
+              <a:schemeClr val="lt1"/>
+            </a:fontRef>
+          </p:style>
+          <p:txBody>
+            <a:bodyPr rtlCol="0" anchor="ctr"/>
+            <a:lstStyle/>
+            <a:p>
+              <a:pPr marL="0" marR="0" lvl="0" indent="0" algn="ctr" defTabSz="914400" rtl="0" eaLnBrk="1" fontAlgn="auto" latinLnBrk="0" hangingPunct="1">
+                <a:lnSpc>
+                  <a:spcPct val="100000"/>
+                </a:lnSpc>
+                <a:spcBef>
+                  <a:spcPts val="0"/>
+                </a:spcBef>
+                <a:spcAft>
+                  <a:spcPts val="0"/>
+                </a:spcAft>
+                <a:buClrTx/>
+                <a:buSzTx/>
+                <a:buFontTx/>
+                <a:buNone/>
+                <a:tabLst/>
+                <a:defRPr/>
+              </a:pPr>
+              <a:endParaRPr kumimoji="0" lang="en-US" sz="1800" b="0" i="0" u="none" strike="noStrike" kern="1200" cap="none" spc="0" normalizeH="0" baseline="0" noProof="0" dirty="0">
+                <a:ln>
+                  <a:noFill/>
+                </a:ln>
+                <a:solidFill>
+                  <a:prstClr val="white"/>
+                </a:solidFill>
+                <a:effectLst/>
+                <a:uLnTx/>
+                <a:uFillTx/>
+                <a:latin typeface="Calibri" panose="020F0502020204030204"/>
+                <a:ea typeface="+mn-ea"/>
+                <a:cs typeface="+mn-cs"/>
+              </a:endParaRPr>
+            </a:p>
+          </p:txBody>
+        </p:sp>
+        <p:sp>
+          <p:nvSpPr>
+            <p:cNvPr id="21" name="Isosceles Triangle 20">
+              <a:extLst>
+                <a:ext uri="{FF2B5EF4-FFF2-40B4-BE49-F238E27FC236}">
+                  <a16:creationId xmlns:a16="http://schemas.microsoft.com/office/drawing/2014/main" id="{94B856D1-5E26-4814-EF44-5524FE68D51E}"/>
+                </a:ext>
+              </a:extLst>
+            </p:cNvPr>
+            <p:cNvSpPr/>
+            <p:nvPr/>
+          </p:nvSpPr>
+          <p:spPr>
+            <a:xfrm rot="10800000">
+              <a:off x="839750" y="1278294"/>
+              <a:ext cx="765109" cy="326568"/>
+            </a:xfrm>
+            <a:prstGeom prst="triangle">
+              <a:avLst>
+                <a:gd name="adj" fmla="val 50001"/>
+              </a:avLst>
+            </a:prstGeom>
+            <a:solidFill>
+              <a:schemeClr val="accent3">
+                <a:lumMod val="40000"/>
+                <a:lumOff val="60000"/>
+              </a:schemeClr>
+            </a:solidFill>
+          </p:spPr>
+          <p:style>
+            <a:lnRef idx="2">
+              <a:schemeClr val="accent1">
+                <a:shade val="50000"/>
+              </a:schemeClr>
+            </a:lnRef>
+            <a:fillRef idx="1">
+              <a:schemeClr val="accent1"/>
+            </a:fillRef>
+            <a:effectRef idx="0">
+              <a:schemeClr val="accent1"/>
+            </a:effectRef>
+            <a:fontRef idx="minor">
+              <a:schemeClr val="lt1"/>
+            </a:fontRef>
+          </p:style>
+          <p:txBody>
+            <a:bodyPr rtlCol="0" anchor="ctr"/>
+            <a:lstStyle/>
+            <a:p>
+              <a:pPr marL="0" marR="0" lvl="0" indent="0" algn="ctr" defTabSz="914400" rtl="0" eaLnBrk="1" fontAlgn="auto" latinLnBrk="0" hangingPunct="1">
+                <a:lnSpc>
+                  <a:spcPct val="100000"/>
+                </a:lnSpc>
+                <a:spcBef>
+                  <a:spcPts val="0"/>
+                </a:spcBef>
+                <a:spcAft>
+                  <a:spcPts val="0"/>
+                </a:spcAft>
+                <a:buClrTx/>
+                <a:buSzTx/>
+                <a:buFontTx/>
+                <a:buNone/>
+                <a:tabLst/>
+                <a:defRPr/>
+              </a:pPr>
+              <a:endParaRPr kumimoji="0" lang="en-US" sz="1800" b="0" i="0" u="none" strike="noStrike" kern="1200" cap="none" spc="0" normalizeH="0" baseline="0" noProof="0">
+                <a:ln>
+                  <a:noFill/>
+                </a:ln>
+                <a:solidFill>
+                  <a:prstClr val="white"/>
+                </a:solidFill>
+                <a:effectLst/>
+                <a:uLnTx/>
+                <a:uFillTx/>
+                <a:latin typeface="Calibri" panose="020F0502020204030204"/>
+                <a:ea typeface="+mn-ea"/>
+                <a:cs typeface="+mn-cs"/>
+              </a:endParaRPr>
+            </a:p>
+          </p:txBody>
+        </p:sp>
+        <p:sp>
+          <p:nvSpPr>
+            <p:cNvPr id="22" name="TextBox 21">
+              <a:extLst>
+                <a:ext uri="{FF2B5EF4-FFF2-40B4-BE49-F238E27FC236}">
+                  <a16:creationId xmlns:a16="http://schemas.microsoft.com/office/drawing/2014/main" id="{95143E20-D789-7BC6-7948-4DAFA161D134}"/>
+                </a:ext>
+              </a:extLst>
+            </p:cNvPr>
+            <p:cNvSpPr txBox="1"/>
+            <p:nvPr/>
+          </p:nvSpPr>
+          <p:spPr>
+            <a:xfrm>
+              <a:off x="807092" y="1521442"/>
+              <a:ext cx="830424" cy="400110"/>
+            </a:xfrm>
+            <a:prstGeom prst="rect">
+              <a:avLst/>
+            </a:prstGeom>
+            <a:noFill/>
+          </p:spPr>
+          <p:txBody>
+            <a:bodyPr wrap="square" rtlCol="0">
+              <a:spAutoFit/>
+            </a:bodyPr>
+            <a:lstStyle/>
+            <a:p>
+              <a:pPr marL="0" marR="0" lvl="0" indent="0" algn="l" defTabSz="914400" rtl="0" eaLnBrk="1" fontAlgn="auto" latinLnBrk="0" hangingPunct="1">
+                <a:lnSpc>
+                  <a:spcPct val="100000"/>
+                </a:lnSpc>
+                <a:spcBef>
+                  <a:spcPts val="0"/>
+                </a:spcBef>
+                <a:spcAft>
+                  <a:spcPts val="0"/>
+                </a:spcAft>
+                <a:buClrTx/>
+                <a:buSzTx/>
+                <a:buFontTx/>
+                <a:buNone/>
+                <a:tabLst/>
+                <a:defRPr/>
+              </a:pPr>
+              <a:r>
+                <a:rPr kumimoji="0" lang="en-US" sz="2000" b="1" i="0" u="none" strike="noStrike" kern="1200" cap="none" spc="0" normalizeH="0" baseline="0" noProof="0" dirty="0">
+                  <a:ln>
+                    <a:noFill/>
+                  </a:ln>
+                  <a:solidFill>
+                    <a:prstClr val="black"/>
+                  </a:solidFill>
+                  <a:effectLst/>
+                  <a:uLnTx/>
+                  <a:uFillTx/>
+                  <a:latin typeface="Arial Black" panose="020B0A04020102020204" pitchFamily="34" charset="0"/>
+                  <a:ea typeface="+mn-ea"/>
+                  <a:cs typeface="+mn-cs"/>
+                </a:rPr>
+                <a:t>Vote</a:t>
+              </a:r>
+            </a:p>
+          </p:txBody>
+        </p:sp>
+      </p:grpSp>
+      <p:grpSp>
+        <p:nvGrpSpPr>
+          <p:cNvPr id="27" name="Group 26">
+            <a:extLst>
+              <a:ext uri="{FF2B5EF4-FFF2-40B4-BE49-F238E27FC236}">
+                <a16:creationId xmlns:a16="http://schemas.microsoft.com/office/drawing/2014/main" id="{8FED6469-F0F8-98EE-4FD6-7D90FD39EA09}"/>
+              </a:ext>
+            </a:extLst>
+          </p:cNvPr>
+          <p:cNvGrpSpPr/>
+          <p:nvPr/>
+        </p:nvGrpSpPr>
+        <p:grpSpPr>
+          <a:xfrm>
+            <a:off x="7690666" y="2626624"/>
+            <a:ext cx="728067" cy="755697"/>
+            <a:chOff x="7679094" y="2939142"/>
+            <a:chExt cx="728067" cy="755697"/>
+          </a:xfrm>
+        </p:grpSpPr>
+        <p:sp>
+          <p:nvSpPr>
+            <p:cNvPr id="23" name="Left Brace 22">
+              <a:extLst>
+                <a:ext uri="{FF2B5EF4-FFF2-40B4-BE49-F238E27FC236}">
+                  <a16:creationId xmlns:a16="http://schemas.microsoft.com/office/drawing/2014/main" id="{21BBC700-661C-85CB-51F7-8CB7731B01C6}"/>
+                </a:ext>
+              </a:extLst>
+            </p:cNvPr>
+            <p:cNvSpPr/>
+            <p:nvPr/>
+          </p:nvSpPr>
+          <p:spPr>
+            <a:xfrm>
+              <a:off x="7679094" y="2948473"/>
+              <a:ext cx="223935" cy="746366"/>
+            </a:xfrm>
+            <a:prstGeom prst="leftBrace">
+              <a:avLst>
+                <a:gd name="adj1" fmla="val 49995"/>
+                <a:gd name="adj2" fmla="val 50000"/>
+              </a:avLst>
+            </a:prstGeom>
+            <a:ln w="19050">
+              <a:solidFill>
+                <a:schemeClr val="tx1"/>
+              </a:solidFill>
+            </a:ln>
+          </p:spPr>
+          <p:style>
+            <a:lnRef idx="1">
+              <a:schemeClr val="accent1"/>
+            </a:lnRef>
+            <a:fillRef idx="0">
+              <a:schemeClr val="accent1"/>
+            </a:fillRef>
+            <a:effectRef idx="0">
+              <a:schemeClr val="accent1"/>
+            </a:effectRef>
+            <a:fontRef idx="minor">
+              <a:schemeClr val="tx1"/>
+            </a:fontRef>
+          </p:style>
+          <p:txBody>
+            <a:bodyPr rtlCol="0" anchor="ctr"/>
+            <a:lstStyle/>
+            <a:p>
+              <a:pPr marL="0" marR="0" lvl="0" indent="0" algn="ctr" defTabSz="914400" rtl="0" eaLnBrk="1" fontAlgn="auto" latinLnBrk="0" hangingPunct="1">
+                <a:lnSpc>
+                  <a:spcPct val="100000"/>
+                </a:lnSpc>
+                <a:spcBef>
+                  <a:spcPts val="0"/>
+                </a:spcBef>
+                <a:spcAft>
+                  <a:spcPts val="0"/>
+                </a:spcAft>
+                <a:buClrTx/>
+                <a:buSzTx/>
+                <a:buFontTx/>
+                <a:buNone/>
+                <a:tabLst/>
+                <a:defRPr/>
+              </a:pPr>
+              <a:endParaRPr kumimoji="0" lang="en-US" sz="1800" b="0" i="0" u="none" strike="noStrike" kern="1200" cap="none" spc="0" normalizeH="0" baseline="0" noProof="0" dirty="0">
+                <a:ln>
+                  <a:noFill/>
+                </a:ln>
+                <a:solidFill>
+                  <a:prstClr val="black"/>
+                </a:solidFill>
+                <a:effectLst/>
+                <a:uLnTx/>
+                <a:uFillTx/>
+                <a:latin typeface="Calibri" panose="020F0502020204030204"/>
+                <a:ea typeface="+mn-ea"/>
+                <a:cs typeface="+mn-cs"/>
+              </a:endParaRPr>
+            </a:p>
+          </p:txBody>
+        </p:sp>
+        <p:sp>
+          <p:nvSpPr>
+            <p:cNvPr id="24" name="TextBox 23">
+              <a:extLst>
+                <a:ext uri="{FF2B5EF4-FFF2-40B4-BE49-F238E27FC236}">
+                  <a16:creationId xmlns:a16="http://schemas.microsoft.com/office/drawing/2014/main" id="{D3CDA408-2533-2DEF-0E7B-3AF5F6D8B955}"/>
+                </a:ext>
+              </a:extLst>
+            </p:cNvPr>
+            <p:cNvSpPr txBox="1"/>
+            <p:nvPr/>
+          </p:nvSpPr>
+          <p:spPr>
+            <a:xfrm>
+              <a:off x="7809723" y="2939142"/>
+              <a:ext cx="592406" cy="369332"/>
+            </a:xfrm>
+            <a:prstGeom prst="rect">
+              <a:avLst/>
+            </a:prstGeom>
+            <a:noFill/>
+          </p:spPr>
+          <p:txBody>
+            <a:bodyPr wrap="none" rtlCol="0">
+              <a:spAutoFit/>
+            </a:bodyPr>
+            <a:lstStyle/>
+            <a:p>
+              <a:pPr marL="0" marR="0" lvl="0" indent="0" algn="l" defTabSz="914400" rtl="0" eaLnBrk="1" fontAlgn="auto" latinLnBrk="0" hangingPunct="1">
+                <a:lnSpc>
+                  <a:spcPct val="100000"/>
+                </a:lnSpc>
+                <a:spcBef>
+                  <a:spcPts val="0"/>
+                </a:spcBef>
+                <a:spcAft>
+                  <a:spcPts val="0"/>
+                </a:spcAft>
+                <a:buClrTx/>
+                <a:buSzTx/>
+                <a:buFontTx/>
+                <a:buNone/>
+                <a:tabLst/>
+                <a:defRPr/>
+              </a:pPr>
+              <a:r>
+                <a:rPr kumimoji="0" lang="en-US" sz="1800" b="0" i="0" u="none" strike="noStrike" kern="1200" cap="none" spc="0" normalizeH="0" baseline="0" noProof="0" dirty="0">
+                  <a:ln>
+                    <a:noFill/>
+                  </a:ln>
+                  <a:solidFill>
+                    <a:prstClr val="black"/>
+                  </a:solidFill>
+                  <a:effectLst/>
+                  <a:uLnTx/>
+                  <a:uFillTx/>
+                  <a:latin typeface="Calibri" panose="020F0502020204030204"/>
+                  <a:ea typeface="+mn-ea"/>
+                  <a:cs typeface="+mn-cs"/>
+                </a:rPr>
+                <a:t>Aye:</a:t>
+              </a:r>
+            </a:p>
+          </p:txBody>
+        </p:sp>
+        <p:sp>
+          <p:nvSpPr>
+            <p:cNvPr id="25" name="TextBox 24">
+              <a:extLst>
+                <a:ext uri="{FF2B5EF4-FFF2-40B4-BE49-F238E27FC236}">
+                  <a16:creationId xmlns:a16="http://schemas.microsoft.com/office/drawing/2014/main" id="{1F17D7CC-CCCE-55B9-8CDF-0DBACD733FE3}"/>
+                </a:ext>
+              </a:extLst>
+            </p:cNvPr>
+            <p:cNvSpPr txBox="1"/>
+            <p:nvPr/>
+          </p:nvSpPr>
+          <p:spPr>
+            <a:xfrm>
+              <a:off x="7800392" y="3306150"/>
+              <a:ext cx="606769" cy="369332"/>
+            </a:xfrm>
+            <a:prstGeom prst="rect">
+              <a:avLst/>
+            </a:prstGeom>
+            <a:noFill/>
+          </p:spPr>
+          <p:txBody>
+            <a:bodyPr wrap="none" rtlCol="0">
+              <a:spAutoFit/>
+            </a:bodyPr>
+            <a:lstStyle/>
+            <a:p>
+              <a:pPr marL="0" marR="0" lvl="0" indent="0" algn="l" defTabSz="914400" rtl="0" eaLnBrk="1" fontAlgn="auto" latinLnBrk="0" hangingPunct="1">
+                <a:lnSpc>
+                  <a:spcPct val="100000"/>
+                </a:lnSpc>
+                <a:spcBef>
+                  <a:spcPts val="0"/>
+                </a:spcBef>
+                <a:spcAft>
+                  <a:spcPts val="0"/>
+                </a:spcAft>
+                <a:buClrTx/>
+                <a:buSzTx/>
+                <a:buFontTx/>
+                <a:buNone/>
+                <a:tabLst/>
+                <a:defRPr/>
+              </a:pPr>
+              <a:r>
+                <a:rPr kumimoji="0" lang="en-US" sz="1800" b="0" i="0" u="none" strike="noStrike" kern="1200" cap="none" spc="0" normalizeH="0" baseline="0" noProof="0" dirty="0">
+                  <a:ln>
+                    <a:noFill/>
+                  </a:ln>
+                  <a:solidFill>
+                    <a:prstClr val="black"/>
+                  </a:solidFill>
+                  <a:effectLst/>
+                  <a:uLnTx/>
+                  <a:uFillTx/>
+                  <a:latin typeface="Calibri" panose="020F0502020204030204"/>
+                  <a:ea typeface="+mn-ea"/>
+                  <a:cs typeface="+mn-cs"/>
+                </a:rPr>
+                <a:t>Nay:</a:t>
+              </a:r>
+            </a:p>
+          </p:txBody>
+        </p:sp>
+      </p:grpSp>
       <p:sp>
         <p:nvSpPr>
-          <p:cNvPr id="13" name="Arrow: Right 12">
-            <a:extLst>
-              <a:ext uri="{FF2B5EF4-FFF2-40B4-BE49-F238E27FC236}">
-                <a16:creationId xmlns:a16="http://schemas.microsoft.com/office/drawing/2014/main" id="{5EC035CC-496F-8C8D-884C-64286B6323CD}"/>
-              </a:ext>
-            </a:extLst>
-          </p:cNvPr>
-          <p:cNvSpPr/>
+          <p:cNvPr id="28" name="TextBox 27">
+            <a:extLst>
+              <a:ext uri="{FF2B5EF4-FFF2-40B4-BE49-F238E27FC236}">
+                <a16:creationId xmlns:a16="http://schemas.microsoft.com/office/drawing/2014/main" id="{C8E2E8E2-FEDF-F4FD-0B91-821F5C89912A}"/>
+              </a:ext>
+            </a:extLst>
+          </p:cNvPr>
+          <p:cNvSpPr txBox="1"/>
           <p:nvPr/>
         </p:nvSpPr>
         <p:spPr>
           <a:xfrm>
-            <a:off x="1061884" y="4228374"/>
-            <a:ext cx="2300748" cy="693174"/>
+            <a:off x="8260617" y="2634060"/>
+            <a:ext cx="301686" cy="369332"/>
           </a:xfrm>
-          <a:prstGeom prst="rightArrow">
+          <a:prstGeom prst="rect">
             <a:avLst/>
           </a:prstGeom>
-          <a:solidFill>
-            <a:srgbClr val="ED6C02"/>
-          </a:solidFill>
-          <a:ln>
-            <a:solidFill>
-              <a:srgbClr val="ED6C02"/>
-            </a:solidFill>
-          </a:ln>
+          <a:noFill/>
         </p:spPr>
-        <p:style>
-          <a:lnRef idx="2">
-            <a:schemeClr val="accent1">
-              <a:shade val="50000"/>
-            </a:schemeClr>
-          </a:lnRef>
-          <a:fillRef idx="1">
-            <a:schemeClr val="accent1"/>
-          </a:fillRef>
-          <a:effectRef idx="0">
-            <a:schemeClr val="accent1"/>
-          </a:effectRef>
-          <a:fontRef idx="minor">
-            <a:schemeClr val="lt1"/>
-          </a:fontRef>
-        </p:style>
         <p:txBody>
-          <a:bodyPr rtlCol="0" anchor="ctr"/>
+          <a:bodyPr wrap="square" rtlCol="0">
+            <a:spAutoFit/>
+          </a:bodyPr>
           <a:lstStyle/>
           <a:p>
-            <a:pPr algn="ctr"/>
-            <a:endParaRPr lang="en-US"/>
+            <a:pPr marL="0" marR="0" lvl="0" indent="0" algn="l" defTabSz="914400" rtl="0" eaLnBrk="1" fontAlgn="auto" latinLnBrk="0" hangingPunct="1">
+              <a:lnSpc>
+                <a:spcPct val="100000"/>
+              </a:lnSpc>
+              <a:spcBef>
+                <a:spcPts val="0"/>
+              </a:spcBef>
+              <a:spcAft>
+                <a:spcPts val="0"/>
+              </a:spcAft>
+              <a:buClrTx/>
+              <a:buSzTx/>
+              <a:buFontTx/>
+              <a:buNone/>
+              <a:tabLst/>
+              <a:defRPr/>
+            </a:pPr>
+            <a:r>
+              <a:rPr kumimoji="0" lang="en-US" sz="1800" b="1" i="0" u="none" strike="noStrike" kern="1200" cap="none" spc="0" normalizeH="0" baseline="0" noProof="0" dirty="0">
+                <a:ln>
+                  <a:noFill/>
+                </a:ln>
+                <a:solidFill>
+                  <a:prstClr val="black"/>
+                </a:solidFill>
+                <a:effectLst/>
+                <a:uLnTx/>
+                <a:uFillTx/>
+                <a:latin typeface="Calibri" panose="020F0502020204030204"/>
+                <a:ea typeface="+mn-ea"/>
+                <a:cs typeface="+mn-cs"/>
+              </a:rPr>
+              <a:t>0</a:t>
+            </a:r>
+          </a:p>
+        </p:txBody>
+      </p:sp>
+      <p:sp>
+        <p:nvSpPr>
+          <p:cNvPr id="29" name="TextBox 28">
+            <a:extLst>
+              <a:ext uri="{FF2B5EF4-FFF2-40B4-BE49-F238E27FC236}">
+                <a16:creationId xmlns:a16="http://schemas.microsoft.com/office/drawing/2014/main" id="{7C807714-9505-F901-8504-76EEF11E0337}"/>
+              </a:ext>
+            </a:extLst>
+          </p:cNvPr>
+          <p:cNvSpPr txBox="1"/>
+          <p:nvPr/>
+        </p:nvSpPr>
+        <p:spPr>
+          <a:xfrm>
+            <a:off x="8262861" y="2962846"/>
+            <a:ext cx="301686" cy="369332"/>
+          </a:xfrm>
+          <a:prstGeom prst="rect">
+            <a:avLst/>
+          </a:prstGeom>
+          <a:noFill/>
+        </p:spPr>
+        <p:txBody>
+          <a:bodyPr wrap="square" rtlCol="0">
+            <a:spAutoFit/>
+          </a:bodyPr>
+          <a:lstStyle/>
+          <a:p>
+            <a:pPr marL="0" marR="0" lvl="0" indent="0" algn="l" defTabSz="914400" rtl="0" eaLnBrk="1" fontAlgn="auto" latinLnBrk="0" hangingPunct="1">
+              <a:lnSpc>
+                <a:spcPct val="100000"/>
+              </a:lnSpc>
+              <a:spcBef>
+                <a:spcPts val="0"/>
+              </a:spcBef>
+              <a:spcAft>
+                <a:spcPts val="0"/>
+              </a:spcAft>
+              <a:buClrTx/>
+              <a:buSzTx/>
+              <a:buFontTx/>
+              <a:buNone/>
+              <a:tabLst/>
+              <a:defRPr/>
+            </a:pPr>
+            <a:r>
+              <a:rPr kumimoji="0" lang="en-US" sz="1800" b="1" i="0" u="none" strike="noStrike" kern="1200" cap="none" spc="0" normalizeH="0" baseline="0" noProof="0" dirty="0">
+                <a:ln>
+                  <a:noFill/>
+                </a:ln>
+                <a:solidFill>
+                  <a:prstClr val="black"/>
+                </a:solidFill>
+                <a:effectLst/>
+                <a:uLnTx/>
+                <a:uFillTx/>
+                <a:latin typeface="Calibri" panose="020F0502020204030204"/>
+                <a:ea typeface="+mn-ea"/>
+                <a:cs typeface="+mn-cs"/>
+              </a:rPr>
+              <a:t>0</a:t>
+            </a:r>
+          </a:p>
+        </p:txBody>
+      </p:sp>
+      <p:sp>
+        <p:nvSpPr>
+          <p:cNvPr id="30" name="TextBox 29">
+            <a:extLst>
+              <a:ext uri="{FF2B5EF4-FFF2-40B4-BE49-F238E27FC236}">
+                <a16:creationId xmlns:a16="http://schemas.microsoft.com/office/drawing/2014/main" id="{66CB4F06-387E-E394-C80E-D88666E64B3C}"/>
+              </a:ext>
+            </a:extLst>
+          </p:cNvPr>
+          <p:cNvSpPr txBox="1"/>
+          <p:nvPr/>
+        </p:nvSpPr>
+        <p:spPr>
+          <a:xfrm>
+            <a:off x="8260617" y="2637911"/>
+            <a:ext cx="301686" cy="369332"/>
+          </a:xfrm>
+          <a:prstGeom prst="rect">
+            <a:avLst/>
+          </a:prstGeom>
+          <a:noFill/>
+        </p:spPr>
+        <p:txBody>
+          <a:bodyPr wrap="square" rtlCol="0">
+            <a:spAutoFit/>
+          </a:bodyPr>
+          <a:lstStyle/>
+          <a:p>
+            <a:pPr marL="0" marR="0" lvl="0" indent="0" algn="l" defTabSz="914400" rtl="0" eaLnBrk="1" fontAlgn="auto" latinLnBrk="0" hangingPunct="1">
+              <a:lnSpc>
+                <a:spcPct val="100000"/>
+              </a:lnSpc>
+              <a:spcBef>
+                <a:spcPts val="0"/>
+              </a:spcBef>
+              <a:spcAft>
+                <a:spcPts val="0"/>
+              </a:spcAft>
+              <a:buClrTx/>
+              <a:buSzTx/>
+              <a:buFontTx/>
+              <a:buNone/>
+              <a:tabLst/>
+              <a:defRPr/>
+            </a:pPr>
+            <a:r>
+              <a:rPr kumimoji="0" lang="en-US" sz="1800" b="1" i="0" u="none" strike="noStrike" kern="1200" cap="none" spc="0" normalizeH="0" baseline="0" noProof="0" dirty="0">
+                <a:ln>
+                  <a:noFill/>
+                </a:ln>
+                <a:solidFill>
+                  <a:prstClr val="black"/>
+                </a:solidFill>
+                <a:effectLst/>
+                <a:uLnTx/>
+                <a:uFillTx/>
+                <a:latin typeface="Calibri" panose="020F0502020204030204"/>
+                <a:ea typeface="+mn-ea"/>
+                <a:cs typeface="+mn-cs"/>
+              </a:rPr>
+              <a:t>1</a:t>
+            </a:r>
+          </a:p>
+        </p:txBody>
+      </p:sp>
+      <p:sp>
+        <p:nvSpPr>
+          <p:cNvPr id="33" name="TextBox 32">
+            <a:extLst>
+              <a:ext uri="{FF2B5EF4-FFF2-40B4-BE49-F238E27FC236}">
+                <a16:creationId xmlns:a16="http://schemas.microsoft.com/office/drawing/2014/main" id="{9672A372-A853-1838-3F27-05BDEE80BF54}"/>
+              </a:ext>
+            </a:extLst>
+          </p:cNvPr>
+          <p:cNvSpPr txBox="1"/>
+          <p:nvPr/>
+        </p:nvSpPr>
+        <p:spPr>
+          <a:xfrm>
+            <a:off x="9171992" y="795726"/>
+            <a:ext cx="1048685" cy="1446550"/>
+          </a:xfrm>
+          <a:prstGeom prst="rect">
+            <a:avLst/>
+          </a:prstGeom>
+          <a:noFill/>
+        </p:spPr>
+        <p:txBody>
+          <a:bodyPr wrap="none" rtlCol="0">
+            <a:spAutoFit/>
+          </a:bodyPr>
+          <a:lstStyle/>
+          <a:p>
+            <a:pPr marL="0" marR="0" lvl="0" indent="0" algn="l" defTabSz="914400" rtl="0" eaLnBrk="1" fontAlgn="auto" latinLnBrk="0" hangingPunct="1">
+              <a:lnSpc>
+                <a:spcPct val="100000"/>
+              </a:lnSpc>
+              <a:spcBef>
+                <a:spcPts val="0"/>
+              </a:spcBef>
+              <a:spcAft>
+                <a:spcPts val="0"/>
+              </a:spcAft>
+              <a:buClrTx/>
+              <a:buSzTx/>
+              <a:buFontTx/>
+              <a:buNone/>
+              <a:tabLst/>
+              <a:defRPr/>
+            </a:pPr>
+            <a:r>
+              <a:rPr kumimoji="0" lang="en-US" sz="8800" b="1" i="0" u="none" strike="noStrike" kern="1200" cap="none" spc="0" normalizeH="0" baseline="0" noProof="0" dirty="0">
+                <a:ln>
+                  <a:noFill/>
+                </a:ln>
+                <a:solidFill>
+                  <a:srgbClr val="70AD47"/>
+                </a:solidFill>
+                <a:effectLst/>
+                <a:uLnTx/>
+                <a:uFillTx/>
+                <a:latin typeface="Calibri" panose="020F0502020204030204"/>
+                <a:ea typeface="+mn-ea"/>
+                <a:cs typeface="+mn-cs"/>
+                <a:sym typeface="Wingdings 2" panose="05020102010507070707" pitchFamily="18" charset="2"/>
+              </a:rPr>
+              <a:t></a:t>
+            </a:r>
+            <a:endParaRPr kumimoji="0" lang="en-US" sz="3200" b="1" i="0" u="none" strike="noStrike" kern="1200" cap="none" spc="0" normalizeH="0" baseline="0" noProof="0" dirty="0">
+              <a:ln>
+                <a:noFill/>
+              </a:ln>
+              <a:solidFill>
+                <a:srgbClr val="70AD47"/>
+              </a:solidFill>
+              <a:effectLst/>
+              <a:uLnTx/>
+              <a:uFillTx/>
+              <a:latin typeface="Calibri" panose="020F0502020204030204"/>
+              <a:ea typeface="+mn-ea"/>
+              <a:cs typeface="+mn-cs"/>
+            </a:endParaRPr>
+          </a:p>
+        </p:txBody>
+      </p:sp>
+      <p:sp>
+        <p:nvSpPr>
+          <p:cNvPr id="34" name="TextBox 33">
+            <a:extLst>
+              <a:ext uri="{FF2B5EF4-FFF2-40B4-BE49-F238E27FC236}">
+                <a16:creationId xmlns:a16="http://schemas.microsoft.com/office/drawing/2014/main" id="{A6D1CB5E-6181-EBA4-9461-A4C108FBA2EA}"/>
+              </a:ext>
+            </a:extLst>
+          </p:cNvPr>
+          <p:cNvSpPr txBox="1"/>
+          <p:nvPr/>
+        </p:nvSpPr>
+        <p:spPr>
+          <a:xfrm>
+            <a:off x="9171992" y="854180"/>
+            <a:ext cx="780983" cy="1200329"/>
+          </a:xfrm>
+          <a:prstGeom prst="rect">
+            <a:avLst/>
+          </a:prstGeom>
+          <a:noFill/>
+        </p:spPr>
+        <p:txBody>
+          <a:bodyPr wrap="none" rtlCol="0">
+            <a:spAutoFit/>
+          </a:bodyPr>
+          <a:lstStyle/>
+          <a:p>
+            <a:pPr marL="0" marR="0" lvl="0" indent="0" algn="l" defTabSz="914400" rtl="0" eaLnBrk="1" fontAlgn="auto" latinLnBrk="0" hangingPunct="1">
+              <a:lnSpc>
+                <a:spcPct val="100000"/>
+              </a:lnSpc>
+              <a:spcBef>
+                <a:spcPts val="0"/>
+              </a:spcBef>
+              <a:spcAft>
+                <a:spcPts val="0"/>
+              </a:spcAft>
+              <a:buClrTx/>
+              <a:buSzTx/>
+              <a:buFontTx/>
+              <a:buNone/>
+              <a:tabLst/>
+              <a:defRPr/>
+            </a:pPr>
+            <a:r>
+              <a:rPr kumimoji="0" lang="en-US" sz="7200" b="1" i="0" u="none" strike="noStrike" kern="1200" cap="none" spc="0" normalizeH="0" baseline="0" noProof="0" dirty="0">
+                <a:ln>
+                  <a:noFill/>
+                </a:ln>
+                <a:solidFill>
+                  <a:srgbClr val="C00000"/>
+                </a:solidFill>
+                <a:effectLst/>
+                <a:uLnTx/>
+                <a:uFillTx/>
+                <a:latin typeface="Calibri" panose="020F0502020204030204"/>
+                <a:ea typeface="+mn-ea"/>
+                <a:cs typeface="+mn-cs"/>
+                <a:sym typeface="Wingdings 2" panose="05020102010507070707" pitchFamily="18" charset="2"/>
+              </a:rPr>
+              <a:t></a:t>
+            </a:r>
+            <a:endParaRPr kumimoji="0" lang="en-US" sz="7200" b="1" i="0" u="none" strike="noStrike" kern="1200" cap="none" spc="0" normalizeH="0" baseline="0" noProof="0" dirty="0">
+              <a:ln>
+                <a:noFill/>
+              </a:ln>
+              <a:solidFill>
+                <a:srgbClr val="C00000"/>
+              </a:solidFill>
+              <a:effectLst/>
+              <a:uLnTx/>
+              <a:uFillTx/>
+              <a:latin typeface="Calibri" panose="020F0502020204030204"/>
+              <a:ea typeface="+mn-ea"/>
+              <a:cs typeface="+mn-cs"/>
+            </a:endParaRPr>
+          </a:p>
+        </p:txBody>
+      </p:sp>
+      <p:sp>
+        <p:nvSpPr>
+          <p:cNvPr id="3" name="TextBox 2">
+            <a:extLst>
+              <a:ext uri="{FF2B5EF4-FFF2-40B4-BE49-F238E27FC236}">
+                <a16:creationId xmlns:a16="http://schemas.microsoft.com/office/drawing/2014/main" id="{9950EDA6-0CAA-B07D-B9FF-4255839CEBF6}"/>
+              </a:ext>
+            </a:extLst>
+          </p:cNvPr>
+          <p:cNvSpPr txBox="1"/>
+          <p:nvPr/>
+        </p:nvSpPr>
+        <p:spPr>
+          <a:xfrm>
+            <a:off x="11464525" y="6009967"/>
+            <a:ext cx="385042" cy="523220"/>
+          </a:xfrm>
+          <a:prstGeom prst="rect">
+            <a:avLst/>
+          </a:prstGeom>
+          <a:noFill/>
+        </p:spPr>
+        <p:txBody>
+          <a:bodyPr wrap="none" rtlCol="0">
+            <a:spAutoFit/>
+          </a:bodyPr>
+          <a:lstStyle/>
+          <a:p>
+            <a:pPr marL="0" marR="0" lvl="0" indent="0" algn="l" defTabSz="914400" rtl="0" eaLnBrk="1" fontAlgn="auto" latinLnBrk="0" hangingPunct="1">
+              <a:lnSpc>
+                <a:spcPct val="100000"/>
+              </a:lnSpc>
+              <a:spcBef>
+                <a:spcPts val="0"/>
+              </a:spcBef>
+              <a:spcAft>
+                <a:spcPts val="0"/>
+              </a:spcAft>
+              <a:buClrTx/>
+              <a:buSzTx/>
+              <a:buFontTx/>
+              <a:buNone/>
+              <a:tabLst/>
+              <a:defRPr/>
+            </a:pPr>
+            <a:r>
+              <a:rPr kumimoji="0" lang="fa-IR" sz="2800" b="1" i="0" u="none" strike="noStrike" kern="1200" cap="none" spc="0" normalizeH="0" baseline="0" noProof="0" dirty="0">
+                <a:ln>
+                  <a:noFill/>
+                </a:ln>
+                <a:solidFill>
+                  <a:prstClr val="black"/>
+                </a:solidFill>
+                <a:effectLst/>
+                <a:uLnTx/>
+                <a:uFillTx/>
+                <a:latin typeface="Calibri" panose="020F0502020204030204"/>
+                <a:ea typeface="+mn-ea"/>
+                <a:cs typeface="+mn-cs"/>
+              </a:rPr>
+              <a:t>8</a:t>
+            </a:r>
+            <a:endParaRPr kumimoji="0" lang="en-US" sz="2800" b="1" i="0" u="none" strike="noStrike" kern="1200" cap="none" spc="0" normalizeH="0" baseline="0" noProof="0" dirty="0">
+              <a:ln>
+                <a:noFill/>
+              </a:ln>
+              <a:solidFill>
+                <a:prstClr val="black"/>
+              </a:solidFill>
+              <a:effectLst/>
+              <a:uLnTx/>
+              <a:uFillTx/>
+              <a:latin typeface="Calibri" panose="020F0502020204030204"/>
+              <a:ea typeface="+mn-ea"/>
+              <a:cs typeface="+mn-cs"/>
+            </a:endParaRPr>
           </a:p>
         </p:txBody>
       </p:sp>
     </p:spTree>
+    <p:custDataLst>
+      <p:tags r:id="rId1"/>
+    </p:custDataLst>
     <p:extLst>
       <p:ext uri="{BB962C8B-B14F-4D97-AF65-F5344CB8AC3E}">
-        <p14:creationId xmlns:p14="http://schemas.microsoft.com/office/powerpoint/2010/main" val="2763702226"/>
+        <p14:creationId xmlns:p14="http://schemas.microsoft.com/office/powerpoint/2010/main" val="2729657247"/>
       </p:ext>
     </p:extLst>
   </p:cSld>
@@ -10447,9 +14910,6 @@
                     <p:cTn id="3" fill="hold">
                       <p:stCondLst>
                         <p:cond delay="indefinite"/>
-                        <p:cond evt="onBegin" delay="0">
-                          <p:tn val="2"/>
-                        </p:cond>
                       </p:stCondLst>
                       <p:childTnLst>
                         <p:par>
@@ -10459,7 +14919,7 @@
                             </p:stCondLst>
                             <p:childTnLst>
                               <p:par>
-                                <p:cTn id="5" presetID="10" presetClass="entr" presetSubtype="0" fill="hold" grpId="0" nodeType="withEffect">
+                                <p:cTn id="5" presetID="10" presetClass="entr" presetSubtype="0" fill="hold" nodeType="clickEffect">
                                   <p:stCondLst>
                                     <p:cond delay="0"/>
                                   </p:stCondLst>
@@ -10472,7 +14932,7 @@
                                           </p:stCondLst>
                                         </p:cTn>
                                         <p:tgtEl>
-                                          <p:spTgt spid="13"/>
+                                          <p:spTgt spid="18"/>
                                         </p:tgtEl>
                                         <p:attrNameLst>
                                           <p:attrName>style.visibility</p:attrName>
@@ -10484,9 +14944,9 @@
                                     </p:set>
                                     <p:animEffect transition="in" filter="fade">
                                       <p:cBhvr>
-                                        <p:cTn id="7" dur="700"/>
+                                        <p:cTn id="7" dur="500"/>
                                         <p:tgtEl>
-                                          <p:spTgt spid="13"/>
+                                          <p:spTgt spid="18"/>
                                         </p:tgtEl>
                                       </p:cBhvr>
                                     </p:animEffect>
@@ -10494,23 +14954,23 @@
                                 </p:cTn>
                               </p:par>
                               <p:par>
-                                <p:cTn id="8" presetID="63" presetClass="path" presetSubtype="0" accel="50000" decel="50000" fill="hold" grpId="1" nodeType="withEffect">
+                                <p:cTn id="8" presetID="56" presetClass="path" presetSubtype="0" accel="50000" decel="50000" fill="hold" nodeType="withEffect">
                                   <p:stCondLst>
                                     <p:cond delay="0"/>
                                   </p:stCondLst>
                                   <p:childTnLst>
-                                    <p:animMotion origin="layout" path="M -2.08333E-7 3.7037E-7 L 0.10677 -0.00046 " pathEditMode="relative" rAng="0" ptsTypes="AA">
+                                    <p:animMotion origin="layout" path="M 8.33333E-7 -2.59259E-6 L 0.38021 -0.14421 " pathEditMode="fixed" rAng="0" ptsTypes="AA">
                                       <p:cBhvr>
-                                        <p:cTn id="9" dur="1250" fill="hold"/>
+                                        <p:cTn id="9" dur="2000" fill="hold"/>
                                         <p:tgtEl>
-                                          <p:spTgt spid="13"/>
+                                          <p:spTgt spid="18"/>
                                         </p:tgtEl>
                                         <p:attrNameLst>
                                           <p:attrName>ppt_x</p:attrName>
                                           <p:attrName>ppt_y</p:attrName>
                                         </p:attrNameLst>
                                       </p:cBhvr>
-                                      <p:rCtr x="5339" y="-23"/>
+                                      <p:rCtr x="18997" y="-7083"/>
                                     </p:animMotion>
                                   </p:childTnLst>
                                 </p:cTn>
@@ -10521,54 +14981,653 @@
                         <p:par>
                           <p:cTn id="10" fill="hold">
                             <p:stCondLst>
-                              <p:cond delay="1250"/>
+                              <p:cond delay="2000"/>
                             </p:stCondLst>
                             <p:childTnLst>
                               <p:par>
-                                <p:cTn id="11" presetID="35" presetClass="path" presetSubtype="0" accel="50000" decel="50000" fill="hold" grpId="2" nodeType="afterEffect">
+                                <p:cTn id="11" presetID="1" presetClass="entr" presetSubtype="0" fill="hold" nodeType="afterEffect">
                                   <p:stCondLst>
                                     <p:cond delay="0"/>
                                   </p:stCondLst>
                                   <p:childTnLst>
-                                    <p:animMotion origin="layout" path="M 0.10794 -0.00046 L -1.45833E-6 3.33333E-6 " pathEditMode="relative" rAng="0" ptsTypes="AA">
+                                    <p:set>
                                       <p:cBhvr>
-                                        <p:cTn id="12" dur="1250" fill="hold"/>
+                                        <p:cTn id="12" dur="1" fill="hold">
+                                          <p:stCondLst>
+                                            <p:cond delay="0"/>
+                                          </p:stCondLst>
+                                        </p:cTn>
                                         <p:tgtEl>
-                                          <p:spTgt spid="13"/>
+                                          <p:spTgt spid="27"/>
+                                        </p:tgtEl>
+                                        <p:attrNameLst>
+                                          <p:attrName>style.visibility</p:attrName>
+                                        </p:attrNameLst>
+                                      </p:cBhvr>
+                                      <p:to>
+                                        <p:strVal val="visible"/>
+                                      </p:to>
+                                    </p:set>
+                                  </p:childTnLst>
+                                </p:cTn>
+                              </p:par>
+                              <p:par>
+                                <p:cTn id="13" presetID="1" presetClass="entr" presetSubtype="0" fill="hold" grpId="0" nodeType="withEffect">
+                                  <p:stCondLst>
+                                    <p:cond delay="0"/>
+                                  </p:stCondLst>
+                                  <p:childTnLst>
+                                    <p:set>
+                                      <p:cBhvr>
+                                        <p:cTn id="14" dur="1" fill="hold">
+                                          <p:stCondLst>
+                                            <p:cond delay="0"/>
+                                          </p:stCondLst>
+                                        </p:cTn>
+                                        <p:tgtEl>
+                                          <p:spTgt spid="28"/>
+                                        </p:tgtEl>
+                                        <p:attrNameLst>
+                                          <p:attrName>style.visibility</p:attrName>
+                                        </p:attrNameLst>
+                                      </p:cBhvr>
+                                      <p:to>
+                                        <p:strVal val="visible"/>
+                                      </p:to>
+                                    </p:set>
+                                  </p:childTnLst>
+                                </p:cTn>
+                              </p:par>
+                              <p:par>
+                                <p:cTn id="15" presetID="1" presetClass="entr" presetSubtype="0" fill="hold" grpId="0" nodeType="withEffect">
+                                  <p:stCondLst>
+                                    <p:cond delay="0"/>
+                                  </p:stCondLst>
+                                  <p:childTnLst>
+                                    <p:set>
+                                      <p:cBhvr>
+                                        <p:cTn id="16" dur="1" fill="hold">
+                                          <p:stCondLst>
+                                            <p:cond delay="0"/>
+                                          </p:stCondLst>
+                                        </p:cTn>
+                                        <p:tgtEl>
+                                          <p:spTgt spid="29"/>
+                                        </p:tgtEl>
+                                        <p:attrNameLst>
+                                          <p:attrName>style.visibility</p:attrName>
+                                        </p:attrNameLst>
+                                      </p:cBhvr>
+                                      <p:to>
+                                        <p:strVal val="visible"/>
+                                      </p:to>
+                                    </p:set>
+                                  </p:childTnLst>
+                                </p:cTn>
+                              </p:par>
+                            </p:childTnLst>
+                          </p:cTn>
+                        </p:par>
+                        <p:par>
+                          <p:cTn id="17" fill="hold">
+                            <p:stCondLst>
+                              <p:cond delay="2000"/>
+                            </p:stCondLst>
+                            <p:childTnLst>
+                              <p:par>
+                                <p:cTn id="18" presetID="56" presetClass="path" presetSubtype="0" accel="50000" decel="50000" fill="hold" nodeType="afterEffect">
+                                  <p:stCondLst>
+                                    <p:cond delay="0"/>
+                                  </p:stCondLst>
+                                  <p:childTnLst>
+                                    <p:animMotion origin="layout" path="M 0.38021 -0.14421 L 0.59648 -0.30972 " pathEditMode="fixed" rAng="0" ptsTypes="AA">
+                                      <p:cBhvr>
+                                        <p:cTn id="19" dur="1000" fill="hold"/>
+                                        <p:tgtEl>
+                                          <p:spTgt spid="18"/>
                                         </p:tgtEl>
                                         <p:attrNameLst>
                                           <p:attrName>ppt_x</p:attrName>
                                           <p:attrName>ppt_y</p:attrName>
                                         </p:attrNameLst>
                                       </p:cBhvr>
-                                      <p:rCtr x="-5365" y="0"/>
+                                      <p:rCtr x="10807" y="-8287"/>
                                     </p:animMotion>
                                   </p:childTnLst>
                                 </p:cTn>
                               </p:par>
+                            </p:childTnLst>
+                          </p:cTn>
+                        </p:par>
+                        <p:par>
+                          <p:cTn id="20" fill="hold">
+                            <p:stCondLst>
+                              <p:cond delay="3000"/>
+                            </p:stCondLst>
+                            <p:childTnLst>
                               <p:par>
-                                <p:cTn id="13" presetID="22" presetClass="exit" presetSubtype="4" fill="hold" grpId="3" nodeType="withEffect">
+                                <p:cTn id="21" presetID="53" presetClass="entr" presetSubtype="16" fill="hold" grpId="0" nodeType="afterEffect">
                                   <p:stCondLst>
-                                    <p:cond delay="750"/>
+                                    <p:cond delay="0"/>
                                   </p:stCondLst>
                                   <p:childTnLst>
-                                    <p:animEffect transition="out" filter="wipe(down)">
+                                    <p:set>
                                       <p:cBhvr>
-                                        <p:cTn id="14" dur="600"/>
+                                        <p:cTn id="22" dur="1" fill="hold">
+                                          <p:stCondLst>
+                                            <p:cond delay="0"/>
+                                          </p:stCondLst>
+                                        </p:cTn>
                                         <p:tgtEl>
-                                          <p:spTgt spid="13"/>
+                                          <p:spTgt spid="33"/>
+                                        </p:tgtEl>
+                                        <p:attrNameLst>
+                                          <p:attrName>style.visibility</p:attrName>
+                                        </p:attrNameLst>
+                                      </p:cBhvr>
+                                      <p:to>
+                                        <p:strVal val="visible"/>
+                                      </p:to>
+                                    </p:set>
+                                    <p:anim calcmode="lin" valueType="num">
+                                      <p:cBhvr>
+                                        <p:cTn id="23" dur="500" fill="hold"/>
+                                        <p:tgtEl>
+                                          <p:spTgt spid="33"/>
+                                        </p:tgtEl>
+                                        <p:attrNameLst>
+                                          <p:attrName>ppt_w</p:attrName>
+                                        </p:attrNameLst>
+                                      </p:cBhvr>
+                                      <p:tavLst>
+                                        <p:tav tm="0">
+                                          <p:val>
+                                            <p:fltVal val="0"/>
+                                          </p:val>
+                                        </p:tav>
+                                        <p:tav tm="100000">
+                                          <p:val>
+                                            <p:strVal val="#ppt_w"/>
+                                          </p:val>
+                                        </p:tav>
+                                      </p:tavLst>
+                                    </p:anim>
+                                    <p:anim calcmode="lin" valueType="num">
+                                      <p:cBhvr>
+                                        <p:cTn id="24" dur="500" fill="hold"/>
+                                        <p:tgtEl>
+                                          <p:spTgt spid="33"/>
+                                        </p:tgtEl>
+                                        <p:attrNameLst>
+                                          <p:attrName>ppt_h</p:attrName>
+                                        </p:attrNameLst>
+                                      </p:cBhvr>
+                                      <p:tavLst>
+                                        <p:tav tm="0">
+                                          <p:val>
+                                            <p:fltVal val="0"/>
+                                          </p:val>
+                                        </p:tav>
+                                        <p:tav tm="100000">
+                                          <p:val>
+                                            <p:strVal val="#ppt_h"/>
+                                          </p:val>
+                                        </p:tav>
+                                      </p:tavLst>
+                                    </p:anim>
+                                    <p:animEffect transition="in" filter="fade">
+                                      <p:cBhvr>
+                                        <p:cTn id="25" dur="500"/>
+                                        <p:tgtEl>
+                                          <p:spTgt spid="33"/>
+                                        </p:tgtEl>
+                                      </p:cBhvr>
+                                    </p:animEffect>
+                                  </p:childTnLst>
+                                </p:cTn>
+                              </p:par>
+                            </p:childTnLst>
+                          </p:cTn>
+                        </p:par>
+                        <p:par>
+                          <p:cTn id="26" fill="hold">
+                            <p:stCondLst>
+                              <p:cond delay="3500"/>
+                            </p:stCondLst>
+                            <p:childTnLst>
+                              <p:par>
+                                <p:cTn id="27" presetID="10" presetClass="exit" presetSubtype="0" fill="hold" nodeType="afterEffect">
+                                  <p:stCondLst>
+                                    <p:cond delay="500"/>
+                                  </p:stCondLst>
+                                  <p:childTnLst>
+                                    <p:animEffect transition="out" filter="fade">
+                                      <p:cBhvr>
+                                        <p:cTn id="28" dur="500"/>
+                                        <p:tgtEl>
+                                          <p:spTgt spid="18"/>
                                         </p:tgtEl>
                                       </p:cBhvr>
                                     </p:animEffect>
                                     <p:set>
                                       <p:cBhvr>
-                                        <p:cTn id="15" dur="1" fill="hold">
+                                        <p:cTn id="29" dur="1" fill="hold">
                                           <p:stCondLst>
-                                            <p:cond delay="599"/>
+                                            <p:cond delay="499"/>
                                           </p:stCondLst>
                                         </p:cTn>
                                         <p:tgtEl>
-                                          <p:spTgt spid="13"/>
+                                          <p:spTgt spid="18"/>
+                                        </p:tgtEl>
+                                        <p:attrNameLst>
+                                          <p:attrName>style.visibility</p:attrName>
+                                        </p:attrNameLst>
+                                      </p:cBhvr>
+                                      <p:to>
+                                        <p:strVal val="hidden"/>
+                                      </p:to>
+                                    </p:set>
+                                  </p:childTnLst>
+                                </p:cTn>
+                              </p:par>
+                              <p:par>
+                                <p:cTn id="30" presetID="22" presetClass="exit" presetSubtype="4" fill="hold" grpId="1" nodeType="withEffect">
+                                  <p:stCondLst>
+                                    <p:cond delay="500"/>
+                                  </p:stCondLst>
+                                  <p:childTnLst>
+                                    <p:animEffect transition="out" filter="wipe(down)">
+                                      <p:cBhvr>
+                                        <p:cTn id="31" dur="500"/>
+                                        <p:tgtEl>
+                                          <p:spTgt spid="33"/>
+                                        </p:tgtEl>
+                                      </p:cBhvr>
+                                    </p:animEffect>
+                                    <p:set>
+                                      <p:cBhvr>
+                                        <p:cTn id="32" dur="1" fill="hold">
+                                          <p:stCondLst>
+                                            <p:cond delay="499"/>
+                                          </p:stCondLst>
+                                        </p:cTn>
+                                        <p:tgtEl>
+                                          <p:spTgt spid="33"/>
+                                        </p:tgtEl>
+                                        <p:attrNameLst>
+                                          <p:attrName>style.visibility</p:attrName>
+                                        </p:attrNameLst>
+                                      </p:cBhvr>
+                                      <p:to>
+                                        <p:strVal val="hidden"/>
+                                      </p:to>
+                                    </p:set>
+                                  </p:childTnLst>
+                                </p:cTn>
+                              </p:par>
+                              <p:par>
+                                <p:cTn id="33" presetID="1" presetClass="exit" presetSubtype="0" fill="hold" grpId="1" nodeType="withEffect">
+                                  <p:stCondLst>
+                                    <p:cond delay="250"/>
+                                  </p:stCondLst>
+                                  <p:childTnLst>
+                                    <p:set>
+                                      <p:cBhvr>
+                                        <p:cTn id="34" dur="1" fill="hold">
+                                          <p:stCondLst>
+                                            <p:cond delay="0"/>
+                                          </p:stCondLst>
+                                        </p:cTn>
+                                        <p:tgtEl>
+                                          <p:spTgt spid="28"/>
+                                        </p:tgtEl>
+                                        <p:attrNameLst>
+                                          <p:attrName>style.visibility</p:attrName>
+                                        </p:attrNameLst>
+                                      </p:cBhvr>
+                                      <p:to>
+                                        <p:strVal val="hidden"/>
+                                      </p:to>
+                                    </p:set>
+                                  </p:childTnLst>
+                                </p:cTn>
+                              </p:par>
+                              <p:par>
+                                <p:cTn id="35" presetID="1" presetClass="entr" presetSubtype="0" fill="hold" grpId="0" nodeType="withEffect">
+                                  <p:stCondLst>
+                                    <p:cond delay="250"/>
+                                  </p:stCondLst>
+                                  <p:childTnLst>
+                                    <p:set>
+                                      <p:cBhvr>
+                                        <p:cTn id="36" dur="1" fill="hold">
+                                          <p:stCondLst>
+                                            <p:cond delay="0"/>
+                                          </p:stCondLst>
+                                        </p:cTn>
+                                        <p:tgtEl>
+                                          <p:spTgt spid="30"/>
+                                        </p:tgtEl>
+                                        <p:attrNameLst>
+                                          <p:attrName>style.visibility</p:attrName>
+                                        </p:attrNameLst>
+                                      </p:cBhvr>
+                                      <p:to>
+                                        <p:strVal val="visible"/>
+                                      </p:to>
+                                    </p:set>
+                                  </p:childTnLst>
+                                </p:cTn>
+                              </p:par>
+                            </p:childTnLst>
+                          </p:cTn>
+                        </p:par>
+                        <p:par>
+                          <p:cTn id="37" fill="hold">
+                            <p:stCondLst>
+                              <p:cond delay="4500"/>
+                            </p:stCondLst>
+                            <p:childTnLst>
+                              <p:par>
+                                <p:cTn id="38" presetID="10" presetClass="entr" presetSubtype="0" fill="hold" nodeType="afterEffect">
+                                  <p:stCondLst>
+                                    <p:cond delay="1500"/>
+                                  </p:stCondLst>
+                                  <p:childTnLst>
+                                    <p:set>
+                                      <p:cBhvr>
+                                        <p:cTn id="39" dur="1" fill="hold">
+                                          <p:stCondLst>
+                                            <p:cond delay="0"/>
+                                          </p:stCondLst>
+                                        </p:cTn>
+                                        <p:tgtEl>
+                                          <p:spTgt spid="19"/>
+                                        </p:tgtEl>
+                                        <p:attrNameLst>
+                                          <p:attrName>style.visibility</p:attrName>
+                                        </p:attrNameLst>
+                                      </p:cBhvr>
+                                      <p:to>
+                                        <p:strVal val="visible"/>
+                                      </p:to>
+                                    </p:set>
+                                    <p:animEffect transition="in" filter="fade">
+                                      <p:cBhvr>
+                                        <p:cTn id="40" dur="500"/>
+                                        <p:tgtEl>
+                                          <p:spTgt spid="19"/>
+                                        </p:tgtEl>
+                                      </p:cBhvr>
+                                    </p:animEffect>
+                                  </p:childTnLst>
+                                </p:cTn>
+                              </p:par>
+                            </p:childTnLst>
+                          </p:cTn>
+                        </p:par>
+                        <p:par>
+                          <p:cTn id="41" fill="hold">
+                            <p:stCondLst>
+                              <p:cond delay="6500"/>
+                            </p:stCondLst>
+                            <p:childTnLst>
+                              <p:par>
+                                <p:cTn id="42" presetID="56" presetClass="path" presetSubtype="0" accel="50000" decel="50000" fill="hold" nodeType="afterEffect">
+                                  <p:stCondLst>
+                                    <p:cond delay="0"/>
+                                  </p:stCondLst>
+                                  <p:childTnLst>
+                                    <p:animMotion origin="layout" path="M 1.875E-6 -4.44444E-6 L 0.3181 -0.49954 " pathEditMode="fixed" rAng="0" ptsTypes="AA">
+                                      <p:cBhvr>
+                                        <p:cTn id="43" dur="2000" fill="hold"/>
+                                        <p:tgtEl>
+                                          <p:spTgt spid="19"/>
+                                        </p:tgtEl>
+                                        <p:attrNameLst>
+                                          <p:attrName>ppt_x</p:attrName>
+                                          <p:attrName>ppt_y</p:attrName>
+                                        </p:attrNameLst>
+                                      </p:cBhvr>
+                                      <p:rCtr x="16016" y="-25139"/>
+                                    </p:animMotion>
+                                  </p:childTnLst>
+                                </p:cTn>
+                              </p:par>
+                            </p:childTnLst>
+                          </p:cTn>
+                        </p:par>
+                        <p:par>
+                          <p:cTn id="44" fill="hold">
+                            <p:stCondLst>
+                              <p:cond delay="8500"/>
+                            </p:stCondLst>
+                            <p:childTnLst>
+                              <p:par>
+                                <p:cTn id="45" presetID="56" presetClass="path" presetSubtype="0" accel="50000" decel="50000" fill="hold" nodeType="afterEffect">
+                                  <p:stCondLst>
+                                    <p:cond delay="0"/>
+                                  </p:stCondLst>
+                                  <p:childTnLst>
+                                    <p:animMotion origin="layout" path="M 0.3181 -0.49953 L 0.53581 -0.67453 " pathEditMode="relative" rAng="0" ptsTypes="AA">
+                                      <p:cBhvr>
+                                        <p:cTn id="46" dur="1200" fill="hold"/>
+                                        <p:tgtEl>
+                                          <p:spTgt spid="19"/>
+                                        </p:tgtEl>
+                                        <p:attrNameLst>
+                                          <p:attrName>ppt_x</p:attrName>
+                                          <p:attrName>ppt_y</p:attrName>
+                                        </p:attrNameLst>
+                                      </p:cBhvr>
+                                      <p:rCtr x="10885" y="-8750"/>
+                                    </p:animMotion>
+                                  </p:childTnLst>
+                                </p:cTn>
+                              </p:par>
+                            </p:childTnLst>
+                          </p:cTn>
+                        </p:par>
+                        <p:par>
+                          <p:cTn id="47" fill="hold">
+                            <p:stCondLst>
+                              <p:cond delay="9700"/>
+                            </p:stCondLst>
+                            <p:childTnLst>
+                              <p:par>
+                                <p:cTn id="48" presetID="10" presetClass="entr" presetSubtype="0" fill="hold" grpId="0" nodeType="afterEffect">
+                                  <p:stCondLst>
+                                    <p:cond delay="0"/>
+                                  </p:stCondLst>
+                                  <p:childTnLst>
+                                    <p:set>
+                                      <p:cBhvr>
+                                        <p:cTn id="49" dur="1" fill="hold">
+                                          <p:stCondLst>
+                                            <p:cond delay="0"/>
+                                          </p:stCondLst>
+                                        </p:cTn>
+                                        <p:tgtEl>
+                                          <p:spTgt spid="34"/>
+                                        </p:tgtEl>
+                                        <p:attrNameLst>
+                                          <p:attrName>style.visibility</p:attrName>
+                                        </p:attrNameLst>
+                                      </p:cBhvr>
+                                      <p:to>
+                                        <p:strVal val="visible"/>
+                                      </p:to>
+                                    </p:set>
+                                    <p:animEffect transition="in" filter="fade">
+                                      <p:cBhvr>
+                                        <p:cTn id="50" dur="500"/>
+                                        <p:tgtEl>
+                                          <p:spTgt spid="34"/>
+                                        </p:tgtEl>
+                                      </p:cBhvr>
+                                    </p:animEffect>
+                                  </p:childTnLst>
+                                </p:cTn>
+                              </p:par>
+                            </p:childTnLst>
+                          </p:cTn>
+                        </p:par>
+                        <p:par>
+                          <p:cTn id="51" fill="hold">
+                            <p:stCondLst>
+                              <p:cond delay="10200"/>
+                            </p:stCondLst>
+                            <p:childTnLst>
+                              <p:par>
+                                <p:cTn id="52" presetID="42" presetClass="exit" presetSubtype="0" fill="hold" nodeType="afterEffect">
+                                  <p:stCondLst>
+                                    <p:cond delay="500"/>
+                                  </p:stCondLst>
+                                  <p:childTnLst>
+                                    <p:animEffect transition="out" filter="fade">
+                                      <p:cBhvr>
+                                        <p:cTn id="53" dur="1000"/>
+                                        <p:tgtEl>
+                                          <p:spTgt spid="19"/>
+                                        </p:tgtEl>
+                                      </p:cBhvr>
+                                    </p:animEffect>
+                                    <p:anim calcmode="lin" valueType="num">
+                                      <p:cBhvr>
+                                        <p:cTn id="54" dur="1000"/>
+                                        <p:tgtEl>
+                                          <p:spTgt spid="19"/>
+                                        </p:tgtEl>
+                                        <p:attrNameLst>
+                                          <p:attrName>ppt_x</p:attrName>
+                                        </p:attrNameLst>
+                                      </p:cBhvr>
+                                      <p:tavLst>
+                                        <p:tav tm="0">
+                                          <p:val>
+                                            <p:strVal val="ppt_x"/>
+                                          </p:val>
+                                        </p:tav>
+                                        <p:tav tm="100000">
+                                          <p:val>
+                                            <p:strVal val="ppt_x"/>
+                                          </p:val>
+                                        </p:tav>
+                                      </p:tavLst>
+                                    </p:anim>
+                                    <p:anim calcmode="lin" valueType="num">
+                                      <p:cBhvr>
+                                        <p:cTn id="55" dur="1000"/>
+                                        <p:tgtEl>
+                                          <p:spTgt spid="19"/>
+                                        </p:tgtEl>
+                                        <p:attrNameLst>
+                                          <p:attrName>ppt_y</p:attrName>
+                                        </p:attrNameLst>
+                                      </p:cBhvr>
+                                      <p:tavLst>
+                                        <p:tav tm="0">
+                                          <p:val>
+                                            <p:strVal val="ppt_y"/>
+                                          </p:val>
+                                        </p:tav>
+                                        <p:tav tm="100000">
+                                          <p:val>
+                                            <p:strVal val="ppt_y+.1"/>
+                                          </p:val>
+                                        </p:tav>
+                                      </p:tavLst>
+                                    </p:anim>
+                                    <p:set>
+                                      <p:cBhvr>
+                                        <p:cTn id="56" dur="1" fill="hold">
+                                          <p:stCondLst>
+                                            <p:cond delay="999"/>
+                                          </p:stCondLst>
+                                        </p:cTn>
+                                        <p:tgtEl>
+                                          <p:spTgt spid="19"/>
+                                        </p:tgtEl>
+                                        <p:attrNameLst>
+                                          <p:attrName>style.visibility</p:attrName>
+                                        </p:attrNameLst>
+                                      </p:cBhvr>
+                                      <p:to>
+                                        <p:strVal val="hidden"/>
+                                      </p:to>
+                                    </p:set>
+                                  </p:childTnLst>
+                                </p:cTn>
+                              </p:par>
+                              <p:par>
+                                <p:cTn id="57" presetID="42" presetClass="exit" presetSubtype="0" fill="hold" grpId="1" nodeType="withEffect">
+                                  <p:stCondLst>
+                                    <p:cond delay="500"/>
+                                  </p:stCondLst>
+                                  <p:childTnLst>
+                                    <p:animEffect transition="out" filter="fade">
+                                      <p:cBhvr>
+                                        <p:cTn id="58" dur="1000"/>
+                                        <p:tgtEl>
+                                          <p:spTgt spid="34"/>
+                                        </p:tgtEl>
+                                      </p:cBhvr>
+                                    </p:animEffect>
+                                    <p:anim calcmode="lin" valueType="num">
+                                      <p:cBhvr>
+                                        <p:cTn id="59" dur="1000"/>
+                                        <p:tgtEl>
+                                          <p:spTgt spid="34"/>
+                                        </p:tgtEl>
+                                        <p:attrNameLst>
+                                          <p:attrName>ppt_x</p:attrName>
+                                        </p:attrNameLst>
+                                      </p:cBhvr>
+                                      <p:tavLst>
+                                        <p:tav tm="0">
+                                          <p:val>
+                                            <p:strVal val="ppt_x"/>
+                                          </p:val>
+                                        </p:tav>
+                                        <p:tav tm="100000">
+                                          <p:val>
+                                            <p:strVal val="ppt_x"/>
+                                          </p:val>
+                                        </p:tav>
+                                      </p:tavLst>
+                                    </p:anim>
+                                    <p:anim calcmode="lin" valueType="num">
+                                      <p:cBhvr>
+                                        <p:cTn id="60" dur="1000"/>
+                                        <p:tgtEl>
+                                          <p:spTgt spid="34"/>
+                                        </p:tgtEl>
+                                        <p:attrNameLst>
+                                          <p:attrName>ppt_y</p:attrName>
+                                        </p:attrNameLst>
+                                      </p:cBhvr>
+                                      <p:tavLst>
+                                        <p:tav tm="0">
+                                          <p:val>
+                                            <p:strVal val="ppt_y"/>
+                                          </p:val>
+                                        </p:tav>
+                                        <p:tav tm="100000">
+                                          <p:val>
+                                            <p:strVal val="ppt_y+.1"/>
+                                          </p:val>
+                                        </p:tav>
+                                      </p:tavLst>
+                                    </p:anim>
+                                    <p:set>
+                                      <p:cBhvr>
+                                        <p:cTn id="61" dur="1" fill="hold">
+                                          <p:stCondLst>
+                                            <p:cond delay="999"/>
+                                          </p:stCondLst>
+                                        </p:cTn>
+                                        <p:tgtEl>
+                                          <p:spTgt spid="34"/>
                                         </p:tgtEl>
                                         <p:attrNameLst>
                                           <p:attrName>style.visibility</p:attrName>
@@ -10609,125 +15668,23 @@
       </p:par>
     </p:tnLst>
     <p:bldLst>
-      <p:bldP spid="13" grpId="0" animBg="1"/>
-      <p:bldP spid="13" grpId="1" animBg="1"/>
-      <p:bldP spid="13" grpId="2" animBg="1"/>
-      <p:bldP spid="13" grpId="3" animBg="1"/>
+      <p:bldP spid="28" grpId="0"/>
+      <p:bldP spid="28" grpId="1"/>
+      <p:bldP spid="29" grpId="0"/>
+      <p:bldP spid="30" grpId="0"/>
+      <p:bldP spid="33" grpId="0"/>
+      <p:bldP spid="33" grpId="1"/>
+      <p:bldP spid="34" grpId="0"/>
+      <p:bldP spid="34" grpId="1"/>
     </p:bldLst>
   </p:timing>
 </p:sld>
 </file>
 
-<file path=ppt/slides/slide9.xml><?xml version="1.0" encoding="utf-8"?>
-<p:sld xmlns:a="http://schemas.openxmlformats.org/drawingml/2006/main" xmlns:r="http://schemas.openxmlformats.org/officeDocument/2006/relationships" xmlns:p="http://schemas.openxmlformats.org/presentationml/2006/main">
-  <p:cSld>
-    <p:spTree>
-      <p:nvGrpSpPr>
-        <p:cNvPr id="1" name=""/>
-        <p:cNvGrpSpPr/>
-        <p:nvPr/>
-      </p:nvGrpSpPr>
-      <p:grpSpPr>
-        <a:xfrm>
-          <a:off x="0" y="0"/>
-          <a:ext cx="0" cy="0"/>
-          <a:chOff x="0" y="0"/>
-          <a:chExt cx="0" cy="0"/>
-        </a:xfrm>
-      </p:grpSpPr>
-      <p:sp>
-        <p:nvSpPr>
-          <p:cNvPr id="4" name="TextBox 3">
-            <a:extLst>
-              <a:ext uri="{FF2B5EF4-FFF2-40B4-BE49-F238E27FC236}">
-                <a16:creationId xmlns:a16="http://schemas.microsoft.com/office/drawing/2014/main" id="{0EDAC582-D10E-E1BE-3EE7-C011537C02A6}"/>
-              </a:ext>
-            </a:extLst>
-          </p:cNvPr>
-          <p:cNvSpPr txBox="1"/>
-          <p:nvPr/>
-        </p:nvSpPr>
-        <p:spPr>
-          <a:xfrm>
-            <a:off x="2025445" y="2584046"/>
-            <a:ext cx="8141110" cy="1107996"/>
-          </a:xfrm>
-          <a:prstGeom prst="rect">
-            <a:avLst/>
-          </a:prstGeom>
-          <a:noFill/>
-        </p:spPr>
-        <p:txBody>
-          <a:bodyPr wrap="square" rtlCol="0" anchor="ctr">
-            <a:spAutoFit/>
-          </a:bodyPr>
-          <a:lstStyle/>
-          <a:p>
-            <a:pPr algn="ctr"/>
-            <a:r>
-              <a:rPr lang="en-US" sz="6600" b="1" dirty="0">
-                <a:latin typeface="Arial" panose="020B0604020202020204" pitchFamily="34" charset="0"/>
-                <a:cs typeface="Arial" panose="020B0604020202020204" pitchFamily="34" charset="0"/>
-              </a:rPr>
-              <a:t>Generate a VotingID</a:t>
-            </a:r>
-          </a:p>
-        </p:txBody>
-      </p:sp>
-      <p:cxnSp>
-        <p:nvCxnSpPr>
-          <p:cNvPr id="5" name="Straight Connector 4">
-            <a:extLst>
-              <a:ext uri="{FF2B5EF4-FFF2-40B4-BE49-F238E27FC236}">
-                <a16:creationId xmlns:a16="http://schemas.microsoft.com/office/drawing/2014/main" id="{8AB8F30D-E183-7E22-5AA4-C00315575114}"/>
-              </a:ext>
-            </a:extLst>
-          </p:cNvPr>
-          <p:cNvCxnSpPr>
-            <a:cxnSpLocks/>
-          </p:cNvCxnSpPr>
-          <p:nvPr/>
-        </p:nvCxnSpPr>
-        <p:spPr>
-          <a:xfrm>
-            <a:off x="2025445" y="3692042"/>
-            <a:ext cx="8141110" cy="0"/>
-          </a:xfrm>
-          <a:prstGeom prst="line">
-            <a:avLst/>
-          </a:prstGeom>
-          <a:ln w="76200">
-            <a:solidFill>
-              <a:schemeClr val="tx1"/>
-            </a:solidFill>
-          </a:ln>
-        </p:spPr>
-        <p:style>
-          <a:lnRef idx="1">
-            <a:schemeClr val="accent1"/>
-          </a:lnRef>
-          <a:fillRef idx="0">
-            <a:schemeClr val="accent1"/>
-          </a:fillRef>
-          <a:effectRef idx="0">
-            <a:schemeClr val="accent1"/>
-          </a:effectRef>
-          <a:fontRef idx="minor">
-            <a:schemeClr val="tx1"/>
-          </a:fontRef>
-        </p:style>
-      </p:cxnSp>
-    </p:spTree>
-    <p:extLst>
-      <p:ext uri="{BB962C8B-B14F-4D97-AF65-F5344CB8AC3E}">
-        <p14:creationId xmlns:p14="http://schemas.microsoft.com/office/powerpoint/2010/main" val="4032985810"/>
-      </p:ext>
-    </p:extLst>
-  </p:cSld>
-  <p:clrMapOvr>
-    <a:masterClrMapping/>
-  </p:clrMapOvr>
-</p:sld>
+<file path=ppt/tags/tag1.xml><?xml version="1.0" encoding="utf-8"?>
+<p:tagLst xmlns:a="http://schemas.openxmlformats.org/drawingml/2006/main" xmlns:r="http://schemas.openxmlformats.org/officeDocument/2006/relationships" xmlns:p="http://schemas.openxmlformats.org/presentationml/2006/main">
+  <p:tag name="TIMING" val="|18.7"/>
+</p:tagLst>
 </file>
 
 <file path=ppt/theme/theme1.xml><?xml version="1.0" encoding="utf-8"?>
